--- a/3.项目资料/SSE/hisMarket/6.用户文档/行情历史数据总结报告.pptx
+++ b/3.项目资料/SSE/hisMarket/6.用户文档/行情历史数据总结报告.pptx
@@ -5,26 +5,34 @@
     <p:sldMasterId id="2147483648" r:id="rId1"/>
   </p:sldMasterIdLst>
   <p:notesMasterIdLst>
-    <p:notesMasterId r:id="rId16"/>
+    <p:notesMasterId r:id="rId24"/>
   </p:notesMasterIdLst>
   <p:handoutMasterIdLst>
-    <p:handoutMasterId r:id="rId17"/>
+    <p:handoutMasterId r:id="rId25"/>
   </p:handoutMasterIdLst>
   <p:sldIdLst>
     <p:sldId id="635" r:id="rId2"/>
     <p:sldId id="954" r:id="rId3"/>
-    <p:sldId id="955" r:id="rId4"/>
-    <p:sldId id="956" r:id="rId5"/>
+    <p:sldId id="956" r:id="rId4"/>
+    <p:sldId id="955" r:id="rId5"/>
     <p:sldId id="957" r:id="rId6"/>
     <p:sldId id="959" r:id="rId7"/>
     <p:sldId id="960" r:id="rId8"/>
     <p:sldId id="961" r:id="rId9"/>
     <p:sldId id="962" r:id="rId10"/>
     <p:sldId id="963" r:id="rId11"/>
-    <p:sldId id="964" r:id="rId12"/>
-    <p:sldId id="935" r:id="rId13"/>
-    <p:sldId id="980" r:id="rId14"/>
-    <p:sldId id="978" r:id="rId15"/>
+    <p:sldId id="987" r:id="rId12"/>
+    <p:sldId id="982" r:id="rId13"/>
+    <p:sldId id="984" r:id="rId14"/>
+    <p:sldId id="983" r:id="rId15"/>
+    <p:sldId id="985" r:id="rId16"/>
+    <p:sldId id="986" r:id="rId17"/>
+    <p:sldId id="988" r:id="rId18"/>
+    <p:sldId id="981" r:id="rId19"/>
+    <p:sldId id="964" r:id="rId20"/>
+    <p:sldId id="935" r:id="rId21"/>
+    <p:sldId id="980" r:id="rId22"/>
+    <p:sldId id="978" r:id="rId23"/>
   </p:sldIdLst>
   <p:sldSz cx="10691813" cy="6858000"/>
   <p:notesSz cx="6858000" cy="9144000"/>
@@ -188,36 +196,60 @@
 
 <file path=ppt/charts/chart1.xml><?xml version="1.0" encoding="utf-8"?>
 <c:chartSpace xmlns:c="http://schemas.openxmlformats.org/drawingml/2006/chart" xmlns:a="http://schemas.openxmlformats.org/drawingml/2006/main" xmlns:r="http://schemas.openxmlformats.org/officeDocument/2006/relationships">
-  <c:date1904 val="0"/>
+  <c:date1904 val="1"/>
   <c:lang val="zh-CN"/>
-  <c:roundedCorners val="0"/>
-  <mc:AlternateContent xmlns:mc="http://schemas.openxmlformats.org/markup-compatibility/2006">
-    <mc:Choice xmlns:c14="http://schemas.microsoft.com/office/drawing/2007/8/2/chart" Requires="c14">
-      <c14:style val="102"/>
-    </mc:Choice>
-    <mc:Fallback>
-      <c:style val="2"/>
-    </mc:Fallback>
-  </mc:AlternateContent>
   <c:chart>
-    <c:autoTitleDeleted val="0"/>
     <c:view3D>
       <c:rotX val="30"/>
-      <c:rotY val="0"/>
-      <c:rAngAx val="0"/>
       <c:perspective val="30"/>
     </c:view3D>
-    <c:floor>
-      <c:thickness val="0"/>
-    </c:floor>
-    <c:sideWall>
-      <c:thickness val="0"/>
-    </c:sideWall>
-    <c:backWall>
-      <c:thickness val="0"/>
-    </c:backWall>
     <c:plotArea>
       <c:layout/>
+      <c:pie3DChart>
+        <c:varyColors val="1"/>
+      </c:pie3DChart>
+    </c:plotArea>
+    <c:legend>
+      <c:legendPos val="r"/>
+      <c:layout/>
+      <c:txPr>
+        <a:bodyPr/>
+        <a:lstStyle/>
+        <a:p>
+          <a:pPr rtl="0">
+            <a:defRPr/>
+          </a:pPr>
+          <a:endParaRPr lang="zh-CN"/>
+        </a:p>
+      </c:txPr>
+    </c:legend>
+    <c:plotVisOnly val="1"/>
+    <c:dispBlanksAs val="zero"/>
+  </c:chart>
+  <c:externalData r:id="rId1"/>
+</c:chartSpace>
+</file>
+
+<file path=ppt/charts/chart2.xml><?xml version="1.0" encoding="utf-8"?>
+<c:chartSpace xmlns:c="http://schemas.openxmlformats.org/drawingml/2006/chart" xmlns:a="http://schemas.openxmlformats.org/drawingml/2006/main" xmlns:r="http://schemas.openxmlformats.org/officeDocument/2006/relationships">
+  <c:lang val="zh-CN"/>
+  <c:chart>
+    <c:view3D>
+      <c:rotX val="30"/>
+      <c:perspective val="30"/>
+    </c:view3D>
+    <c:plotArea>
+      <c:layout>
+        <c:manualLayout>
+          <c:layoutTarget val="inner"/>
+          <c:xMode val="edge"/>
+          <c:yMode val="edge"/>
+          <c:x val="0.10087073490813651"/>
+          <c:y val="0.13194444444444456"/>
+          <c:w val="0.61219050743657089"/>
+          <c:h val="0.77314814814814825"/>
+        </c:manualLayout>
+      </c:layout>
       <c:pie3DChart>
         <c:varyColors val="1"/>
         <c:ser>
@@ -229,50 +261,12 @@
               <c:idx val="0"/>
               <c:layout>
                 <c:manualLayout>
-                  <c:x val="-2.7929624445638561E-2"/>
-                  <c:y val="-7.0800229015006121E-3"/>
+                  <c:x val="-1.920393416880797E-2"/>
+                  <c:y val="-3.3057064969563919E-2"/>
                 </c:manualLayout>
               </c:layout>
-              <c:showLegendKey val="0"/>
               <c:showVal val="1"/>
               <c:showCatName val="1"/>
-              <c:showSerName val="0"/>
-              <c:showPercent val="0"/>
-              <c:showBubbleSize val="0"/>
-              <c:separator>
-</c:separator>
-            </c:dLbl>
-            <c:dLbl>
-              <c:idx val="2"/>
-              <c:layout>
-                <c:manualLayout>
-                  <c:x val="7.3831792158283631E-3"/>
-                  <c:y val="-3.4567294409900251E-2"/>
-                </c:manualLayout>
-              </c:layout>
-              <c:showLegendKey val="0"/>
-              <c:showVal val="1"/>
-              <c:showCatName val="1"/>
-              <c:showSerName val="0"/>
-              <c:showPercent val="0"/>
-              <c:showBubbleSize val="0"/>
-              <c:separator>
-</c:separator>
-            </c:dLbl>
-            <c:dLbl>
-              <c:idx val="3"/>
-              <c:layout>
-                <c:manualLayout>
-                  <c:x val="3.0842479974685207E-2"/>
-                  <c:y val="-0.10937570686079216"/>
-                </c:manualLayout>
-              </c:layout>
-              <c:showLegendKey val="0"/>
-              <c:showVal val="1"/>
-              <c:showCatName val="1"/>
-              <c:showSerName val="0"/>
-              <c:showPercent val="0"/>
-              <c:showBubbleSize val="0"/>
               <c:separator>
 </c:separator>
             </c:dLbl>
@@ -280,16 +274,51 @@
               <c:idx val="5"/>
               <c:layout>
                 <c:manualLayout>
-                  <c:x val="9.7225564740291235E-3"/>
-                  <c:y val="-0.22195833921616859"/>
+                  <c:x val="-6.0955196617023394E-3"/>
+                  <c:y val="-0.16797345900206784"/>
                 </c:manualLayout>
               </c:layout>
-              <c:showLegendKey val="0"/>
               <c:showVal val="1"/>
               <c:showCatName val="1"/>
-              <c:showSerName val="0"/>
-              <c:showPercent val="0"/>
-              <c:showBubbleSize val="0"/>
+              <c:separator>
+</c:separator>
+            </c:dLbl>
+            <c:dLbl>
+              <c:idx val="6"/>
+              <c:layout>
+                <c:manualLayout>
+                  <c:x val="-2.0138888888888887E-2"/>
+                  <c:y val="2.0862860892388441E-2"/>
+                </c:manualLayout>
+              </c:layout>
+              <c:showVal val="1"/>
+              <c:showCatName val="1"/>
+              <c:separator>
+</c:separator>
+            </c:dLbl>
+            <c:dLbl>
+              <c:idx val="7"/>
+              <c:layout>
+                <c:manualLayout>
+                  <c:x val="-2.6390201224846897E-2"/>
+                  <c:y val="-8.0134149897929483E-2"/>
+                </c:manualLayout>
+              </c:layout>
+              <c:showVal val="1"/>
+              <c:showCatName val="1"/>
+              <c:separator>
+</c:separator>
+            </c:dLbl>
+            <c:dLbl>
+              <c:idx val="8"/>
+              <c:layout>
+                <c:manualLayout>
+                  <c:x val="2.6488768419218777E-2"/>
+                  <c:y val="-5.8046203821465969E-2"/>
+                </c:manualLayout>
+              </c:layout>
+              <c:showVal val="1"/>
+              <c:showCatName val="1"/>
               <c:separator>
 </c:separator>
             </c:dLbl>
@@ -297,25 +326,17 @@
               <c:idx val="9"/>
               <c:layout>
                 <c:manualLayout>
-                  <c:x val="3.734230948402964E-2"/>
-                  <c:y val="-1.1761742752855483E-2"/>
+                  <c:x val="8.9812882764654461E-2"/>
+                  <c:y val="-3.3957421988918053E-2"/>
                 </c:manualLayout>
               </c:layout>
-              <c:showLegendKey val="0"/>
               <c:showVal val="1"/>
               <c:showCatName val="1"/>
-              <c:showSerName val="0"/>
-              <c:showPercent val="0"/>
-              <c:showBubbleSize val="0"/>
               <c:separator>
 </c:separator>
             </c:dLbl>
-            <c:showLegendKey val="0"/>
             <c:showVal val="1"/>
             <c:showCatName val="1"/>
-            <c:showSerName val="0"/>
-            <c:showPercent val="0"/>
-            <c:showBubbleSize val="0"/>
             <c:separator>
 </c:separator>
             <c:showLeaderLines val="1"/>
@@ -360,59 +381,58 @@
           </c:cat>
           <c:val>
             <c:numRef>
-              <c:f>Sheet1!$A$4:$J$4</c:f>
+              <c:f>Sheet1!$A$3:$J$3</c:f>
               <c:numCache>
-                <c:formatCode>0.00%</c:formatCode>
+                <c:formatCode>General</c:formatCode>
                 <c:ptCount val="10"/>
                 <c:pt idx="0">
-                  <c:v>5.7099999999999998E-2</c:v>
+                  <c:v>10.27</c:v>
                 </c:pt>
                 <c:pt idx="1">
-                  <c:v>5.7099999999999998E-2</c:v>
+                  <c:v>6.1599999999999984</c:v>
                 </c:pt>
                 <c:pt idx="2">
-                  <c:v>8.5699999999999998E-2</c:v>
+                  <c:v>6.1599999999999984</c:v>
                 </c:pt>
                 <c:pt idx="3">
-                  <c:v>0.35139999999999999</c:v>
+                  <c:v>37.99</c:v>
                 </c:pt>
                 <c:pt idx="4">
-                  <c:v>1.43E-2</c:v>
+                  <c:v>1.44</c:v>
                 </c:pt>
                 <c:pt idx="5">
-                  <c:v>0.28570000000000001</c:v>
+                  <c:v>22.59</c:v>
                 </c:pt>
                 <c:pt idx="6">
-                  <c:v>2.86E-2</c:v>
+                  <c:v>2.0499999999999998</c:v>
                 </c:pt>
                 <c:pt idx="7">
-                  <c:v>1.7100000000000001E-2</c:v>
+                  <c:v>2.0499999999999998</c:v>
                 </c:pt>
                 <c:pt idx="8">
-                  <c:v>1.7100000000000001E-2</c:v>
+                  <c:v>3.08</c:v>
                 </c:pt>
                 <c:pt idx="9">
-                  <c:v>8.5699999999999998E-2</c:v>
+                  <c:v>8.2100000000000009</c:v>
                 </c:pt>
               </c:numCache>
             </c:numRef>
           </c:val>
         </c:ser>
-        <c:dLbls>
-          <c:showLegendKey val="0"/>
-          <c:showVal val="0"/>
-          <c:showCatName val="0"/>
-          <c:showSerName val="0"/>
-          <c:showPercent val="0"/>
-          <c:showBubbleSize val="0"/>
-          <c:showLeaderLines val="1"/>
-        </c:dLbls>
       </c:pie3DChart>
     </c:plotArea>
     <c:legend>
       <c:legendPos val="r"/>
-      <c:layout/>
-      <c:overlay val="0"/>
+      <c:layout>
+        <c:manualLayout>
+          <c:xMode val="edge"/>
+          <c:yMode val="edge"/>
+          <c:x val="0.80919026994924559"/>
+          <c:y val="0.16459676122221911"/>
+          <c:w val="0.18280285885231071"/>
+          <c:h val="0.64185032508825723"/>
+        </c:manualLayout>
+      </c:layout>
       <c:txPr>
         <a:bodyPr/>
         <a:lstStyle/>
@@ -425,12 +445,9 @@
       </c:txPr>
     </c:legend>
     <c:plotVisOnly val="1"/>
-    <c:dispBlanksAs val="gap"/>
-    <c:showDLblsOverMax val="0"/>
+    <c:dispBlanksAs val="zero"/>
   </c:chart>
-  <c:externalData r:id="rId1">
-    <c:autoUpdate val="0"/>
-  </c:externalData>
+  <c:externalData r:id="rId1"/>
 </c:chartSpace>
 </file>
 
@@ -543,7 +560,7 @@
               <a:pPr>
                 <a:defRPr/>
               </a:pPr>
-              <a:t>2016/1/15</a:t>
+              <a:t>2016/1/20</a:t>
             </a:fld>
             <a:endParaRPr lang="zh-CN" altLang="en-US"/>
           </a:p>
@@ -645,7 +662,7 @@
     </p:spTree>
     <p:extLst>
       <p:ext uri="{BB962C8B-B14F-4D97-AF65-F5344CB8AC3E}">
-        <p14:creationId xmlns:p14="http://schemas.microsoft.com/office/powerpoint/2010/main" val="3148588413"/>
+        <p14:creationId xmlns="" xmlns:p14="http://schemas.microsoft.com/office/powerpoint/2010/main" val="3148588413"/>
       </p:ext>
     </p:extLst>
   </p:cSld>
@@ -762,7 +779,7 @@
               <a:pPr>
                 <a:defRPr/>
               </a:pPr>
-              <a:t>2016/1/15</a:t>
+              <a:t>2016/1/20</a:t>
             </a:fld>
             <a:endParaRPr lang="zh-CN" altLang="en-US"/>
           </a:p>
@@ -960,7 +977,7 @@
     </p:spTree>
     <p:extLst>
       <p:ext uri="{BB962C8B-B14F-4D97-AF65-F5344CB8AC3E}">
-        <p14:creationId xmlns:p14="http://schemas.microsoft.com/office/powerpoint/2010/main" val="4071161258"/>
+        <p14:creationId xmlns="" xmlns:p14="http://schemas.microsoft.com/office/powerpoint/2010/main" val="4071161258"/>
       </p:ext>
     </p:extLst>
   </p:cSld>
@@ -1217,7 +1234,7 @@
     </p:spTree>
     <p:extLst>
       <p:ext uri="{BB962C8B-B14F-4D97-AF65-F5344CB8AC3E}">
-        <p14:creationId xmlns:p14="http://schemas.microsoft.com/office/powerpoint/2010/main" val="240027498"/>
+        <p14:creationId xmlns="" xmlns:p14="http://schemas.microsoft.com/office/powerpoint/2010/main" val="240027498"/>
       </p:ext>
     </p:extLst>
   </p:cSld>
@@ -1311,7 +1328,7 @@
     </p:spTree>
     <p:extLst>
       <p:ext uri="{BB962C8B-B14F-4D97-AF65-F5344CB8AC3E}">
-        <p14:creationId xmlns:p14="http://schemas.microsoft.com/office/powerpoint/2010/main" val="3455648663"/>
+        <p14:creationId xmlns="" xmlns:p14="http://schemas.microsoft.com/office/powerpoint/2010/main" val="3455648663"/>
       </p:ext>
     </p:extLst>
   </p:cSld>
@@ -1494,7 +1511,7 @@
     </p:spTree>
     <p:extLst>
       <p:ext uri="{BB962C8B-B14F-4D97-AF65-F5344CB8AC3E}">
-        <p14:creationId xmlns:p14="http://schemas.microsoft.com/office/powerpoint/2010/main" val="475854661"/>
+        <p14:creationId xmlns="" xmlns:p14="http://schemas.microsoft.com/office/powerpoint/2010/main" val="475854661"/>
       </p:ext>
     </p:extLst>
   </p:cSld>
@@ -1701,7 +1718,7 @@
               <a:pPr>
                 <a:defRPr/>
               </a:pPr>
-              <a:t>2016/1/15</a:t>
+              <a:t>2016/1/20</a:t>
             </a:fld>
             <a:endParaRPr lang="zh-CN" altLang="en-US"/>
           </a:p>
@@ -1948,7 +1965,7 @@
               <a:pPr>
                 <a:defRPr/>
               </a:pPr>
-              <a:t>2016/1/15</a:t>
+              <a:t>2016/1/20</a:t>
             </a:fld>
             <a:endParaRPr lang="zh-CN" altLang="en-US"/>
           </a:p>
@@ -2195,7 +2212,7 @@
               <a:pPr>
                 <a:defRPr/>
               </a:pPr>
-              <a:t>2016/1/15</a:t>
+              <a:t>2016/1/20</a:t>
             </a:fld>
             <a:endParaRPr lang="zh-CN" altLang="en-US"/>
           </a:p>
@@ -6246,7 +6263,7 @@
               <a:pPr>
                 <a:defRPr/>
               </a:pPr>
-              <a:t>2016/1/15</a:t>
+              <a:t>2016/1/20</a:t>
             </a:fld>
             <a:endParaRPr lang="zh-CN" altLang="en-US"/>
           </a:p>
@@ -6520,7 +6537,7 @@
               <a:pPr>
                 <a:defRPr/>
               </a:pPr>
-              <a:t>2016/1/15</a:t>
+              <a:t>2016/1/20</a:t>
             </a:fld>
             <a:endParaRPr lang="zh-CN" altLang="en-US"/>
           </a:p>
@@ -6876,7 +6893,7 @@
               <a:pPr>
                 <a:defRPr/>
               </a:pPr>
-              <a:t>2016/1/15</a:t>
+              <a:t>2016/1/20</a:t>
             </a:fld>
             <a:endParaRPr lang="zh-CN" altLang="en-US"/>
           </a:p>
@@ -7372,7 +7389,7 @@
               <a:pPr>
                 <a:defRPr/>
               </a:pPr>
-              <a:t>2016/1/15</a:t>
+              <a:t>2016/1/20</a:t>
             </a:fld>
             <a:endParaRPr lang="zh-CN" altLang="en-US"/>
           </a:p>
@@ -7552,7 +7569,7 @@
               <a:pPr>
                 <a:defRPr/>
               </a:pPr>
-              <a:t>2016/1/15</a:t>
+              <a:t>2016/1/20</a:t>
             </a:fld>
             <a:endParaRPr lang="zh-CN" altLang="en-US"/>
           </a:p>
@@ -7701,7 +7718,7 @@
               <a:pPr>
                 <a:defRPr/>
               </a:pPr>
-              <a:t>2016/1/15</a:t>
+              <a:t>2016/1/20</a:t>
             </a:fld>
             <a:endParaRPr lang="zh-CN" altLang="en-US"/>
           </a:p>
@@ -8041,7 +8058,7 @@
               <a:pPr>
                 <a:defRPr/>
               </a:pPr>
-              <a:t>2016/1/15</a:t>
+              <a:t>2016/1/20</a:t>
             </a:fld>
             <a:endParaRPr lang="zh-CN" altLang="en-US"/>
           </a:p>
@@ -8360,7 +8377,7 @@
               <a:pPr>
                 <a:defRPr/>
               </a:pPr>
-              <a:t>2016/1/15</a:t>
+              <a:t>2016/1/20</a:t>
             </a:fld>
             <a:endParaRPr lang="zh-CN" altLang="en-US"/>
           </a:p>
@@ -8513,7 +8530,7 @@
               <a:pPr>
                 <a:defRPr/>
               </a:pPr>
-              <a:t>2016/1/15</a:t>
+              <a:t>2016/1/20</a:t>
             </a:fld>
             <a:endParaRPr lang="zh-CN" altLang="en-US"/>
           </a:p>
@@ -9241,14 +9258,1619 @@
           </a:ln>
           <a:extLst>
             <a:ext uri="{909E8E84-426E-40DD-AFC4-6F175D3DCCD1}">
-              <a14:hiddenFill xmlns:a14="http://schemas.microsoft.com/office/drawing/2010/main">
+              <a14:hiddenFill xmlns="" xmlns:a14="http://schemas.microsoft.com/office/drawing/2010/main">
                 <a:solidFill>
                   <a:srgbClr val="FFFFFF"/>
                 </a:solidFill>
               </a14:hiddenFill>
             </a:ext>
             <a:ext uri="{91240B29-F687-4F45-9708-019B960494DF}">
-              <a14:hiddenLine xmlns:a14="http://schemas.microsoft.com/office/drawing/2010/main" w="9525">
+              <a14:hiddenLine xmlns="" xmlns:a14="http://schemas.microsoft.com/office/drawing/2010/main" w="9525">
+                <a:solidFill>
+                  <a:srgbClr val="000000"/>
+                </a:solidFill>
+                <a:miter lim="800000"/>
+                <a:headEnd/>
+                <a:tailEnd/>
+              </a14:hiddenLine>
+            </a:ext>
+          </a:extLst>
+        </p:spPr>
+        <p:txBody>
+          <a:bodyPr lIns="99276" tIns="49637" rIns="99276" bIns="49637">
+            <a:spAutoFit/>
+          </a:bodyPr>
+          <a:lstStyle>
+            <a:lvl1pPr eaLnBrk="0" hangingPunct="0">
+              <a:defRPr b="1">
+                <a:solidFill>
+                  <a:schemeClr val="bg1"/>
+                </a:solidFill>
+                <a:latin typeface="Arial" charset="0"/>
+                <a:ea typeface="楷体_GB2312" pitchFamily="49" charset="-122"/>
+              </a:defRPr>
+            </a:lvl1pPr>
+            <a:lvl2pPr marL="742950" indent="-285750" eaLnBrk="0" hangingPunct="0">
+              <a:defRPr b="1">
+                <a:solidFill>
+                  <a:schemeClr val="bg1"/>
+                </a:solidFill>
+                <a:latin typeface="Arial" charset="0"/>
+                <a:ea typeface="楷体_GB2312" pitchFamily="49" charset="-122"/>
+              </a:defRPr>
+            </a:lvl2pPr>
+            <a:lvl3pPr marL="1143000" indent="-228600" eaLnBrk="0" hangingPunct="0">
+              <a:defRPr b="1">
+                <a:solidFill>
+                  <a:schemeClr val="bg1"/>
+                </a:solidFill>
+                <a:latin typeface="Arial" charset="0"/>
+                <a:ea typeface="楷体_GB2312" pitchFamily="49" charset="-122"/>
+              </a:defRPr>
+            </a:lvl3pPr>
+            <a:lvl4pPr marL="1600200" indent="-228600" eaLnBrk="0" hangingPunct="0">
+              <a:defRPr b="1">
+                <a:solidFill>
+                  <a:schemeClr val="bg1"/>
+                </a:solidFill>
+                <a:latin typeface="Arial" charset="0"/>
+                <a:ea typeface="楷体_GB2312" pitchFamily="49" charset="-122"/>
+              </a:defRPr>
+            </a:lvl4pPr>
+            <a:lvl5pPr marL="2057400" indent="-228600" eaLnBrk="0" hangingPunct="0">
+              <a:defRPr b="1">
+                <a:solidFill>
+                  <a:schemeClr val="bg1"/>
+                </a:solidFill>
+                <a:latin typeface="Arial" charset="0"/>
+                <a:ea typeface="楷体_GB2312" pitchFamily="49" charset="-122"/>
+              </a:defRPr>
+            </a:lvl5pPr>
+            <a:lvl6pPr marL="2514600" indent="-228600" algn="ctr" eaLnBrk="0" fontAlgn="base" hangingPunct="0">
+              <a:spcBef>
+                <a:spcPct val="50000"/>
+              </a:spcBef>
+              <a:spcAft>
+                <a:spcPct val="0"/>
+              </a:spcAft>
+              <a:defRPr b="1">
+                <a:solidFill>
+                  <a:schemeClr val="bg1"/>
+                </a:solidFill>
+                <a:latin typeface="Arial" charset="0"/>
+                <a:ea typeface="楷体_GB2312" pitchFamily="49" charset="-122"/>
+              </a:defRPr>
+            </a:lvl6pPr>
+            <a:lvl7pPr marL="2971800" indent="-228600" algn="ctr" eaLnBrk="0" fontAlgn="base" hangingPunct="0">
+              <a:spcBef>
+                <a:spcPct val="50000"/>
+              </a:spcBef>
+              <a:spcAft>
+                <a:spcPct val="0"/>
+              </a:spcAft>
+              <a:defRPr b="1">
+                <a:solidFill>
+                  <a:schemeClr val="bg1"/>
+                </a:solidFill>
+                <a:latin typeface="Arial" charset="0"/>
+                <a:ea typeface="楷体_GB2312" pitchFamily="49" charset="-122"/>
+              </a:defRPr>
+            </a:lvl7pPr>
+            <a:lvl8pPr marL="3429000" indent="-228600" algn="ctr" eaLnBrk="0" fontAlgn="base" hangingPunct="0">
+              <a:spcBef>
+                <a:spcPct val="50000"/>
+              </a:spcBef>
+              <a:spcAft>
+                <a:spcPct val="0"/>
+              </a:spcAft>
+              <a:defRPr b="1">
+                <a:solidFill>
+                  <a:schemeClr val="bg1"/>
+                </a:solidFill>
+                <a:latin typeface="Arial" charset="0"/>
+                <a:ea typeface="楷体_GB2312" pitchFamily="49" charset="-122"/>
+              </a:defRPr>
+            </a:lvl8pPr>
+            <a:lvl9pPr marL="3886200" indent="-228600" algn="ctr" eaLnBrk="0" fontAlgn="base" hangingPunct="0">
+              <a:spcBef>
+                <a:spcPct val="50000"/>
+              </a:spcBef>
+              <a:spcAft>
+                <a:spcPct val="0"/>
+              </a:spcAft>
+              <a:defRPr b="1">
+                <a:solidFill>
+                  <a:schemeClr val="bg1"/>
+                </a:solidFill>
+                <a:latin typeface="Arial" charset="0"/>
+                <a:ea typeface="楷体_GB2312" pitchFamily="49" charset="-122"/>
+              </a:defRPr>
+            </a:lvl9pPr>
+          </a:lstStyle>
+          <a:p>
+            <a:pPr algn="l" eaLnBrk="1" hangingPunct="1"/>
+            <a:endParaRPr lang="zh-CN" altLang="en-US" b="0">
+              <a:solidFill>
+                <a:schemeClr val="tx1"/>
+              </a:solidFill>
+              <a:ea typeface="宋体" charset="-122"/>
+            </a:endParaRPr>
+          </a:p>
+        </p:txBody>
+      </p:sp>
+      <p:sp>
+        <p:nvSpPr>
+          <p:cNvPr id="27" name="Text Box 135"/>
+          <p:cNvSpPr txBox="1">
+            <a:spLocks noChangeArrowheads="1"/>
+          </p:cNvSpPr>
+          <p:nvPr/>
+        </p:nvSpPr>
+        <p:spPr bwMode="gray">
+          <a:xfrm>
+            <a:off x="4146396" y="2994105"/>
+            <a:ext cx="3929063" cy="646331"/>
+          </a:xfrm>
+          <a:prstGeom prst="rect">
+            <a:avLst/>
+          </a:prstGeom>
+          <a:noFill/>
+          <a:ln w="9525" algn="ctr">
+            <a:noFill/>
+            <a:miter lim="800000"/>
+            <a:headEnd/>
+            <a:tailEnd/>
+          </a:ln>
+        </p:spPr>
+        <p:txBody>
+          <a:bodyPr>
+            <a:spAutoFit/>
+          </a:bodyPr>
+          <a:lstStyle/>
+          <a:p>
+            <a:pPr eaLnBrk="0" hangingPunct="0">
+              <a:defRPr/>
+            </a:pPr>
+            <a:r>
+              <a:rPr lang="zh-CN" altLang="en-US" sz="3600" dirty="0" smtClean="0">
+                <a:latin typeface="微软雅黑" pitchFamily="34" charset="-122"/>
+                <a:ea typeface="微软雅黑" pitchFamily="34" charset="-122"/>
+              </a:rPr>
+              <a:t>项目成果展示</a:t>
+            </a:r>
+            <a:endParaRPr lang="en-US" altLang="zh-CN" sz="3600" dirty="0">
+              <a:latin typeface="微软雅黑" pitchFamily="34" charset="-122"/>
+              <a:ea typeface="微软雅黑" pitchFamily="34" charset="-122"/>
+            </a:endParaRPr>
+          </a:p>
+        </p:txBody>
+      </p:sp>
+      <p:sp>
+        <p:nvSpPr>
+          <p:cNvPr id="28" name="Rectangle 122"/>
+          <p:cNvSpPr>
+            <a:spLocks noChangeArrowheads="1"/>
+          </p:cNvSpPr>
+          <p:nvPr/>
+        </p:nvSpPr>
+        <p:spPr bwMode="gray">
+          <a:xfrm rot="3419336">
+            <a:off x="2884425" y="2766883"/>
+            <a:ext cx="811755" cy="924363"/>
+          </a:xfrm>
+          <a:prstGeom prst="rect">
+            <a:avLst/>
+          </a:prstGeom>
+          <a:gradFill rotWithShape="1">
+            <a:gsLst>
+              <a:gs pos="0">
+                <a:schemeClr val="accent1"/>
+              </a:gs>
+              <a:gs pos="100000">
+                <a:schemeClr val="accent1">
+                  <a:gamma/>
+                  <a:shade val="46275"/>
+                  <a:invGamma/>
+                </a:schemeClr>
+              </a:gs>
+            </a:gsLst>
+            <a:lin ang="5400000" scaled="1"/>
+          </a:gradFill>
+          <a:ln w="9525">
+            <a:miter lim="800000"/>
+            <a:headEnd/>
+            <a:tailEnd/>
+          </a:ln>
+          <a:effectLst/>
+          <a:scene3d>
+            <a:camera prst="legacyPerspectiveFront">
+              <a:rot lat="0" lon="1500000" rev="0"/>
+            </a:camera>
+            <a:lightRig rig="legacyFlat4" dir="b"/>
+          </a:scene3d>
+          <a:sp3d extrusionH="430200" prstMaterial="legacyMatte">
+            <a:bevelT w="13500" h="13500" prst="angle"/>
+            <a:bevelB w="13500" h="13500" prst="angle"/>
+            <a:extrusionClr>
+              <a:schemeClr val="accent1"/>
+            </a:extrusionClr>
+          </a:sp3d>
+        </p:spPr>
+        <p:txBody>
+          <a:bodyPr wrap="none" anchor="ctr">
+            <a:flatTx/>
+          </a:bodyPr>
+          <a:lstStyle/>
+          <a:p>
+            <a:pPr>
+              <a:defRPr/>
+            </a:pPr>
+            <a:endParaRPr lang="zh-CN" altLang="en-US" dirty="0">
+              <a:latin typeface="+mn-ea"/>
+              <a:ea typeface="+mn-ea"/>
+            </a:endParaRPr>
+          </a:p>
+        </p:txBody>
+      </p:sp>
+    </p:spTree>
+    <p:extLst>
+      <p:ext uri="{BB962C8B-B14F-4D97-AF65-F5344CB8AC3E}">
+        <p14:creationId xmlns="" xmlns:p14="http://schemas.microsoft.com/office/powerpoint/2010/main" val="920702074"/>
+      </p:ext>
+    </p:extLst>
+  </p:cSld>
+  <p:clrMapOvr>
+    <a:masterClrMapping/>
+  </p:clrMapOvr>
+  <mc:AlternateContent xmlns:mc="http://schemas.openxmlformats.org/markup-compatibility/2006">
+    <mc:Choice xmlns="" xmlns:p14="http://schemas.microsoft.com/office/powerpoint/2010/main" Requires="p14">
+      <p:transition spd="slow" p14:dur="1400">
+        <p14:ripple/>
+      </p:transition>
+    </mc:Choice>
+    <mc:Fallback>
+      <p:transition spd="slow">
+        <p:fade/>
+      </p:transition>
+    </mc:Fallback>
+  </mc:AlternateContent>
+  <p:timing>
+    <p:tnLst>
+      <p:par>
+        <p:cTn id="1" dur="indefinite" restart="never" nodeType="tmRoot">
+          <p:childTnLst>
+            <p:seq concurrent="1" nextAc="seek">
+              <p:cTn id="2" dur="indefinite" nodeType="mainSeq">
+                <p:childTnLst>
+                  <p:par>
+                    <p:cTn id="3" fill="hold">
+                      <p:stCondLst>
+                        <p:cond delay="indefinite"/>
+                      </p:stCondLst>
+                      <p:childTnLst>
+                        <p:par>
+                          <p:cTn id="4" fill="hold">
+                            <p:stCondLst>
+                              <p:cond delay="0"/>
+                            </p:stCondLst>
+                            <p:childTnLst>
+                              <p:par>
+                                <p:cTn id="5" presetID="42" presetClass="entr" presetSubtype="0" fill="hold" grpId="0" nodeType="clickEffect">
+                                  <p:stCondLst>
+                                    <p:cond delay="0"/>
+                                  </p:stCondLst>
+                                  <p:childTnLst>
+                                    <p:set>
+                                      <p:cBhvr>
+                                        <p:cTn id="6" dur="1" fill="hold">
+                                          <p:stCondLst>
+                                            <p:cond delay="0"/>
+                                          </p:stCondLst>
+                                        </p:cTn>
+                                        <p:tgtEl>
+                                          <p:spTgt spid="27"/>
+                                        </p:tgtEl>
+                                        <p:attrNameLst>
+                                          <p:attrName>style.visibility</p:attrName>
+                                        </p:attrNameLst>
+                                      </p:cBhvr>
+                                      <p:to>
+                                        <p:strVal val="visible"/>
+                                      </p:to>
+                                    </p:set>
+                                    <p:animEffect transition="in" filter="fade">
+                                      <p:cBhvr>
+                                        <p:cTn id="7" dur="1000"/>
+                                        <p:tgtEl>
+                                          <p:spTgt spid="27"/>
+                                        </p:tgtEl>
+                                      </p:cBhvr>
+                                    </p:animEffect>
+                                    <p:anim calcmode="lin" valueType="num">
+                                      <p:cBhvr>
+                                        <p:cTn id="8" dur="1000" fill="hold"/>
+                                        <p:tgtEl>
+                                          <p:spTgt spid="27"/>
+                                        </p:tgtEl>
+                                        <p:attrNameLst>
+                                          <p:attrName>ppt_x</p:attrName>
+                                        </p:attrNameLst>
+                                      </p:cBhvr>
+                                      <p:tavLst>
+                                        <p:tav tm="0">
+                                          <p:val>
+                                            <p:strVal val="#ppt_x"/>
+                                          </p:val>
+                                        </p:tav>
+                                        <p:tav tm="100000">
+                                          <p:val>
+                                            <p:strVal val="#ppt_x"/>
+                                          </p:val>
+                                        </p:tav>
+                                      </p:tavLst>
+                                    </p:anim>
+                                    <p:anim calcmode="lin" valueType="num">
+                                      <p:cBhvr>
+                                        <p:cTn id="9" dur="1000" fill="hold"/>
+                                        <p:tgtEl>
+                                          <p:spTgt spid="27"/>
+                                        </p:tgtEl>
+                                        <p:attrNameLst>
+                                          <p:attrName>ppt_y</p:attrName>
+                                        </p:attrNameLst>
+                                      </p:cBhvr>
+                                      <p:tavLst>
+                                        <p:tav tm="0">
+                                          <p:val>
+                                            <p:strVal val="#ppt_y+.1"/>
+                                          </p:val>
+                                        </p:tav>
+                                        <p:tav tm="100000">
+                                          <p:val>
+                                            <p:strVal val="#ppt_y"/>
+                                          </p:val>
+                                        </p:tav>
+                                      </p:tavLst>
+                                    </p:anim>
+                                  </p:childTnLst>
+                                </p:cTn>
+                              </p:par>
+                              <p:par>
+                                <p:cTn id="10" presetID="42" presetClass="entr" presetSubtype="0" fill="hold" grpId="0" nodeType="withEffect">
+                                  <p:stCondLst>
+                                    <p:cond delay="0"/>
+                                  </p:stCondLst>
+                                  <p:childTnLst>
+                                    <p:set>
+                                      <p:cBhvr>
+                                        <p:cTn id="11" dur="1" fill="hold">
+                                          <p:stCondLst>
+                                            <p:cond delay="0"/>
+                                          </p:stCondLst>
+                                        </p:cTn>
+                                        <p:tgtEl>
+                                          <p:spTgt spid="28"/>
+                                        </p:tgtEl>
+                                        <p:attrNameLst>
+                                          <p:attrName>style.visibility</p:attrName>
+                                        </p:attrNameLst>
+                                      </p:cBhvr>
+                                      <p:to>
+                                        <p:strVal val="visible"/>
+                                      </p:to>
+                                    </p:set>
+                                    <p:animEffect transition="in" filter="fade">
+                                      <p:cBhvr>
+                                        <p:cTn id="12" dur="1000"/>
+                                        <p:tgtEl>
+                                          <p:spTgt spid="28"/>
+                                        </p:tgtEl>
+                                      </p:cBhvr>
+                                    </p:animEffect>
+                                    <p:anim calcmode="lin" valueType="num">
+                                      <p:cBhvr>
+                                        <p:cTn id="13" dur="1000" fill="hold"/>
+                                        <p:tgtEl>
+                                          <p:spTgt spid="28"/>
+                                        </p:tgtEl>
+                                        <p:attrNameLst>
+                                          <p:attrName>ppt_x</p:attrName>
+                                        </p:attrNameLst>
+                                      </p:cBhvr>
+                                      <p:tavLst>
+                                        <p:tav tm="0">
+                                          <p:val>
+                                            <p:strVal val="#ppt_x"/>
+                                          </p:val>
+                                        </p:tav>
+                                        <p:tav tm="100000">
+                                          <p:val>
+                                            <p:strVal val="#ppt_x"/>
+                                          </p:val>
+                                        </p:tav>
+                                      </p:tavLst>
+                                    </p:anim>
+                                    <p:anim calcmode="lin" valueType="num">
+                                      <p:cBhvr>
+                                        <p:cTn id="14" dur="1000" fill="hold"/>
+                                        <p:tgtEl>
+                                          <p:spTgt spid="28"/>
+                                        </p:tgtEl>
+                                        <p:attrNameLst>
+                                          <p:attrName>ppt_y</p:attrName>
+                                        </p:attrNameLst>
+                                      </p:cBhvr>
+                                      <p:tavLst>
+                                        <p:tav tm="0">
+                                          <p:val>
+                                            <p:strVal val="#ppt_y+.1"/>
+                                          </p:val>
+                                        </p:tav>
+                                        <p:tav tm="100000">
+                                          <p:val>
+                                            <p:strVal val="#ppt_y"/>
+                                          </p:val>
+                                        </p:tav>
+                                      </p:tavLst>
+                                    </p:anim>
+                                  </p:childTnLst>
+                                </p:cTn>
+                              </p:par>
+                            </p:childTnLst>
+                          </p:cTn>
+                        </p:par>
+                      </p:childTnLst>
+                    </p:cTn>
+                  </p:par>
+                </p:childTnLst>
+              </p:cTn>
+              <p:prevCondLst>
+                <p:cond evt="onPrev" delay="0">
+                  <p:tgtEl>
+                    <p:sldTgt/>
+                  </p:tgtEl>
+                </p:cond>
+              </p:prevCondLst>
+              <p:nextCondLst>
+                <p:cond evt="onNext" delay="0">
+                  <p:tgtEl>
+                    <p:sldTgt/>
+                  </p:tgtEl>
+                </p:cond>
+              </p:nextCondLst>
+            </p:seq>
+          </p:childTnLst>
+        </p:cTn>
+      </p:par>
+    </p:tnLst>
+    <p:bldLst>
+      <p:bldP spid="27" grpId="0"/>
+      <p:bldP spid="28" grpId="0" animBg="1"/>
+    </p:bldLst>
+  </p:timing>
+</p:sld>
+</file>
+
+<file path=ppt/slides/slide11.xml><?xml version="1.0" encoding="utf-8"?>
+<p:sld xmlns:a="http://schemas.openxmlformats.org/drawingml/2006/main" xmlns:r="http://schemas.openxmlformats.org/officeDocument/2006/relationships" xmlns:p="http://schemas.openxmlformats.org/presentationml/2006/main">
+  <p:cSld>
+    <p:spTree>
+      <p:nvGrpSpPr>
+        <p:cNvPr id="1" name=""/>
+        <p:cNvGrpSpPr/>
+        <p:nvPr/>
+      </p:nvGrpSpPr>
+      <p:grpSpPr>
+        <a:xfrm>
+          <a:off x="0" y="0"/>
+          <a:ext cx="0" cy="0"/>
+          <a:chOff x="0" y="0"/>
+          <a:chExt cx="0" cy="0"/>
+        </a:xfrm>
+      </p:grpSpPr>
+      <p:sp>
+        <p:nvSpPr>
+          <p:cNvPr id="12" name="AutoShape 4"/>
+          <p:cNvSpPr>
+            <a:spLocks noChangeArrowheads="1"/>
+          </p:cNvSpPr>
+          <p:nvPr/>
+        </p:nvSpPr>
+        <p:spPr bwMode="gray">
+          <a:xfrm>
+            <a:off x="512396" y="908720"/>
+            <a:ext cx="9516826" cy="595503"/>
+          </a:xfrm>
+          <a:prstGeom prst="bevel">
+            <a:avLst>
+              <a:gd name="adj" fmla="val 7926"/>
+            </a:avLst>
+          </a:prstGeom>
+          <a:gradFill rotWithShape="1">
+            <a:gsLst>
+              <a:gs pos="0">
+                <a:srgbClr val="CC0000"/>
+              </a:gs>
+              <a:gs pos="100000">
+                <a:srgbClr val="990000"/>
+              </a:gs>
+            </a:gsLst>
+            <a:lin ang="2700000" scaled="1"/>
+          </a:gradFill>
+          <a:ln>
+            <a:noFill/>
+          </a:ln>
+          <a:extLst>
+            <a:ext uri="{91240B29-F687-4F45-9708-019B960494DF}">
+              <a14:hiddenLine xmlns="" xmlns:a14="http://schemas.microsoft.com/office/drawing/2010/main" w="9525">
+                <a:solidFill>
+                  <a:srgbClr val="000000"/>
+                </a:solidFill>
+                <a:miter lim="800000"/>
+                <a:headEnd/>
+                <a:tailEnd/>
+              </a14:hiddenLine>
+            </a:ext>
+          </a:extLst>
+        </p:spPr>
+        <p:txBody>
+          <a:bodyPr wrap="none" lIns="99276" tIns="49637" rIns="99276" bIns="49637" anchor="ctr"/>
+          <a:lstStyle/>
+          <a:p>
+            <a:pPr defTabSz="708342" eaLnBrk="0" hangingPunct="0">
+              <a:lnSpc>
+                <a:spcPct val="95000"/>
+              </a:lnSpc>
+            </a:pPr>
+            <a:r>
+              <a:rPr lang="zh-CN" altLang="en-US" sz="2000" b="1" dirty="0" smtClean="0">
+                <a:solidFill>
+                  <a:schemeClr val="bg1"/>
+                </a:solidFill>
+              </a:rPr>
+              <a:t>数据清洗</a:t>
+            </a:r>
+            <a:endParaRPr lang="en-US" altLang="zh-CN" sz="2000" b="1" dirty="0" smtClean="0">
+              <a:solidFill>
+                <a:schemeClr val="bg1"/>
+              </a:solidFill>
+            </a:endParaRPr>
+          </a:p>
+        </p:txBody>
+      </p:sp>
+      <p:pic>
+        <p:nvPicPr>
+          <p:cNvPr id="1026" name="Picture 2"/>
+          <p:cNvPicPr>
+            <a:picLocks noChangeAspect="1" noChangeArrowheads="1"/>
+          </p:cNvPicPr>
+          <p:nvPr/>
+        </p:nvPicPr>
+        <p:blipFill>
+          <a:blip r:embed="rId2" cstate="print"/>
+          <a:srcRect/>
+          <a:stretch>
+            <a:fillRect/>
+          </a:stretch>
+        </p:blipFill>
+        <p:spPr bwMode="auto">
+          <a:xfrm>
+            <a:off x="665386" y="1556792"/>
+            <a:ext cx="7920880" cy="4896544"/>
+          </a:xfrm>
+          <a:prstGeom prst="rect">
+            <a:avLst/>
+          </a:prstGeom>
+          <a:noFill/>
+          <a:ln w="9525">
+            <a:noFill/>
+            <a:miter lim="800000"/>
+            <a:headEnd/>
+            <a:tailEnd/>
+          </a:ln>
+        </p:spPr>
+      </p:pic>
+    </p:spTree>
+    <p:extLst>
+      <p:ext uri="{BB962C8B-B14F-4D97-AF65-F5344CB8AC3E}">
+        <p14:creationId xmlns="" xmlns:p14="http://schemas.microsoft.com/office/powerpoint/2010/main" val="430663697"/>
+      </p:ext>
+    </p:extLst>
+  </p:cSld>
+  <p:clrMapOvr>
+    <a:masterClrMapping/>
+  </p:clrMapOvr>
+  <mc:AlternateContent xmlns:mc="http://schemas.openxmlformats.org/markup-compatibility/2006">
+    <mc:Choice xmlns="" xmlns:p14="http://schemas.microsoft.com/office/powerpoint/2010/main" Requires="p14">
+      <p:transition spd="slow" p14:dur="1600">
+        <p14:prism isInverted="1"/>
+      </p:transition>
+    </mc:Choice>
+    <mc:Fallback>
+      <p:transition spd="slow">
+        <p:fade/>
+      </p:transition>
+    </mc:Fallback>
+  </mc:AlternateContent>
+  <p:timing>
+    <p:tnLst>
+      <p:par>
+        <p:cTn id="1" dur="indefinite" restart="never" nodeType="tmRoot"/>
+      </p:par>
+    </p:tnLst>
+  </p:timing>
+</p:sld>
+</file>
+
+<file path=ppt/slides/slide12.xml><?xml version="1.0" encoding="utf-8"?>
+<p:sld xmlns:a="http://schemas.openxmlformats.org/drawingml/2006/main" xmlns:r="http://schemas.openxmlformats.org/officeDocument/2006/relationships" xmlns:p="http://schemas.openxmlformats.org/presentationml/2006/main">
+  <p:cSld>
+    <p:spTree>
+      <p:nvGrpSpPr>
+        <p:cNvPr id="1" name=""/>
+        <p:cNvGrpSpPr/>
+        <p:nvPr/>
+      </p:nvGrpSpPr>
+      <p:grpSpPr>
+        <a:xfrm>
+          <a:off x="0" y="0"/>
+          <a:ext cx="0" cy="0"/>
+          <a:chOff x="0" y="0"/>
+          <a:chExt cx="0" cy="0"/>
+        </a:xfrm>
+      </p:grpSpPr>
+      <p:sp>
+        <p:nvSpPr>
+          <p:cNvPr id="12" name="AutoShape 4"/>
+          <p:cNvSpPr>
+            <a:spLocks noChangeArrowheads="1"/>
+          </p:cNvSpPr>
+          <p:nvPr/>
+        </p:nvSpPr>
+        <p:spPr bwMode="gray">
+          <a:xfrm>
+            <a:off x="512396" y="908720"/>
+            <a:ext cx="9516826" cy="595503"/>
+          </a:xfrm>
+          <a:prstGeom prst="bevel">
+            <a:avLst>
+              <a:gd name="adj" fmla="val 7926"/>
+            </a:avLst>
+          </a:prstGeom>
+          <a:gradFill rotWithShape="1">
+            <a:gsLst>
+              <a:gs pos="0">
+                <a:srgbClr val="CC0000"/>
+              </a:gs>
+              <a:gs pos="100000">
+                <a:srgbClr val="990000"/>
+              </a:gs>
+            </a:gsLst>
+            <a:lin ang="2700000" scaled="1"/>
+          </a:gradFill>
+          <a:ln>
+            <a:noFill/>
+          </a:ln>
+          <a:extLst>
+            <a:ext uri="{91240B29-F687-4F45-9708-019B960494DF}">
+              <a14:hiddenLine xmlns="" xmlns:a14="http://schemas.microsoft.com/office/drawing/2010/main" w="9525">
+                <a:solidFill>
+                  <a:srgbClr val="000000"/>
+                </a:solidFill>
+                <a:miter lim="800000"/>
+                <a:headEnd/>
+                <a:tailEnd/>
+              </a14:hiddenLine>
+            </a:ext>
+          </a:extLst>
+        </p:spPr>
+        <p:txBody>
+          <a:bodyPr wrap="none" lIns="99276" tIns="49637" rIns="99276" bIns="49637" anchor="ctr"/>
+          <a:lstStyle/>
+          <a:p>
+            <a:pPr defTabSz="708342" eaLnBrk="0" hangingPunct="0">
+              <a:lnSpc>
+                <a:spcPct val="95000"/>
+              </a:lnSpc>
+            </a:pPr>
+            <a:r>
+              <a:rPr lang="zh-CN" altLang="en-US" sz="2000" b="1" dirty="0" smtClean="0">
+                <a:solidFill>
+                  <a:schemeClr val="bg1"/>
+                </a:solidFill>
+              </a:rPr>
+              <a:t>历史行情</a:t>
+            </a:r>
+            <a:endParaRPr lang="en-US" altLang="zh-CN" sz="2000" b="1" dirty="0" smtClean="0">
+              <a:solidFill>
+                <a:schemeClr val="bg1"/>
+              </a:solidFill>
+            </a:endParaRPr>
+          </a:p>
+        </p:txBody>
+      </p:sp>
+      <p:pic>
+        <p:nvPicPr>
+          <p:cNvPr id="1028" name="Picture 4"/>
+          <p:cNvPicPr>
+            <a:picLocks noChangeAspect="1" noChangeArrowheads="1"/>
+          </p:cNvPicPr>
+          <p:nvPr/>
+        </p:nvPicPr>
+        <p:blipFill>
+          <a:blip r:embed="rId2" cstate="print"/>
+          <a:srcRect/>
+          <a:stretch>
+            <a:fillRect/>
+          </a:stretch>
+        </p:blipFill>
+        <p:spPr bwMode="auto">
+          <a:xfrm>
+            <a:off x="1817514" y="908720"/>
+            <a:ext cx="8775188" cy="5949280"/>
+          </a:xfrm>
+          <a:prstGeom prst="rect">
+            <a:avLst/>
+          </a:prstGeom>
+          <a:noFill/>
+          <a:ln w="9525">
+            <a:noFill/>
+            <a:miter lim="800000"/>
+            <a:headEnd/>
+            <a:tailEnd/>
+          </a:ln>
+        </p:spPr>
+      </p:pic>
+    </p:spTree>
+    <p:extLst>
+      <p:ext uri="{BB962C8B-B14F-4D97-AF65-F5344CB8AC3E}">
+        <p14:creationId xmlns="" xmlns:p14="http://schemas.microsoft.com/office/powerpoint/2010/main" val="430663697"/>
+      </p:ext>
+    </p:extLst>
+  </p:cSld>
+  <p:clrMapOvr>
+    <a:masterClrMapping/>
+  </p:clrMapOvr>
+  <mc:AlternateContent xmlns:mc="http://schemas.openxmlformats.org/markup-compatibility/2006">
+    <mc:Choice xmlns="" xmlns:p14="http://schemas.microsoft.com/office/powerpoint/2010/main" Requires="p14">
+      <p:transition spd="slow" p14:dur="1600">
+        <p14:prism isInverted="1"/>
+      </p:transition>
+    </mc:Choice>
+    <mc:Fallback>
+      <p:transition spd="slow">
+        <p:fade/>
+      </p:transition>
+    </mc:Fallback>
+  </mc:AlternateContent>
+  <p:timing>
+    <p:tnLst>
+      <p:par>
+        <p:cTn id="1" dur="indefinite" restart="never" nodeType="tmRoot"/>
+      </p:par>
+    </p:tnLst>
+  </p:timing>
+</p:sld>
+</file>
+
+<file path=ppt/slides/slide13.xml><?xml version="1.0" encoding="utf-8"?>
+<p:sld xmlns:a="http://schemas.openxmlformats.org/drawingml/2006/main" xmlns:r="http://schemas.openxmlformats.org/officeDocument/2006/relationships" xmlns:p="http://schemas.openxmlformats.org/presentationml/2006/main">
+  <p:cSld>
+    <p:spTree>
+      <p:nvGrpSpPr>
+        <p:cNvPr id="1" name=""/>
+        <p:cNvGrpSpPr/>
+        <p:nvPr/>
+      </p:nvGrpSpPr>
+      <p:grpSpPr>
+        <a:xfrm>
+          <a:off x="0" y="0"/>
+          <a:ext cx="0" cy="0"/>
+          <a:chOff x="0" y="0"/>
+          <a:chExt cx="0" cy="0"/>
+        </a:xfrm>
+      </p:grpSpPr>
+      <p:sp>
+        <p:nvSpPr>
+          <p:cNvPr id="12" name="AutoShape 4"/>
+          <p:cNvSpPr>
+            <a:spLocks noChangeArrowheads="1"/>
+          </p:cNvSpPr>
+          <p:nvPr/>
+        </p:nvSpPr>
+        <p:spPr bwMode="gray">
+          <a:xfrm>
+            <a:off x="512396" y="908720"/>
+            <a:ext cx="9516826" cy="595503"/>
+          </a:xfrm>
+          <a:prstGeom prst="bevel">
+            <a:avLst>
+              <a:gd name="adj" fmla="val 7926"/>
+            </a:avLst>
+          </a:prstGeom>
+          <a:gradFill rotWithShape="1">
+            <a:gsLst>
+              <a:gs pos="0">
+                <a:srgbClr val="CC0000"/>
+              </a:gs>
+              <a:gs pos="100000">
+                <a:srgbClr val="990000"/>
+              </a:gs>
+            </a:gsLst>
+            <a:lin ang="2700000" scaled="1"/>
+          </a:gradFill>
+          <a:ln>
+            <a:noFill/>
+          </a:ln>
+          <a:extLst>
+            <a:ext uri="{91240B29-F687-4F45-9708-019B960494DF}">
+              <a14:hiddenLine xmlns="" xmlns:a14="http://schemas.microsoft.com/office/drawing/2010/main" w="9525">
+                <a:solidFill>
+                  <a:srgbClr val="000000"/>
+                </a:solidFill>
+                <a:miter lim="800000"/>
+                <a:headEnd/>
+                <a:tailEnd/>
+              </a14:hiddenLine>
+            </a:ext>
+          </a:extLst>
+        </p:spPr>
+        <p:txBody>
+          <a:bodyPr wrap="none" lIns="99276" tIns="49637" rIns="99276" bIns="49637" anchor="ctr"/>
+          <a:lstStyle/>
+          <a:p>
+            <a:pPr defTabSz="708342" eaLnBrk="0" hangingPunct="0">
+              <a:lnSpc>
+                <a:spcPct val="95000"/>
+              </a:lnSpc>
+            </a:pPr>
+            <a:r>
+              <a:rPr lang="zh-CN" altLang="en-US" sz="2000" b="1" dirty="0" smtClean="0">
+                <a:solidFill>
+                  <a:schemeClr val="bg1"/>
+                </a:solidFill>
+              </a:rPr>
+              <a:t>各种</a:t>
+            </a:r>
+            <a:r>
+              <a:rPr lang="en-US" altLang="zh-CN" sz="2000" b="1" dirty="0" smtClean="0">
+                <a:solidFill>
+                  <a:schemeClr val="bg1"/>
+                </a:solidFill>
+              </a:rPr>
+              <a:t>K</a:t>
+            </a:r>
+            <a:r>
+              <a:rPr lang="zh-CN" altLang="en-US" sz="2000" b="1" dirty="0" smtClean="0">
+                <a:solidFill>
+                  <a:schemeClr val="bg1"/>
+                </a:solidFill>
+              </a:rPr>
+              <a:t>线</a:t>
+            </a:r>
+            <a:endParaRPr lang="en-US" altLang="zh-CN" sz="2000" b="1" dirty="0" smtClean="0">
+              <a:solidFill>
+                <a:schemeClr val="bg1"/>
+              </a:solidFill>
+            </a:endParaRPr>
+          </a:p>
+        </p:txBody>
+      </p:sp>
+      <p:pic>
+        <p:nvPicPr>
+          <p:cNvPr id="2051" name="Picture 3"/>
+          <p:cNvPicPr>
+            <a:picLocks noChangeAspect="1" noChangeArrowheads="1"/>
+          </p:cNvPicPr>
+          <p:nvPr/>
+        </p:nvPicPr>
+        <p:blipFill>
+          <a:blip r:embed="rId2" cstate="print"/>
+          <a:srcRect/>
+          <a:stretch>
+            <a:fillRect/>
+          </a:stretch>
+        </p:blipFill>
+        <p:spPr bwMode="auto">
+          <a:xfrm>
+            <a:off x="1745505" y="908719"/>
+            <a:ext cx="8837293" cy="5949281"/>
+          </a:xfrm>
+          <a:prstGeom prst="rect">
+            <a:avLst/>
+          </a:prstGeom>
+          <a:noFill/>
+          <a:ln w="9525">
+            <a:noFill/>
+            <a:miter lim="800000"/>
+            <a:headEnd/>
+            <a:tailEnd/>
+          </a:ln>
+        </p:spPr>
+      </p:pic>
+    </p:spTree>
+    <p:extLst>
+      <p:ext uri="{BB962C8B-B14F-4D97-AF65-F5344CB8AC3E}">
+        <p14:creationId xmlns="" xmlns:p14="http://schemas.microsoft.com/office/powerpoint/2010/main" val="430663697"/>
+      </p:ext>
+    </p:extLst>
+  </p:cSld>
+  <p:clrMapOvr>
+    <a:masterClrMapping/>
+  </p:clrMapOvr>
+  <mc:AlternateContent xmlns:mc="http://schemas.openxmlformats.org/markup-compatibility/2006">
+    <mc:Choice xmlns="" xmlns:p14="http://schemas.microsoft.com/office/powerpoint/2010/main" Requires="p14">
+      <p:transition spd="slow" p14:dur="1600">
+        <p14:prism isInverted="1"/>
+      </p:transition>
+    </mc:Choice>
+    <mc:Fallback>
+      <p:transition spd="slow">
+        <p:fade/>
+      </p:transition>
+    </mc:Fallback>
+  </mc:AlternateContent>
+  <p:timing>
+    <p:tnLst>
+      <p:par>
+        <p:cTn id="1" dur="indefinite" restart="never" nodeType="tmRoot"/>
+      </p:par>
+    </p:tnLst>
+  </p:timing>
+</p:sld>
+</file>
+
+<file path=ppt/slides/slide14.xml><?xml version="1.0" encoding="utf-8"?>
+<p:sld xmlns:a="http://schemas.openxmlformats.org/drawingml/2006/main" xmlns:r="http://schemas.openxmlformats.org/officeDocument/2006/relationships" xmlns:p="http://schemas.openxmlformats.org/presentationml/2006/main">
+  <p:cSld>
+    <p:spTree>
+      <p:nvGrpSpPr>
+        <p:cNvPr id="1" name=""/>
+        <p:cNvGrpSpPr/>
+        <p:nvPr/>
+      </p:nvGrpSpPr>
+      <p:grpSpPr>
+        <a:xfrm>
+          <a:off x="0" y="0"/>
+          <a:ext cx="0" cy="0"/>
+          <a:chOff x="0" y="0"/>
+          <a:chExt cx="0" cy="0"/>
+        </a:xfrm>
+      </p:grpSpPr>
+      <p:sp>
+        <p:nvSpPr>
+          <p:cNvPr id="12" name="AutoShape 4"/>
+          <p:cNvSpPr>
+            <a:spLocks noChangeArrowheads="1"/>
+          </p:cNvSpPr>
+          <p:nvPr/>
+        </p:nvSpPr>
+        <p:spPr bwMode="gray">
+          <a:xfrm>
+            <a:off x="512396" y="908720"/>
+            <a:ext cx="9516826" cy="595503"/>
+          </a:xfrm>
+          <a:prstGeom prst="bevel">
+            <a:avLst>
+              <a:gd name="adj" fmla="val 7926"/>
+            </a:avLst>
+          </a:prstGeom>
+          <a:gradFill rotWithShape="1">
+            <a:gsLst>
+              <a:gs pos="0">
+                <a:srgbClr val="CC0000"/>
+              </a:gs>
+              <a:gs pos="100000">
+                <a:srgbClr val="990000"/>
+              </a:gs>
+            </a:gsLst>
+            <a:lin ang="2700000" scaled="1"/>
+          </a:gradFill>
+          <a:ln>
+            <a:noFill/>
+          </a:ln>
+          <a:extLst>
+            <a:ext uri="{91240B29-F687-4F45-9708-019B960494DF}">
+              <a14:hiddenLine xmlns="" xmlns:a14="http://schemas.microsoft.com/office/drawing/2010/main" w="9525">
+                <a:solidFill>
+                  <a:srgbClr val="000000"/>
+                </a:solidFill>
+                <a:miter lim="800000"/>
+                <a:headEnd/>
+                <a:tailEnd/>
+              </a14:hiddenLine>
+            </a:ext>
+          </a:extLst>
+        </p:spPr>
+        <p:txBody>
+          <a:bodyPr wrap="none" lIns="99276" tIns="49637" rIns="99276" bIns="49637" anchor="ctr"/>
+          <a:lstStyle/>
+          <a:p>
+            <a:pPr defTabSz="708342" eaLnBrk="0" hangingPunct="0">
+              <a:lnSpc>
+                <a:spcPct val="95000"/>
+              </a:lnSpc>
+            </a:pPr>
+            <a:r>
+              <a:rPr lang="zh-CN" altLang="en-US" sz="2000" b="1" dirty="0" smtClean="0">
+                <a:solidFill>
+                  <a:schemeClr val="bg1"/>
+                </a:solidFill>
+              </a:rPr>
+              <a:t>历史快照</a:t>
+            </a:r>
+            <a:endParaRPr lang="en-US" altLang="zh-CN" sz="2000" b="1" dirty="0" smtClean="0">
+              <a:solidFill>
+                <a:schemeClr val="bg1"/>
+              </a:solidFill>
+            </a:endParaRPr>
+          </a:p>
+        </p:txBody>
+      </p:sp>
+      <p:pic>
+        <p:nvPicPr>
+          <p:cNvPr id="1027" name="Picture 3"/>
+          <p:cNvPicPr>
+            <a:picLocks noChangeAspect="1" noChangeArrowheads="1"/>
+          </p:cNvPicPr>
+          <p:nvPr/>
+        </p:nvPicPr>
+        <p:blipFill>
+          <a:blip r:embed="rId2" cstate="print"/>
+          <a:srcRect/>
+          <a:stretch>
+            <a:fillRect/>
+          </a:stretch>
+        </p:blipFill>
+        <p:spPr bwMode="auto">
+          <a:xfrm>
+            <a:off x="1745506" y="908720"/>
+            <a:ext cx="8784974" cy="5949280"/>
+          </a:xfrm>
+          <a:prstGeom prst="rect">
+            <a:avLst/>
+          </a:prstGeom>
+          <a:noFill/>
+          <a:ln w="9525">
+            <a:noFill/>
+            <a:miter lim="800000"/>
+            <a:headEnd/>
+            <a:tailEnd/>
+          </a:ln>
+        </p:spPr>
+      </p:pic>
+    </p:spTree>
+    <p:extLst>
+      <p:ext uri="{BB962C8B-B14F-4D97-AF65-F5344CB8AC3E}">
+        <p14:creationId xmlns="" xmlns:p14="http://schemas.microsoft.com/office/powerpoint/2010/main" val="430663697"/>
+      </p:ext>
+    </p:extLst>
+  </p:cSld>
+  <p:clrMapOvr>
+    <a:masterClrMapping/>
+  </p:clrMapOvr>
+  <mc:AlternateContent xmlns:mc="http://schemas.openxmlformats.org/markup-compatibility/2006">
+    <mc:Choice xmlns="" xmlns:p14="http://schemas.microsoft.com/office/powerpoint/2010/main" Requires="p14">
+      <p:transition spd="slow" p14:dur="1600">
+        <p14:prism isInverted="1"/>
+      </p:transition>
+    </mc:Choice>
+    <mc:Fallback>
+      <p:transition spd="slow">
+        <p:fade/>
+      </p:transition>
+    </mc:Fallback>
+  </mc:AlternateContent>
+  <p:timing>
+    <p:tnLst>
+      <p:par>
+        <p:cTn id="1" dur="indefinite" restart="never" nodeType="tmRoot"/>
+      </p:par>
+    </p:tnLst>
+  </p:timing>
+</p:sld>
+</file>
+
+<file path=ppt/slides/slide15.xml><?xml version="1.0" encoding="utf-8"?>
+<p:sld xmlns:a="http://schemas.openxmlformats.org/drawingml/2006/main" xmlns:r="http://schemas.openxmlformats.org/officeDocument/2006/relationships" xmlns:p="http://schemas.openxmlformats.org/presentationml/2006/main">
+  <p:cSld>
+    <p:spTree>
+      <p:nvGrpSpPr>
+        <p:cNvPr id="1" name=""/>
+        <p:cNvGrpSpPr/>
+        <p:nvPr/>
+      </p:nvGrpSpPr>
+      <p:grpSpPr>
+        <a:xfrm>
+          <a:off x="0" y="0"/>
+          <a:ext cx="0" cy="0"/>
+          <a:chOff x="0" y="0"/>
+          <a:chExt cx="0" cy="0"/>
+        </a:xfrm>
+      </p:grpSpPr>
+      <p:sp>
+        <p:nvSpPr>
+          <p:cNvPr id="12" name="AutoShape 4"/>
+          <p:cNvSpPr>
+            <a:spLocks noChangeArrowheads="1"/>
+          </p:cNvSpPr>
+          <p:nvPr/>
+        </p:nvSpPr>
+        <p:spPr bwMode="gray">
+          <a:xfrm>
+            <a:off x="512396" y="908720"/>
+            <a:ext cx="9516826" cy="595503"/>
+          </a:xfrm>
+          <a:prstGeom prst="bevel">
+            <a:avLst>
+              <a:gd name="adj" fmla="val 7926"/>
+            </a:avLst>
+          </a:prstGeom>
+          <a:gradFill rotWithShape="1">
+            <a:gsLst>
+              <a:gs pos="0">
+                <a:srgbClr val="CC0000"/>
+              </a:gs>
+              <a:gs pos="100000">
+                <a:srgbClr val="990000"/>
+              </a:gs>
+            </a:gsLst>
+            <a:lin ang="2700000" scaled="1"/>
+          </a:gradFill>
+          <a:ln>
+            <a:noFill/>
+          </a:ln>
+          <a:extLst>
+            <a:ext uri="{91240B29-F687-4F45-9708-019B960494DF}">
+              <a14:hiddenLine xmlns="" xmlns:a14="http://schemas.microsoft.com/office/drawing/2010/main" w="9525">
+                <a:solidFill>
+                  <a:srgbClr val="000000"/>
+                </a:solidFill>
+                <a:miter lim="800000"/>
+                <a:headEnd/>
+                <a:tailEnd/>
+              </a14:hiddenLine>
+            </a:ext>
+          </a:extLst>
+        </p:spPr>
+        <p:txBody>
+          <a:bodyPr wrap="none" lIns="99276" tIns="49637" rIns="99276" bIns="49637" anchor="ctr"/>
+          <a:lstStyle/>
+          <a:p>
+            <a:pPr defTabSz="708342" eaLnBrk="0" hangingPunct="0">
+              <a:lnSpc>
+                <a:spcPct val="95000"/>
+              </a:lnSpc>
+            </a:pPr>
+            <a:r>
+              <a:rPr lang="zh-CN" altLang="en-US" sz="2000" b="1" dirty="0" smtClean="0">
+                <a:solidFill>
+                  <a:schemeClr val="bg1"/>
+                </a:solidFill>
+              </a:rPr>
+              <a:t>逐笔成交</a:t>
+            </a:r>
+            <a:endParaRPr lang="en-US" altLang="zh-CN" sz="2000" b="1" dirty="0" smtClean="0">
+              <a:solidFill>
+                <a:schemeClr val="bg1"/>
+              </a:solidFill>
+            </a:endParaRPr>
+          </a:p>
+        </p:txBody>
+      </p:sp>
+      <p:pic>
+        <p:nvPicPr>
+          <p:cNvPr id="3074" name="Picture 2"/>
+          <p:cNvPicPr>
+            <a:picLocks noChangeAspect="1" noChangeArrowheads="1"/>
+          </p:cNvPicPr>
+          <p:nvPr/>
+        </p:nvPicPr>
+        <p:blipFill>
+          <a:blip r:embed="rId2" cstate="print"/>
+          <a:srcRect/>
+          <a:stretch>
+            <a:fillRect/>
+          </a:stretch>
+        </p:blipFill>
+        <p:spPr bwMode="auto">
+          <a:xfrm>
+            <a:off x="1817514" y="908720"/>
+            <a:ext cx="8731318" cy="5949280"/>
+          </a:xfrm>
+          <a:prstGeom prst="rect">
+            <a:avLst/>
+          </a:prstGeom>
+          <a:noFill/>
+          <a:ln w="9525">
+            <a:noFill/>
+            <a:miter lim="800000"/>
+            <a:headEnd/>
+            <a:tailEnd/>
+          </a:ln>
+        </p:spPr>
+      </p:pic>
+    </p:spTree>
+    <p:extLst>
+      <p:ext uri="{BB962C8B-B14F-4D97-AF65-F5344CB8AC3E}">
+        <p14:creationId xmlns="" xmlns:p14="http://schemas.microsoft.com/office/powerpoint/2010/main" val="430663697"/>
+      </p:ext>
+    </p:extLst>
+  </p:cSld>
+  <p:clrMapOvr>
+    <a:masterClrMapping/>
+  </p:clrMapOvr>
+  <mc:AlternateContent xmlns:mc="http://schemas.openxmlformats.org/markup-compatibility/2006">
+    <mc:Choice xmlns="" xmlns:p14="http://schemas.microsoft.com/office/powerpoint/2010/main" Requires="p14">
+      <p:transition spd="slow" p14:dur="1600">
+        <p14:prism isInverted="1"/>
+      </p:transition>
+    </mc:Choice>
+    <mc:Fallback>
+      <p:transition spd="slow">
+        <p:fade/>
+      </p:transition>
+    </mc:Fallback>
+  </mc:AlternateContent>
+  <p:timing>
+    <p:tnLst>
+      <p:par>
+        <p:cTn id="1" dur="indefinite" restart="never" nodeType="tmRoot"/>
+      </p:par>
+    </p:tnLst>
+  </p:timing>
+</p:sld>
+</file>
+
+<file path=ppt/slides/slide16.xml><?xml version="1.0" encoding="utf-8"?>
+<p:sld xmlns:a="http://schemas.openxmlformats.org/drawingml/2006/main" xmlns:r="http://schemas.openxmlformats.org/officeDocument/2006/relationships" xmlns:p="http://schemas.openxmlformats.org/presentationml/2006/main">
+  <p:cSld>
+    <p:spTree>
+      <p:nvGrpSpPr>
+        <p:cNvPr id="1" name=""/>
+        <p:cNvGrpSpPr/>
+        <p:nvPr/>
+      </p:nvGrpSpPr>
+      <p:grpSpPr>
+        <a:xfrm>
+          <a:off x="0" y="0"/>
+          <a:ext cx="0" cy="0"/>
+          <a:chOff x="0" y="0"/>
+          <a:chExt cx="0" cy="0"/>
+        </a:xfrm>
+      </p:grpSpPr>
+      <p:sp>
+        <p:nvSpPr>
+          <p:cNvPr id="12" name="AutoShape 4"/>
+          <p:cNvSpPr>
+            <a:spLocks noChangeArrowheads="1"/>
+          </p:cNvSpPr>
+          <p:nvPr/>
+        </p:nvSpPr>
+        <p:spPr bwMode="gray">
+          <a:xfrm>
+            <a:off x="512396" y="908720"/>
+            <a:ext cx="9516826" cy="595503"/>
+          </a:xfrm>
+          <a:prstGeom prst="bevel">
+            <a:avLst>
+              <a:gd name="adj" fmla="val 7926"/>
+            </a:avLst>
+          </a:prstGeom>
+          <a:gradFill rotWithShape="1">
+            <a:gsLst>
+              <a:gs pos="0">
+                <a:srgbClr val="CC0000"/>
+              </a:gs>
+              <a:gs pos="100000">
+                <a:srgbClr val="990000"/>
+              </a:gs>
+            </a:gsLst>
+            <a:lin ang="2700000" scaled="1"/>
+          </a:gradFill>
+          <a:ln>
+            <a:noFill/>
+          </a:ln>
+          <a:extLst>
+            <a:ext uri="{91240B29-F687-4F45-9708-019B960494DF}">
+              <a14:hiddenLine xmlns="" xmlns:a14="http://schemas.microsoft.com/office/drawing/2010/main" w="9525">
+                <a:solidFill>
+                  <a:srgbClr val="000000"/>
+                </a:solidFill>
+                <a:miter lim="800000"/>
+                <a:headEnd/>
+                <a:tailEnd/>
+              </a14:hiddenLine>
+            </a:ext>
+          </a:extLst>
+        </p:spPr>
+        <p:txBody>
+          <a:bodyPr wrap="none" lIns="99276" tIns="49637" rIns="99276" bIns="49637" anchor="ctr"/>
+          <a:lstStyle/>
+          <a:p>
+            <a:pPr defTabSz="708342" eaLnBrk="0" hangingPunct="0">
+              <a:lnSpc>
+                <a:spcPct val="95000"/>
+              </a:lnSpc>
+            </a:pPr>
+            <a:r>
+              <a:rPr lang="zh-CN" altLang="en-US" sz="2000" b="1" dirty="0" smtClean="0">
+                <a:solidFill>
+                  <a:schemeClr val="bg1"/>
+                </a:solidFill>
+              </a:rPr>
+              <a:t>集合竞价</a:t>
+            </a:r>
+            <a:endParaRPr lang="en-US" altLang="zh-CN" sz="2000" b="1" dirty="0" smtClean="0">
+              <a:solidFill>
+                <a:schemeClr val="bg1"/>
+              </a:solidFill>
+            </a:endParaRPr>
+          </a:p>
+        </p:txBody>
+      </p:sp>
+      <p:pic>
+        <p:nvPicPr>
+          <p:cNvPr id="4098" name="Picture 2"/>
+          <p:cNvPicPr>
+            <a:picLocks noChangeAspect="1" noChangeArrowheads="1"/>
+          </p:cNvPicPr>
+          <p:nvPr/>
+        </p:nvPicPr>
+        <p:blipFill>
+          <a:blip r:embed="rId2" cstate="print"/>
+          <a:srcRect/>
+          <a:stretch>
+            <a:fillRect/>
+          </a:stretch>
+        </p:blipFill>
+        <p:spPr bwMode="auto">
+          <a:xfrm>
+            <a:off x="1834829" y="908720"/>
+            <a:ext cx="8623645" cy="5949280"/>
+          </a:xfrm>
+          <a:prstGeom prst="rect">
+            <a:avLst/>
+          </a:prstGeom>
+          <a:noFill/>
+          <a:ln w="9525">
+            <a:noFill/>
+            <a:miter lim="800000"/>
+            <a:headEnd/>
+            <a:tailEnd/>
+          </a:ln>
+        </p:spPr>
+      </p:pic>
+    </p:spTree>
+    <p:extLst>
+      <p:ext uri="{BB962C8B-B14F-4D97-AF65-F5344CB8AC3E}">
+        <p14:creationId xmlns="" xmlns:p14="http://schemas.microsoft.com/office/powerpoint/2010/main" val="430663697"/>
+      </p:ext>
+    </p:extLst>
+  </p:cSld>
+  <p:clrMapOvr>
+    <a:masterClrMapping/>
+  </p:clrMapOvr>
+  <mc:AlternateContent xmlns:mc="http://schemas.openxmlformats.org/markup-compatibility/2006">
+    <mc:Choice xmlns="" xmlns:p14="http://schemas.microsoft.com/office/powerpoint/2010/main" Requires="p14">
+      <p:transition spd="slow" p14:dur="1600">
+        <p14:prism isInverted="1"/>
+      </p:transition>
+    </mc:Choice>
+    <mc:Fallback>
+      <p:transition spd="slow">
+        <p:fade/>
+      </p:transition>
+    </mc:Fallback>
+  </mc:AlternateContent>
+  <p:timing>
+    <p:tnLst>
+      <p:par>
+        <p:cTn id="1" dur="indefinite" restart="never" nodeType="tmRoot"/>
+      </p:par>
+    </p:tnLst>
+  </p:timing>
+</p:sld>
+</file>
+
+<file path=ppt/slides/slide17.xml><?xml version="1.0" encoding="utf-8"?>
+<p:sld xmlns:a="http://schemas.openxmlformats.org/drawingml/2006/main" xmlns:r="http://schemas.openxmlformats.org/officeDocument/2006/relationships" xmlns:p="http://schemas.openxmlformats.org/presentationml/2006/main">
+  <p:cSld>
+    <p:spTree>
+      <p:nvGrpSpPr>
+        <p:cNvPr id="1" name=""/>
+        <p:cNvGrpSpPr/>
+        <p:nvPr/>
+      </p:nvGrpSpPr>
+      <p:grpSpPr>
+        <a:xfrm>
+          <a:off x="0" y="0"/>
+          <a:ext cx="0" cy="0"/>
+          <a:chOff x="0" y="0"/>
+          <a:chExt cx="0" cy="0"/>
+        </a:xfrm>
+      </p:grpSpPr>
+      <p:sp>
+        <p:nvSpPr>
+          <p:cNvPr id="12" name="AutoShape 4"/>
+          <p:cNvSpPr>
+            <a:spLocks noChangeArrowheads="1"/>
+          </p:cNvSpPr>
+          <p:nvPr/>
+        </p:nvSpPr>
+        <p:spPr bwMode="gray">
+          <a:xfrm>
+            <a:off x="512396" y="908720"/>
+            <a:ext cx="9516826" cy="595503"/>
+          </a:xfrm>
+          <a:prstGeom prst="bevel">
+            <a:avLst>
+              <a:gd name="adj" fmla="val 7926"/>
+            </a:avLst>
+          </a:prstGeom>
+          <a:gradFill rotWithShape="1">
+            <a:gsLst>
+              <a:gs pos="0">
+                <a:srgbClr val="CC0000"/>
+              </a:gs>
+              <a:gs pos="100000">
+                <a:srgbClr val="990000"/>
+              </a:gs>
+            </a:gsLst>
+            <a:lin ang="2700000" scaled="1"/>
+          </a:gradFill>
+          <a:ln>
+            <a:noFill/>
+          </a:ln>
+          <a:extLst>
+            <a:ext uri="{91240B29-F687-4F45-9708-019B960494DF}">
+              <a14:hiddenLine xmlns="" xmlns:a14="http://schemas.microsoft.com/office/drawing/2010/main" w="9525">
+                <a:solidFill>
+                  <a:srgbClr val="000000"/>
+                </a:solidFill>
+                <a:miter lim="800000"/>
+                <a:headEnd/>
+                <a:tailEnd/>
+              </a14:hiddenLine>
+            </a:ext>
+          </a:extLst>
+        </p:spPr>
+        <p:txBody>
+          <a:bodyPr wrap="none" lIns="99276" tIns="49637" rIns="99276" bIns="49637" anchor="ctr"/>
+          <a:lstStyle/>
+          <a:p>
+            <a:pPr defTabSz="708342" eaLnBrk="0" hangingPunct="0">
+              <a:lnSpc>
+                <a:spcPct val="95000"/>
+              </a:lnSpc>
+            </a:pPr>
+            <a:r>
+              <a:rPr lang="zh-CN" altLang="en-US" sz="2000" b="1" dirty="0" smtClean="0">
+                <a:solidFill>
+                  <a:schemeClr val="bg1"/>
+                </a:solidFill>
+              </a:rPr>
+              <a:t>获取行情展示单独的页面</a:t>
+            </a:r>
+            <a:endParaRPr lang="en-US" altLang="zh-CN" sz="2000" b="1" dirty="0" smtClean="0">
+              <a:solidFill>
+                <a:schemeClr val="bg1"/>
+              </a:solidFill>
+            </a:endParaRPr>
+          </a:p>
+        </p:txBody>
+      </p:sp>
+      <p:pic>
+        <p:nvPicPr>
+          <p:cNvPr id="2050" name="Picture 2"/>
+          <p:cNvPicPr>
+            <a:picLocks noChangeAspect="1" noChangeArrowheads="1"/>
+          </p:cNvPicPr>
+          <p:nvPr/>
+        </p:nvPicPr>
+        <p:blipFill>
+          <a:blip r:embed="rId2" cstate="print"/>
+          <a:srcRect/>
+          <a:stretch>
+            <a:fillRect/>
+          </a:stretch>
+        </p:blipFill>
+        <p:spPr bwMode="auto">
+          <a:xfrm>
+            <a:off x="1025426" y="1584665"/>
+            <a:ext cx="6912768" cy="5273335"/>
+          </a:xfrm>
+          <a:prstGeom prst="rect">
+            <a:avLst/>
+          </a:prstGeom>
+          <a:noFill/>
+          <a:ln w="9525">
+            <a:noFill/>
+            <a:miter lim="800000"/>
+            <a:headEnd/>
+            <a:tailEnd/>
+          </a:ln>
+        </p:spPr>
+      </p:pic>
+    </p:spTree>
+    <p:extLst>
+      <p:ext uri="{BB962C8B-B14F-4D97-AF65-F5344CB8AC3E}">
+        <p14:creationId xmlns="" xmlns:p14="http://schemas.microsoft.com/office/powerpoint/2010/main" val="430663697"/>
+      </p:ext>
+    </p:extLst>
+  </p:cSld>
+  <p:clrMapOvr>
+    <a:masterClrMapping/>
+  </p:clrMapOvr>
+  <mc:AlternateContent xmlns:mc="http://schemas.openxmlformats.org/markup-compatibility/2006">
+    <mc:Choice xmlns="" xmlns:p14="http://schemas.microsoft.com/office/powerpoint/2010/main" Requires="p14">
+      <p:transition spd="slow" p14:dur="1600">
+        <p14:prism isInverted="1"/>
+      </p:transition>
+    </mc:Choice>
+    <mc:Fallback>
+      <p:transition spd="slow">
+        <p:fade/>
+      </p:transition>
+    </mc:Fallback>
+  </mc:AlternateContent>
+  <p:timing>
+    <p:tnLst>
+      <p:par>
+        <p:cTn id="1" dur="indefinite" restart="never" nodeType="tmRoot"/>
+      </p:par>
+    </p:tnLst>
+  </p:timing>
+</p:sld>
+</file>
+
+<file path=ppt/slides/slide18.xml><?xml version="1.0" encoding="utf-8"?>
+<p:sld xmlns:a="http://schemas.openxmlformats.org/drawingml/2006/main" xmlns:r="http://schemas.openxmlformats.org/officeDocument/2006/relationships" xmlns:p="http://schemas.openxmlformats.org/presentationml/2006/main">
+  <p:cSld>
+    <p:spTree>
+      <p:nvGrpSpPr>
+        <p:cNvPr id="1" name=""/>
+        <p:cNvGrpSpPr/>
+        <p:nvPr/>
+      </p:nvGrpSpPr>
+      <p:grpSpPr>
+        <a:xfrm>
+          <a:off x="0" y="0"/>
+          <a:ext cx="0" cy="0"/>
+          <a:chOff x="0" y="0"/>
+          <a:chExt cx="0" cy="0"/>
+        </a:xfrm>
+      </p:grpSpPr>
+      <p:sp>
+        <p:nvSpPr>
+          <p:cNvPr id="3084" name="Text Box 48"/>
+          <p:cNvSpPr txBox="1">
+            <a:spLocks noChangeArrowheads="1"/>
+          </p:cNvSpPr>
+          <p:nvPr/>
+        </p:nvSpPr>
+        <p:spPr bwMode="auto">
+          <a:xfrm>
+            <a:off x="1" y="3780115"/>
+            <a:ext cx="5850797" cy="377242"/>
+          </a:xfrm>
+          <a:prstGeom prst="rect">
+            <a:avLst/>
+          </a:prstGeom>
+          <a:noFill/>
+          <a:ln>
+            <a:noFill/>
+          </a:ln>
+          <a:extLst>
+            <a:ext uri="{909E8E84-426E-40DD-AFC4-6F175D3DCCD1}">
+              <a14:hiddenFill xmlns="" xmlns:a14="http://schemas.microsoft.com/office/drawing/2010/main">
+                <a:solidFill>
+                  <a:srgbClr val="FFFFFF"/>
+                </a:solidFill>
+              </a14:hiddenFill>
+            </a:ext>
+            <a:ext uri="{91240B29-F687-4F45-9708-019B960494DF}">
+              <a14:hiddenLine xmlns="" xmlns:a14="http://schemas.microsoft.com/office/drawing/2010/main" w="9525">
                 <a:solidFill>
                   <a:srgbClr val="000000"/>
                 </a:solidFill>
@@ -9498,20 +11120,20 @@
     </p:spTree>
     <p:extLst>
       <p:ext uri="{BB962C8B-B14F-4D97-AF65-F5344CB8AC3E}">
-        <p14:creationId xmlns:p14="http://schemas.microsoft.com/office/powerpoint/2010/main" val="920702074"/>
+        <p14:creationId xmlns="" xmlns:p14="http://schemas.microsoft.com/office/powerpoint/2010/main" val="920702074"/>
       </p:ext>
     </p:extLst>
   </p:cSld>
   <p:clrMapOvr>
     <a:masterClrMapping/>
   </p:clrMapOvr>
-  <mc:AlternateContent xmlns:mc="http://schemas.openxmlformats.org/markup-compatibility/2006" xmlns:p14="http://schemas.microsoft.com/office/powerpoint/2010/main">
-    <mc:Choice Requires="p14">
+  <mc:AlternateContent xmlns:mc="http://schemas.openxmlformats.org/markup-compatibility/2006">
+    <mc:Choice xmlns="" xmlns:p14="http://schemas.microsoft.com/office/powerpoint/2010/main" Requires="p14">
       <p:transition spd="slow" p14:dur="1400">
         <p14:ripple/>
       </p:transition>
     </mc:Choice>
-    <mc:Fallback xmlns="">
+    <mc:Fallback>
       <p:transition spd="slow">
         <p:fade/>
       </p:transition>
@@ -9734,7 +11356,7 @@
 </p:sld>
 </file>
 
-<file path=ppt/slides/slide11.xml><?xml version="1.0" encoding="utf-8"?>
+<file path=ppt/slides/slide19.xml><?xml version="1.0" encoding="utf-8"?>
 <p:sld xmlns:a="http://schemas.openxmlformats.org/drawingml/2006/main" xmlns:r="http://schemas.openxmlformats.org/officeDocument/2006/relationships" xmlns:p="http://schemas.openxmlformats.org/presentationml/2006/main">
   <p:cSld>
     <p:spTree>
@@ -9785,7 +11407,7 @@
           </a:ln>
           <a:extLst>
             <a:ext uri="{91240B29-F687-4F45-9708-019B960494DF}">
-              <a14:hiddenLine xmlns:a14="http://schemas.microsoft.com/office/drawing/2010/main" w="9525">
+              <a14:hiddenLine xmlns="" xmlns:a14="http://schemas.microsoft.com/office/drawing/2010/main" w="9525">
                 <a:solidFill>
                   <a:srgbClr val="000000"/>
                 </a:solidFill>
@@ -10221,7 +11843,7 @@
     </p:spTree>
     <p:extLst>
       <p:ext uri="{BB962C8B-B14F-4D97-AF65-F5344CB8AC3E}">
-        <p14:creationId xmlns:p14="http://schemas.microsoft.com/office/powerpoint/2010/main" val="1471145227"/>
+        <p14:creationId xmlns="" xmlns:p14="http://schemas.microsoft.com/office/powerpoint/2010/main" val="1471145227"/>
       </p:ext>
     </p:extLst>
   </p:cSld>
@@ -10798,7 +12420,576 @@
 </p:sld>
 </file>
 
-<file path=ppt/slides/slide12.xml><?xml version="1.0" encoding="utf-8"?>
+<file path=ppt/slides/slide2.xml><?xml version="1.0" encoding="utf-8"?>
+<p:sld xmlns:a="http://schemas.openxmlformats.org/drawingml/2006/main" xmlns:r="http://schemas.openxmlformats.org/officeDocument/2006/relationships" xmlns:p="http://schemas.openxmlformats.org/presentationml/2006/main">
+  <p:cSld>
+    <p:spTree>
+      <p:nvGrpSpPr>
+        <p:cNvPr id="1" name=""/>
+        <p:cNvGrpSpPr/>
+        <p:nvPr/>
+      </p:nvGrpSpPr>
+      <p:grpSpPr>
+        <a:xfrm>
+          <a:off x="0" y="0"/>
+          <a:ext cx="0" cy="0"/>
+          <a:chOff x="0" y="0"/>
+          <a:chExt cx="0" cy="0"/>
+        </a:xfrm>
+      </p:grpSpPr>
+      <p:sp>
+        <p:nvSpPr>
+          <p:cNvPr id="14" name="Text Box 123"/>
+          <p:cNvSpPr txBox="1">
+            <a:spLocks noChangeArrowheads="1"/>
+          </p:cNvSpPr>
+          <p:nvPr/>
+        </p:nvSpPr>
+        <p:spPr bwMode="gray">
+          <a:xfrm>
+            <a:off x="3423948" y="2636912"/>
+            <a:ext cx="4442238" cy="646331"/>
+          </a:xfrm>
+          <a:prstGeom prst="rect">
+            <a:avLst/>
+          </a:prstGeom>
+          <a:noFill/>
+          <a:ln w="9525" algn="ctr">
+            <a:noFill/>
+            <a:miter lim="800000"/>
+            <a:headEnd/>
+            <a:tailEnd/>
+          </a:ln>
+        </p:spPr>
+        <p:txBody>
+          <a:bodyPr wrap="square">
+            <a:spAutoFit/>
+          </a:bodyPr>
+          <a:lstStyle/>
+          <a:p>
+            <a:pPr eaLnBrk="0" hangingPunct="0">
+              <a:defRPr/>
+            </a:pPr>
+            <a:r>
+              <a:rPr lang="zh-CN" altLang="en-US" sz="3600" dirty="0">
+                <a:latin typeface="微软雅黑" pitchFamily="34" charset="-122"/>
+                <a:ea typeface="微软雅黑" pitchFamily="34" charset="-122"/>
+              </a:rPr>
+              <a:t>项目总体情况介绍</a:t>
+            </a:r>
+            <a:endParaRPr lang="en-US" altLang="zh-CN" sz="3600" dirty="0">
+              <a:latin typeface="微软雅黑" pitchFamily="34" charset="-122"/>
+              <a:ea typeface="微软雅黑" pitchFamily="34" charset="-122"/>
+            </a:endParaRPr>
+          </a:p>
+        </p:txBody>
+      </p:sp>
+      <p:sp>
+        <p:nvSpPr>
+          <p:cNvPr id="15" name="Text Box 124"/>
+          <p:cNvSpPr txBox="1">
+            <a:spLocks noChangeArrowheads="1"/>
+          </p:cNvSpPr>
+          <p:nvPr/>
+        </p:nvSpPr>
+        <p:spPr bwMode="gray">
+          <a:xfrm>
+            <a:off x="2497707" y="2205708"/>
+            <a:ext cx="339725" cy="461962"/>
+          </a:xfrm>
+          <a:prstGeom prst="rect">
+            <a:avLst/>
+          </a:prstGeom>
+          <a:noFill/>
+          <a:ln w="9525" algn="ctr">
+            <a:noFill/>
+            <a:miter lim="800000"/>
+            <a:headEnd/>
+            <a:tailEnd/>
+          </a:ln>
+        </p:spPr>
+        <p:txBody>
+          <a:bodyPr wrap="none">
+            <a:spAutoFit/>
+          </a:bodyPr>
+          <a:lstStyle>
+            <a:lvl1pPr eaLnBrk="0" hangingPunct="0">
+              <a:defRPr>
+                <a:solidFill>
+                  <a:schemeClr val="tx1"/>
+                </a:solidFill>
+                <a:latin typeface="Arial" pitchFamily="34" charset="0"/>
+                <a:ea typeface="宋体" pitchFamily="2" charset="-122"/>
+              </a:defRPr>
+            </a:lvl1pPr>
+            <a:lvl2pPr marL="742950" indent="-285750" eaLnBrk="0" hangingPunct="0">
+              <a:defRPr>
+                <a:solidFill>
+                  <a:schemeClr val="tx1"/>
+                </a:solidFill>
+                <a:latin typeface="Arial" pitchFamily="34" charset="0"/>
+                <a:ea typeface="宋体" pitchFamily="2" charset="-122"/>
+              </a:defRPr>
+            </a:lvl2pPr>
+            <a:lvl3pPr marL="1143000" indent="-228600" eaLnBrk="0" hangingPunct="0">
+              <a:defRPr>
+                <a:solidFill>
+                  <a:schemeClr val="tx1"/>
+                </a:solidFill>
+                <a:latin typeface="Arial" pitchFamily="34" charset="0"/>
+                <a:ea typeface="宋体" pitchFamily="2" charset="-122"/>
+              </a:defRPr>
+            </a:lvl3pPr>
+            <a:lvl4pPr marL="1600200" indent="-228600" eaLnBrk="0" hangingPunct="0">
+              <a:defRPr>
+                <a:solidFill>
+                  <a:schemeClr val="tx1"/>
+                </a:solidFill>
+                <a:latin typeface="Arial" pitchFamily="34" charset="0"/>
+                <a:ea typeface="宋体" pitchFamily="2" charset="-122"/>
+              </a:defRPr>
+            </a:lvl4pPr>
+            <a:lvl5pPr marL="2057400" indent="-228600" eaLnBrk="0" hangingPunct="0">
+              <a:defRPr>
+                <a:solidFill>
+                  <a:schemeClr val="tx1"/>
+                </a:solidFill>
+                <a:latin typeface="Arial" pitchFamily="34" charset="0"/>
+                <a:ea typeface="宋体" pitchFamily="2" charset="-122"/>
+              </a:defRPr>
+            </a:lvl5pPr>
+            <a:lvl6pPr marL="2514600" indent="-228600" eaLnBrk="0" fontAlgn="base" hangingPunct="0">
+              <a:spcBef>
+                <a:spcPct val="0"/>
+              </a:spcBef>
+              <a:spcAft>
+                <a:spcPct val="0"/>
+              </a:spcAft>
+              <a:defRPr>
+                <a:solidFill>
+                  <a:schemeClr val="tx1"/>
+                </a:solidFill>
+                <a:latin typeface="Arial" pitchFamily="34" charset="0"/>
+                <a:ea typeface="宋体" pitchFamily="2" charset="-122"/>
+              </a:defRPr>
+            </a:lvl6pPr>
+            <a:lvl7pPr marL="2971800" indent="-228600" eaLnBrk="0" fontAlgn="base" hangingPunct="0">
+              <a:spcBef>
+                <a:spcPct val="0"/>
+              </a:spcBef>
+              <a:spcAft>
+                <a:spcPct val="0"/>
+              </a:spcAft>
+              <a:defRPr>
+                <a:solidFill>
+                  <a:schemeClr val="tx1"/>
+                </a:solidFill>
+                <a:latin typeface="Arial" pitchFamily="34" charset="0"/>
+                <a:ea typeface="宋体" pitchFamily="2" charset="-122"/>
+              </a:defRPr>
+            </a:lvl7pPr>
+            <a:lvl8pPr marL="3429000" indent="-228600" eaLnBrk="0" fontAlgn="base" hangingPunct="0">
+              <a:spcBef>
+                <a:spcPct val="0"/>
+              </a:spcBef>
+              <a:spcAft>
+                <a:spcPct val="0"/>
+              </a:spcAft>
+              <a:defRPr>
+                <a:solidFill>
+                  <a:schemeClr val="tx1"/>
+                </a:solidFill>
+                <a:latin typeface="Arial" pitchFamily="34" charset="0"/>
+                <a:ea typeface="宋体" pitchFamily="2" charset="-122"/>
+              </a:defRPr>
+            </a:lvl8pPr>
+            <a:lvl9pPr marL="3886200" indent="-228600" eaLnBrk="0" fontAlgn="base" hangingPunct="0">
+              <a:spcBef>
+                <a:spcPct val="0"/>
+              </a:spcBef>
+              <a:spcAft>
+                <a:spcPct val="0"/>
+              </a:spcAft>
+              <a:defRPr>
+                <a:solidFill>
+                  <a:schemeClr val="tx1"/>
+                </a:solidFill>
+                <a:latin typeface="Arial" pitchFamily="34" charset="0"/>
+                <a:ea typeface="宋体" pitchFamily="2" charset="-122"/>
+              </a:defRPr>
+            </a:lvl9pPr>
+          </a:lstStyle>
+          <a:p>
+            <a:pPr algn="ctr"/>
+            <a:r>
+              <a:rPr lang="en-US" altLang="zh-CN" sz="2400" b="1">
+                <a:solidFill>
+                  <a:srgbClr val="FFFFFF"/>
+                </a:solidFill>
+                <a:latin typeface="黑体" pitchFamily="49" charset="-122"/>
+                <a:ea typeface="黑体" pitchFamily="49" charset="-122"/>
+              </a:rPr>
+              <a:t>1</a:t>
+            </a:r>
+          </a:p>
+        </p:txBody>
+      </p:sp>
+      <p:sp>
+        <p:nvSpPr>
+          <p:cNvPr id="22" name="Rectangle 122"/>
+          <p:cNvSpPr>
+            <a:spLocks noChangeArrowheads="1"/>
+          </p:cNvSpPr>
+          <p:nvPr/>
+        </p:nvSpPr>
+        <p:spPr bwMode="gray">
+          <a:xfrm rot="3419336">
+            <a:off x="2093508" y="2383585"/>
+            <a:ext cx="811755" cy="924363"/>
+          </a:xfrm>
+          <a:prstGeom prst="rect">
+            <a:avLst/>
+          </a:prstGeom>
+          <a:gradFill rotWithShape="1">
+            <a:gsLst>
+              <a:gs pos="0">
+                <a:schemeClr val="accent1"/>
+              </a:gs>
+              <a:gs pos="100000">
+                <a:schemeClr val="accent1">
+                  <a:gamma/>
+                  <a:shade val="46275"/>
+                  <a:invGamma/>
+                </a:schemeClr>
+              </a:gs>
+            </a:gsLst>
+            <a:lin ang="5400000" scaled="1"/>
+          </a:gradFill>
+          <a:ln w="9525">
+            <a:miter lim="800000"/>
+            <a:headEnd/>
+            <a:tailEnd/>
+          </a:ln>
+          <a:effectLst/>
+          <a:scene3d>
+            <a:camera prst="legacyPerspectiveFront">
+              <a:rot lat="0" lon="1500000" rev="0"/>
+            </a:camera>
+            <a:lightRig rig="legacyFlat4" dir="b"/>
+          </a:scene3d>
+          <a:sp3d extrusionH="430200" prstMaterial="legacyMatte">
+            <a:bevelT w="13500" h="13500" prst="angle"/>
+            <a:bevelB w="13500" h="13500" prst="angle"/>
+            <a:extrusionClr>
+              <a:schemeClr val="accent1"/>
+            </a:extrusionClr>
+          </a:sp3d>
+        </p:spPr>
+        <p:txBody>
+          <a:bodyPr wrap="none" anchor="ctr">
+            <a:flatTx/>
+          </a:bodyPr>
+          <a:lstStyle/>
+          <a:p>
+            <a:pPr>
+              <a:defRPr/>
+            </a:pPr>
+            <a:endParaRPr lang="zh-CN" altLang="en-US" dirty="0">
+              <a:latin typeface="+mn-ea"/>
+              <a:ea typeface="+mn-ea"/>
+            </a:endParaRPr>
+          </a:p>
+        </p:txBody>
+      </p:sp>
+    </p:spTree>
+    <p:extLst>
+      <p:ext uri="{BB962C8B-B14F-4D97-AF65-F5344CB8AC3E}">
+        <p14:creationId xmlns="" xmlns:p14="http://schemas.microsoft.com/office/powerpoint/2010/main" val="3518327982"/>
+      </p:ext>
+    </p:extLst>
+  </p:cSld>
+  <p:clrMapOvr>
+    <a:masterClrMapping/>
+  </p:clrMapOvr>
+  <p:transition spd="med">
+    <p:pull/>
+  </p:transition>
+  <p:timing>
+    <p:tnLst>
+      <p:par>
+        <p:cTn id="1" dur="indefinite" restart="never" nodeType="tmRoot">
+          <p:childTnLst>
+            <p:seq concurrent="1" nextAc="seek">
+              <p:cTn id="2" dur="indefinite" nodeType="mainSeq">
+                <p:childTnLst>
+                  <p:par>
+                    <p:cTn id="3" fill="hold">
+                      <p:stCondLst>
+                        <p:cond delay="indefinite"/>
+                      </p:stCondLst>
+                      <p:childTnLst>
+                        <p:par>
+                          <p:cTn id="4" fill="hold">
+                            <p:stCondLst>
+                              <p:cond delay="0"/>
+                            </p:stCondLst>
+                            <p:childTnLst>
+                              <p:par>
+                                <p:cTn id="5" presetID="2" presetClass="entr" presetSubtype="4" fill="hold" grpId="0" nodeType="clickEffect">
+                                  <p:stCondLst>
+                                    <p:cond delay="0"/>
+                                  </p:stCondLst>
+                                  <p:childTnLst>
+                                    <p:set>
+                                      <p:cBhvr>
+                                        <p:cTn id="6" dur="1" fill="hold">
+                                          <p:stCondLst>
+                                            <p:cond delay="0"/>
+                                          </p:stCondLst>
+                                        </p:cTn>
+                                        <p:tgtEl>
+                                          <p:spTgt spid="14"/>
+                                        </p:tgtEl>
+                                        <p:attrNameLst>
+                                          <p:attrName>style.visibility</p:attrName>
+                                        </p:attrNameLst>
+                                      </p:cBhvr>
+                                      <p:to>
+                                        <p:strVal val="visible"/>
+                                      </p:to>
+                                    </p:set>
+                                    <p:anim calcmode="lin" valueType="num">
+                                      <p:cBhvr additive="base">
+                                        <p:cTn id="7" dur="500" fill="hold"/>
+                                        <p:tgtEl>
+                                          <p:spTgt spid="14"/>
+                                        </p:tgtEl>
+                                        <p:attrNameLst>
+                                          <p:attrName>ppt_x</p:attrName>
+                                        </p:attrNameLst>
+                                      </p:cBhvr>
+                                      <p:tavLst>
+                                        <p:tav tm="0">
+                                          <p:val>
+                                            <p:strVal val="#ppt_x"/>
+                                          </p:val>
+                                        </p:tav>
+                                        <p:tav tm="100000">
+                                          <p:val>
+                                            <p:strVal val="#ppt_x"/>
+                                          </p:val>
+                                        </p:tav>
+                                      </p:tavLst>
+                                    </p:anim>
+                                    <p:anim calcmode="lin" valueType="num">
+                                      <p:cBhvr additive="base">
+                                        <p:cTn id="8" dur="500" fill="hold"/>
+                                        <p:tgtEl>
+                                          <p:spTgt spid="14"/>
+                                        </p:tgtEl>
+                                        <p:attrNameLst>
+                                          <p:attrName>ppt_y</p:attrName>
+                                        </p:attrNameLst>
+                                      </p:cBhvr>
+                                      <p:tavLst>
+                                        <p:tav tm="0">
+                                          <p:val>
+                                            <p:strVal val="1+#ppt_h/2"/>
+                                          </p:val>
+                                        </p:tav>
+                                        <p:tav tm="100000">
+                                          <p:val>
+                                            <p:strVal val="#ppt_y"/>
+                                          </p:val>
+                                        </p:tav>
+                                      </p:tavLst>
+                                    </p:anim>
+                                  </p:childTnLst>
+                                </p:cTn>
+                              </p:par>
+                              <p:par>
+                                <p:cTn id="9" presetID="2" presetClass="entr" presetSubtype="4" fill="hold" grpId="0" nodeType="withEffect">
+                                  <p:stCondLst>
+                                    <p:cond delay="0"/>
+                                  </p:stCondLst>
+                                  <p:childTnLst>
+                                    <p:set>
+                                      <p:cBhvr>
+                                        <p:cTn id="10" dur="1" fill="hold">
+                                          <p:stCondLst>
+                                            <p:cond delay="0"/>
+                                          </p:stCondLst>
+                                        </p:cTn>
+                                        <p:tgtEl>
+                                          <p:spTgt spid="15"/>
+                                        </p:tgtEl>
+                                        <p:attrNameLst>
+                                          <p:attrName>style.visibility</p:attrName>
+                                        </p:attrNameLst>
+                                      </p:cBhvr>
+                                      <p:to>
+                                        <p:strVal val="visible"/>
+                                      </p:to>
+                                    </p:set>
+                                    <p:anim calcmode="lin" valueType="num">
+                                      <p:cBhvr additive="base">
+                                        <p:cTn id="11" dur="500" fill="hold"/>
+                                        <p:tgtEl>
+                                          <p:spTgt spid="15"/>
+                                        </p:tgtEl>
+                                        <p:attrNameLst>
+                                          <p:attrName>ppt_x</p:attrName>
+                                        </p:attrNameLst>
+                                      </p:cBhvr>
+                                      <p:tavLst>
+                                        <p:tav tm="0">
+                                          <p:val>
+                                            <p:strVal val="#ppt_x"/>
+                                          </p:val>
+                                        </p:tav>
+                                        <p:tav tm="100000">
+                                          <p:val>
+                                            <p:strVal val="#ppt_x"/>
+                                          </p:val>
+                                        </p:tav>
+                                      </p:tavLst>
+                                    </p:anim>
+                                    <p:anim calcmode="lin" valueType="num">
+                                      <p:cBhvr additive="base">
+                                        <p:cTn id="12" dur="500" fill="hold"/>
+                                        <p:tgtEl>
+                                          <p:spTgt spid="15"/>
+                                        </p:tgtEl>
+                                        <p:attrNameLst>
+                                          <p:attrName>ppt_y</p:attrName>
+                                        </p:attrNameLst>
+                                      </p:cBhvr>
+                                      <p:tavLst>
+                                        <p:tav tm="0">
+                                          <p:val>
+                                            <p:strVal val="1+#ppt_h/2"/>
+                                          </p:val>
+                                        </p:tav>
+                                        <p:tav tm="100000">
+                                          <p:val>
+                                            <p:strVal val="#ppt_y"/>
+                                          </p:val>
+                                        </p:tav>
+                                      </p:tavLst>
+                                    </p:anim>
+                                  </p:childTnLst>
+                                </p:cTn>
+                              </p:par>
+                              <p:par>
+                                <p:cTn id="13" presetID="2" presetClass="entr" presetSubtype="4" fill="hold" grpId="0" nodeType="withEffect">
+                                  <p:stCondLst>
+                                    <p:cond delay="0"/>
+                                  </p:stCondLst>
+                                  <p:childTnLst>
+                                    <p:set>
+                                      <p:cBhvr>
+                                        <p:cTn id="14" dur="1" fill="hold">
+                                          <p:stCondLst>
+                                            <p:cond delay="0"/>
+                                          </p:stCondLst>
+                                        </p:cTn>
+                                        <p:tgtEl>
+                                          <p:spTgt spid="22"/>
+                                        </p:tgtEl>
+                                        <p:attrNameLst>
+                                          <p:attrName>style.visibility</p:attrName>
+                                        </p:attrNameLst>
+                                      </p:cBhvr>
+                                      <p:to>
+                                        <p:strVal val="visible"/>
+                                      </p:to>
+                                    </p:set>
+                                    <p:anim calcmode="lin" valueType="num">
+                                      <p:cBhvr additive="base">
+                                        <p:cTn id="15" dur="500" fill="hold"/>
+                                        <p:tgtEl>
+                                          <p:spTgt spid="22"/>
+                                        </p:tgtEl>
+                                        <p:attrNameLst>
+                                          <p:attrName>ppt_x</p:attrName>
+                                        </p:attrNameLst>
+                                      </p:cBhvr>
+                                      <p:tavLst>
+                                        <p:tav tm="0">
+                                          <p:val>
+                                            <p:strVal val="#ppt_x"/>
+                                          </p:val>
+                                        </p:tav>
+                                        <p:tav tm="100000">
+                                          <p:val>
+                                            <p:strVal val="#ppt_x"/>
+                                          </p:val>
+                                        </p:tav>
+                                      </p:tavLst>
+                                    </p:anim>
+                                    <p:anim calcmode="lin" valueType="num">
+                                      <p:cBhvr additive="base">
+                                        <p:cTn id="16" dur="500" fill="hold"/>
+                                        <p:tgtEl>
+                                          <p:spTgt spid="22"/>
+                                        </p:tgtEl>
+                                        <p:attrNameLst>
+                                          <p:attrName>ppt_y</p:attrName>
+                                        </p:attrNameLst>
+                                      </p:cBhvr>
+                                      <p:tavLst>
+                                        <p:tav tm="0">
+                                          <p:val>
+                                            <p:strVal val="1+#ppt_h/2"/>
+                                          </p:val>
+                                        </p:tav>
+                                        <p:tav tm="100000">
+                                          <p:val>
+                                            <p:strVal val="#ppt_y"/>
+                                          </p:val>
+                                        </p:tav>
+                                      </p:tavLst>
+                                    </p:anim>
+                                  </p:childTnLst>
+                                </p:cTn>
+                              </p:par>
+                            </p:childTnLst>
+                          </p:cTn>
+                        </p:par>
+                      </p:childTnLst>
+                    </p:cTn>
+                  </p:par>
+                </p:childTnLst>
+              </p:cTn>
+              <p:prevCondLst>
+                <p:cond evt="onPrev" delay="0">
+                  <p:tgtEl>
+                    <p:sldTgt/>
+                  </p:tgtEl>
+                </p:cond>
+              </p:prevCondLst>
+              <p:nextCondLst>
+                <p:cond evt="onNext" delay="0">
+                  <p:tgtEl>
+                    <p:sldTgt/>
+                  </p:tgtEl>
+                </p:cond>
+              </p:nextCondLst>
+            </p:seq>
+          </p:childTnLst>
+        </p:cTn>
+      </p:par>
+    </p:tnLst>
+    <p:bldLst>
+      <p:bldP spid="14" grpId="0"/>
+      <p:bldP spid="15" grpId="0"/>
+      <p:bldP spid="22" grpId="0" animBg="1"/>
+    </p:bldLst>
+  </p:timing>
+</p:sld>
+</file>
+
+<file path=ppt/slides/slide20.xml><?xml version="1.0" encoding="utf-8"?>
 <p:sld xmlns:a="http://schemas.openxmlformats.org/drawingml/2006/main" xmlns:r="http://schemas.openxmlformats.org/officeDocument/2006/relationships" xmlns:p="http://schemas.openxmlformats.org/presentationml/2006/main">
   <p:cSld>
     <p:spTree>
@@ -10849,7 +13040,7 @@
           </a:ln>
           <a:extLst>
             <a:ext uri="{91240B29-F687-4F45-9708-019B960494DF}">
-              <a14:hiddenLine xmlns:a14="http://schemas.microsoft.com/office/drawing/2010/main" w="9525">
+              <a14:hiddenLine xmlns="" xmlns:a14="http://schemas.microsoft.com/office/drawing/2010/main" w="9525">
                 <a:solidFill>
                   <a:srgbClr val="000000"/>
                 </a:solidFill>
@@ -11311,7 +13502,7 @@
     </p:spTree>
     <p:extLst>
       <p:ext uri="{BB962C8B-B14F-4D97-AF65-F5344CB8AC3E}">
-        <p14:creationId xmlns:p14="http://schemas.microsoft.com/office/powerpoint/2010/main" val="4143741848"/>
+        <p14:creationId xmlns="" xmlns:p14="http://schemas.microsoft.com/office/powerpoint/2010/main" val="4143741848"/>
       </p:ext>
     </p:extLst>
   </p:cSld>
@@ -12389,7 +14580,7 @@
 </p:sld>
 </file>
 
-<file path=ppt/slides/slide13.xml><?xml version="1.0" encoding="utf-8"?>
+<file path=ppt/slides/slide21.xml><?xml version="1.0" encoding="utf-8"?>
 <p:sld xmlns:a="http://schemas.openxmlformats.org/drawingml/2006/main" xmlns:r="http://schemas.openxmlformats.org/officeDocument/2006/relationships" xmlns:p="http://schemas.openxmlformats.org/presentationml/2006/main">
   <p:cSld>
     <p:spTree>
@@ -12440,7 +14631,7 @@
           </a:ln>
           <a:extLst>
             <a:ext uri="{91240B29-F687-4F45-9708-019B960494DF}">
-              <a14:hiddenLine xmlns:a14="http://schemas.microsoft.com/office/drawing/2010/main" w="9525">
+              <a14:hiddenLine xmlns="" xmlns:a14="http://schemas.microsoft.com/office/drawing/2010/main" w="9525">
                 <a:solidFill>
                   <a:srgbClr val="000000"/>
                 </a:solidFill>
@@ -12818,20 +15009,20 @@
     </p:spTree>
     <p:extLst>
       <p:ext uri="{BB962C8B-B14F-4D97-AF65-F5344CB8AC3E}">
-        <p14:creationId xmlns:p14="http://schemas.microsoft.com/office/powerpoint/2010/main" val="4143741848"/>
+        <p14:creationId xmlns="" xmlns:p14="http://schemas.microsoft.com/office/powerpoint/2010/main" val="4143741848"/>
       </p:ext>
     </p:extLst>
   </p:cSld>
   <p:clrMapOvr>
     <a:masterClrMapping/>
   </p:clrMapOvr>
-  <mc:AlternateContent xmlns:mc="http://schemas.openxmlformats.org/markup-compatibility/2006" xmlns:p14="http://schemas.microsoft.com/office/powerpoint/2010/main">
-    <mc:Choice Requires="p14">
+  <mc:AlternateContent xmlns:mc="http://schemas.openxmlformats.org/markup-compatibility/2006">
+    <mc:Choice xmlns="" xmlns:p14="http://schemas.microsoft.com/office/powerpoint/2010/main" Requires="p14">
       <p:transition spd="slow" p14:dur="1600">
         <p:blinds dir="vert"/>
       </p:transition>
     </mc:Choice>
-    <mc:Fallback xmlns="">
+    <mc:Fallback>
       <p:transition spd="slow">
         <p:blinds dir="vert"/>
       </p:transition>
@@ -13603,7 +15794,7 @@
 </p:sld>
 </file>
 
-<file path=ppt/slides/slide14.xml><?xml version="1.0" encoding="utf-8"?>
+<file path=ppt/slides/slide22.xml><?xml version="1.0" encoding="utf-8"?>
 <p:sld xmlns:a="http://schemas.openxmlformats.org/drawingml/2006/main" xmlns:r="http://schemas.openxmlformats.org/officeDocument/2006/relationships" xmlns:p="http://schemas.openxmlformats.org/presentationml/2006/main">
   <p:cSld>
     <p:spTree>
@@ -13632,7 +15823,7 @@
           <a:blip r:embed="rId2" cstate="print">
             <a:extLst>
               <a:ext uri="{28A0092B-C50C-407E-A947-70E740481C1C}">
-                <a14:useLocalDpi xmlns:a14="http://schemas.microsoft.com/office/drawing/2010/main" val="0"/>
+                <a14:useLocalDpi xmlns="" xmlns:a14="http://schemas.microsoft.com/office/drawing/2010/main" val="0"/>
               </a:ext>
             </a:extLst>
           </a:blip>
@@ -13655,14 +15846,14 @@
           </a:ln>
           <a:extLst>
             <a:ext uri="{909E8E84-426E-40DD-AFC4-6F175D3DCCD1}">
-              <a14:hiddenFill xmlns:a14="http://schemas.microsoft.com/office/drawing/2010/main">
+              <a14:hiddenFill xmlns="" xmlns:a14="http://schemas.microsoft.com/office/drawing/2010/main">
                 <a:solidFill>
                   <a:srgbClr val="FFFFFF"/>
                 </a:solidFill>
               </a14:hiddenFill>
             </a:ext>
             <a:ext uri="{91240B29-F687-4F45-9708-019B960494DF}">
-              <a14:hiddenLine xmlns:a14="http://schemas.microsoft.com/office/drawing/2010/main" w="9525">
+              <a14:hiddenLine xmlns="" xmlns:a14="http://schemas.microsoft.com/office/drawing/2010/main" w="9525">
                 <a:solidFill>
                   <a:srgbClr val="000000"/>
                 </a:solidFill>
@@ -13686,7 +15877,7 @@
           <a:blip r:embed="rId3" cstate="print">
             <a:extLst>
               <a:ext uri="{28A0092B-C50C-407E-A947-70E740481C1C}">
-                <a14:useLocalDpi xmlns:a14="http://schemas.microsoft.com/office/drawing/2010/main" val="0"/>
+                <a14:useLocalDpi xmlns="" xmlns:a14="http://schemas.microsoft.com/office/drawing/2010/main" val="0"/>
               </a:ext>
             </a:extLst>
           </a:blip>
@@ -13709,14 +15900,14 @@
           </a:ln>
           <a:extLst>
             <a:ext uri="{909E8E84-426E-40DD-AFC4-6F175D3DCCD1}">
-              <a14:hiddenFill xmlns:a14="http://schemas.microsoft.com/office/drawing/2010/main">
+              <a14:hiddenFill xmlns="" xmlns:a14="http://schemas.microsoft.com/office/drawing/2010/main">
                 <a:solidFill>
                   <a:srgbClr val="FFFFFF"/>
                 </a:solidFill>
               </a14:hiddenFill>
             </a:ext>
             <a:ext uri="{91240B29-F687-4F45-9708-019B960494DF}">
-              <a14:hiddenLine xmlns:a14="http://schemas.microsoft.com/office/drawing/2010/main" w="9525">
+              <a14:hiddenLine xmlns="" xmlns:a14="http://schemas.microsoft.com/office/drawing/2010/main" w="9525">
                 <a:solidFill>
                   <a:srgbClr val="000000"/>
                 </a:solidFill>
@@ -13800,20 +15991,20 @@
     </p:spTree>
     <p:extLst>
       <p:ext uri="{BB962C8B-B14F-4D97-AF65-F5344CB8AC3E}">
-        <p14:creationId xmlns:p14="http://schemas.microsoft.com/office/powerpoint/2010/main" val="298366539"/>
+        <p14:creationId xmlns="" xmlns:p14="http://schemas.microsoft.com/office/powerpoint/2010/main" val="298366539"/>
       </p:ext>
     </p:extLst>
   </p:cSld>
   <p:clrMapOvr>
     <a:masterClrMapping/>
   </p:clrMapOvr>
-  <mc:AlternateContent xmlns:mc="http://schemas.openxmlformats.org/markup-compatibility/2006" xmlns:p14="http://schemas.microsoft.com/office/powerpoint/2010/main">
-    <mc:Choice Requires="p14">
+  <mc:AlternateContent xmlns:mc="http://schemas.openxmlformats.org/markup-compatibility/2006">
+    <mc:Choice xmlns="" xmlns:p14="http://schemas.microsoft.com/office/powerpoint/2010/main" Requires="p14">
       <p:transition spd="slow" p14:dur="1200">
         <p14:prism/>
       </p:transition>
     </mc:Choice>
-    <mc:Fallback xmlns="">
+    <mc:Fallback>
       <p:transition spd="slow">
         <p:fade/>
       </p:transition>
@@ -13829,1266 +16020,7 @@
 </p:sld>
 </file>
 
-<file path=ppt/slides/slide2.xml><?xml version="1.0" encoding="utf-8"?>
-<p:sld xmlns:a="http://schemas.openxmlformats.org/drawingml/2006/main" xmlns:r="http://schemas.openxmlformats.org/officeDocument/2006/relationships" xmlns:p="http://schemas.openxmlformats.org/presentationml/2006/main">
-  <p:cSld>
-    <p:spTree>
-      <p:nvGrpSpPr>
-        <p:cNvPr id="1" name=""/>
-        <p:cNvGrpSpPr/>
-        <p:nvPr/>
-      </p:nvGrpSpPr>
-      <p:grpSpPr>
-        <a:xfrm>
-          <a:off x="0" y="0"/>
-          <a:ext cx="0" cy="0"/>
-          <a:chOff x="0" y="0"/>
-          <a:chExt cx="0" cy="0"/>
-        </a:xfrm>
-      </p:grpSpPr>
-      <p:sp>
-        <p:nvSpPr>
-          <p:cNvPr id="14" name="Text Box 123"/>
-          <p:cNvSpPr txBox="1">
-            <a:spLocks noChangeArrowheads="1"/>
-          </p:cNvSpPr>
-          <p:nvPr/>
-        </p:nvSpPr>
-        <p:spPr bwMode="gray">
-          <a:xfrm>
-            <a:off x="3423948" y="2636912"/>
-            <a:ext cx="4442238" cy="646331"/>
-          </a:xfrm>
-          <a:prstGeom prst="rect">
-            <a:avLst/>
-          </a:prstGeom>
-          <a:noFill/>
-          <a:ln w="9525" algn="ctr">
-            <a:noFill/>
-            <a:miter lim="800000"/>
-            <a:headEnd/>
-            <a:tailEnd/>
-          </a:ln>
-        </p:spPr>
-        <p:txBody>
-          <a:bodyPr wrap="square">
-            <a:spAutoFit/>
-          </a:bodyPr>
-          <a:lstStyle/>
-          <a:p>
-            <a:pPr eaLnBrk="0" hangingPunct="0">
-              <a:defRPr/>
-            </a:pPr>
-            <a:r>
-              <a:rPr lang="zh-CN" altLang="en-US" sz="3600" dirty="0">
-                <a:latin typeface="微软雅黑" pitchFamily="34" charset="-122"/>
-                <a:ea typeface="微软雅黑" pitchFamily="34" charset="-122"/>
-              </a:rPr>
-              <a:t>项目总体情况介绍</a:t>
-            </a:r>
-            <a:endParaRPr lang="en-US" altLang="zh-CN" sz="3600" dirty="0">
-              <a:latin typeface="微软雅黑" pitchFamily="34" charset="-122"/>
-              <a:ea typeface="微软雅黑" pitchFamily="34" charset="-122"/>
-            </a:endParaRPr>
-          </a:p>
-        </p:txBody>
-      </p:sp>
-      <p:sp>
-        <p:nvSpPr>
-          <p:cNvPr id="15" name="Text Box 124"/>
-          <p:cNvSpPr txBox="1">
-            <a:spLocks noChangeArrowheads="1"/>
-          </p:cNvSpPr>
-          <p:nvPr/>
-        </p:nvSpPr>
-        <p:spPr bwMode="gray">
-          <a:xfrm>
-            <a:off x="2497707" y="2205708"/>
-            <a:ext cx="339725" cy="461962"/>
-          </a:xfrm>
-          <a:prstGeom prst="rect">
-            <a:avLst/>
-          </a:prstGeom>
-          <a:noFill/>
-          <a:ln w="9525" algn="ctr">
-            <a:noFill/>
-            <a:miter lim="800000"/>
-            <a:headEnd/>
-            <a:tailEnd/>
-          </a:ln>
-        </p:spPr>
-        <p:txBody>
-          <a:bodyPr wrap="none">
-            <a:spAutoFit/>
-          </a:bodyPr>
-          <a:lstStyle>
-            <a:lvl1pPr eaLnBrk="0" hangingPunct="0">
-              <a:defRPr>
-                <a:solidFill>
-                  <a:schemeClr val="tx1"/>
-                </a:solidFill>
-                <a:latin typeface="Arial" pitchFamily="34" charset="0"/>
-                <a:ea typeface="宋体" pitchFamily="2" charset="-122"/>
-              </a:defRPr>
-            </a:lvl1pPr>
-            <a:lvl2pPr marL="742950" indent="-285750" eaLnBrk="0" hangingPunct="0">
-              <a:defRPr>
-                <a:solidFill>
-                  <a:schemeClr val="tx1"/>
-                </a:solidFill>
-                <a:latin typeface="Arial" pitchFamily="34" charset="0"/>
-                <a:ea typeface="宋体" pitchFamily="2" charset="-122"/>
-              </a:defRPr>
-            </a:lvl2pPr>
-            <a:lvl3pPr marL="1143000" indent="-228600" eaLnBrk="0" hangingPunct="0">
-              <a:defRPr>
-                <a:solidFill>
-                  <a:schemeClr val="tx1"/>
-                </a:solidFill>
-                <a:latin typeface="Arial" pitchFamily="34" charset="0"/>
-                <a:ea typeface="宋体" pitchFamily="2" charset="-122"/>
-              </a:defRPr>
-            </a:lvl3pPr>
-            <a:lvl4pPr marL="1600200" indent="-228600" eaLnBrk="0" hangingPunct="0">
-              <a:defRPr>
-                <a:solidFill>
-                  <a:schemeClr val="tx1"/>
-                </a:solidFill>
-                <a:latin typeface="Arial" pitchFamily="34" charset="0"/>
-                <a:ea typeface="宋体" pitchFamily="2" charset="-122"/>
-              </a:defRPr>
-            </a:lvl4pPr>
-            <a:lvl5pPr marL="2057400" indent="-228600" eaLnBrk="0" hangingPunct="0">
-              <a:defRPr>
-                <a:solidFill>
-                  <a:schemeClr val="tx1"/>
-                </a:solidFill>
-                <a:latin typeface="Arial" pitchFamily="34" charset="0"/>
-                <a:ea typeface="宋体" pitchFamily="2" charset="-122"/>
-              </a:defRPr>
-            </a:lvl5pPr>
-            <a:lvl6pPr marL="2514600" indent="-228600" eaLnBrk="0" fontAlgn="base" hangingPunct="0">
-              <a:spcBef>
-                <a:spcPct val="0"/>
-              </a:spcBef>
-              <a:spcAft>
-                <a:spcPct val="0"/>
-              </a:spcAft>
-              <a:defRPr>
-                <a:solidFill>
-                  <a:schemeClr val="tx1"/>
-                </a:solidFill>
-                <a:latin typeface="Arial" pitchFamily="34" charset="0"/>
-                <a:ea typeface="宋体" pitchFamily="2" charset="-122"/>
-              </a:defRPr>
-            </a:lvl6pPr>
-            <a:lvl7pPr marL="2971800" indent="-228600" eaLnBrk="0" fontAlgn="base" hangingPunct="0">
-              <a:spcBef>
-                <a:spcPct val="0"/>
-              </a:spcBef>
-              <a:spcAft>
-                <a:spcPct val="0"/>
-              </a:spcAft>
-              <a:defRPr>
-                <a:solidFill>
-                  <a:schemeClr val="tx1"/>
-                </a:solidFill>
-                <a:latin typeface="Arial" pitchFamily="34" charset="0"/>
-                <a:ea typeface="宋体" pitchFamily="2" charset="-122"/>
-              </a:defRPr>
-            </a:lvl7pPr>
-            <a:lvl8pPr marL="3429000" indent="-228600" eaLnBrk="0" fontAlgn="base" hangingPunct="0">
-              <a:spcBef>
-                <a:spcPct val="0"/>
-              </a:spcBef>
-              <a:spcAft>
-                <a:spcPct val="0"/>
-              </a:spcAft>
-              <a:defRPr>
-                <a:solidFill>
-                  <a:schemeClr val="tx1"/>
-                </a:solidFill>
-                <a:latin typeface="Arial" pitchFamily="34" charset="0"/>
-                <a:ea typeface="宋体" pitchFamily="2" charset="-122"/>
-              </a:defRPr>
-            </a:lvl8pPr>
-            <a:lvl9pPr marL="3886200" indent="-228600" eaLnBrk="0" fontAlgn="base" hangingPunct="0">
-              <a:spcBef>
-                <a:spcPct val="0"/>
-              </a:spcBef>
-              <a:spcAft>
-                <a:spcPct val="0"/>
-              </a:spcAft>
-              <a:defRPr>
-                <a:solidFill>
-                  <a:schemeClr val="tx1"/>
-                </a:solidFill>
-                <a:latin typeface="Arial" pitchFamily="34" charset="0"/>
-                <a:ea typeface="宋体" pitchFamily="2" charset="-122"/>
-              </a:defRPr>
-            </a:lvl9pPr>
-          </a:lstStyle>
-          <a:p>
-            <a:pPr algn="ctr"/>
-            <a:r>
-              <a:rPr lang="en-US" altLang="zh-CN" sz="2400" b="1">
-                <a:solidFill>
-                  <a:srgbClr val="FFFFFF"/>
-                </a:solidFill>
-                <a:latin typeface="黑体" pitchFamily="49" charset="-122"/>
-                <a:ea typeface="黑体" pitchFamily="49" charset="-122"/>
-              </a:rPr>
-              <a:t>1</a:t>
-            </a:r>
-          </a:p>
-        </p:txBody>
-      </p:sp>
-      <p:sp>
-        <p:nvSpPr>
-          <p:cNvPr id="22" name="Rectangle 122"/>
-          <p:cNvSpPr>
-            <a:spLocks noChangeArrowheads="1"/>
-          </p:cNvSpPr>
-          <p:nvPr/>
-        </p:nvSpPr>
-        <p:spPr bwMode="gray">
-          <a:xfrm rot="3419336">
-            <a:off x="2093508" y="2383585"/>
-            <a:ext cx="811755" cy="924363"/>
-          </a:xfrm>
-          <a:prstGeom prst="rect">
-            <a:avLst/>
-          </a:prstGeom>
-          <a:gradFill rotWithShape="1">
-            <a:gsLst>
-              <a:gs pos="0">
-                <a:schemeClr val="accent1"/>
-              </a:gs>
-              <a:gs pos="100000">
-                <a:schemeClr val="accent1">
-                  <a:gamma/>
-                  <a:shade val="46275"/>
-                  <a:invGamma/>
-                </a:schemeClr>
-              </a:gs>
-            </a:gsLst>
-            <a:lin ang="5400000" scaled="1"/>
-          </a:gradFill>
-          <a:ln w="9525">
-            <a:miter lim="800000"/>
-            <a:headEnd/>
-            <a:tailEnd/>
-          </a:ln>
-          <a:effectLst/>
-          <a:scene3d>
-            <a:camera prst="legacyPerspectiveFront">
-              <a:rot lat="0" lon="1500000" rev="0"/>
-            </a:camera>
-            <a:lightRig rig="legacyFlat4" dir="b"/>
-          </a:scene3d>
-          <a:sp3d extrusionH="430200" prstMaterial="legacyMatte">
-            <a:bevelT w="13500" h="13500" prst="angle"/>
-            <a:bevelB w="13500" h="13500" prst="angle"/>
-            <a:extrusionClr>
-              <a:schemeClr val="accent1"/>
-            </a:extrusionClr>
-          </a:sp3d>
-        </p:spPr>
-        <p:txBody>
-          <a:bodyPr wrap="none" anchor="ctr">
-            <a:flatTx/>
-          </a:bodyPr>
-          <a:lstStyle/>
-          <a:p>
-            <a:pPr>
-              <a:defRPr/>
-            </a:pPr>
-            <a:endParaRPr lang="zh-CN" altLang="en-US" dirty="0">
-              <a:latin typeface="+mn-ea"/>
-              <a:ea typeface="+mn-ea"/>
-            </a:endParaRPr>
-          </a:p>
-        </p:txBody>
-      </p:sp>
-    </p:spTree>
-    <p:extLst>
-      <p:ext uri="{BB962C8B-B14F-4D97-AF65-F5344CB8AC3E}">
-        <p14:creationId xmlns:p14="http://schemas.microsoft.com/office/powerpoint/2010/main" val="3518327982"/>
-      </p:ext>
-    </p:extLst>
-  </p:cSld>
-  <p:clrMapOvr>
-    <a:masterClrMapping/>
-  </p:clrMapOvr>
-  <p:transition spd="med">
-    <p:pull/>
-  </p:transition>
-  <p:timing>
-    <p:tnLst>
-      <p:par>
-        <p:cTn id="1" dur="indefinite" restart="never" nodeType="tmRoot">
-          <p:childTnLst>
-            <p:seq concurrent="1" nextAc="seek">
-              <p:cTn id="2" dur="indefinite" nodeType="mainSeq">
-                <p:childTnLst>
-                  <p:par>
-                    <p:cTn id="3" fill="hold">
-                      <p:stCondLst>
-                        <p:cond delay="indefinite"/>
-                      </p:stCondLst>
-                      <p:childTnLst>
-                        <p:par>
-                          <p:cTn id="4" fill="hold">
-                            <p:stCondLst>
-                              <p:cond delay="0"/>
-                            </p:stCondLst>
-                            <p:childTnLst>
-                              <p:par>
-                                <p:cTn id="5" presetID="2" presetClass="entr" presetSubtype="4" fill="hold" grpId="0" nodeType="clickEffect">
-                                  <p:stCondLst>
-                                    <p:cond delay="0"/>
-                                  </p:stCondLst>
-                                  <p:childTnLst>
-                                    <p:set>
-                                      <p:cBhvr>
-                                        <p:cTn id="6" dur="1" fill="hold">
-                                          <p:stCondLst>
-                                            <p:cond delay="0"/>
-                                          </p:stCondLst>
-                                        </p:cTn>
-                                        <p:tgtEl>
-                                          <p:spTgt spid="14"/>
-                                        </p:tgtEl>
-                                        <p:attrNameLst>
-                                          <p:attrName>style.visibility</p:attrName>
-                                        </p:attrNameLst>
-                                      </p:cBhvr>
-                                      <p:to>
-                                        <p:strVal val="visible"/>
-                                      </p:to>
-                                    </p:set>
-                                    <p:anim calcmode="lin" valueType="num">
-                                      <p:cBhvr additive="base">
-                                        <p:cTn id="7" dur="500" fill="hold"/>
-                                        <p:tgtEl>
-                                          <p:spTgt spid="14"/>
-                                        </p:tgtEl>
-                                        <p:attrNameLst>
-                                          <p:attrName>ppt_x</p:attrName>
-                                        </p:attrNameLst>
-                                      </p:cBhvr>
-                                      <p:tavLst>
-                                        <p:tav tm="0">
-                                          <p:val>
-                                            <p:strVal val="#ppt_x"/>
-                                          </p:val>
-                                        </p:tav>
-                                        <p:tav tm="100000">
-                                          <p:val>
-                                            <p:strVal val="#ppt_x"/>
-                                          </p:val>
-                                        </p:tav>
-                                      </p:tavLst>
-                                    </p:anim>
-                                    <p:anim calcmode="lin" valueType="num">
-                                      <p:cBhvr additive="base">
-                                        <p:cTn id="8" dur="500" fill="hold"/>
-                                        <p:tgtEl>
-                                          <p:spTgt spid="14"/>
-                                        </p:tgtEl>
-                                        <p:attrNameLst>
-                                          <p:attrName>ppt_y</p:attrName>
-                                        </p:attrNameLst>
-                                      </p:cBhvr>
-                                      <p:tavLst>
-                                        <p:tav tm="0">
-                                          <p:val>
-                                            <p:strVal val="1+#ppt_h/2"/>
-                                          </p:val>
-                                        </p:tav>
-                                        <p:tav tm="100000">
-                                          <p:val>
-                                            <p:strVal val="#ppt_y"/>
-                                          </p:val>
-                                        </p:tav>
-                                      </p:tavLst>
-                                    </p:anim>
-                                  </p:childTnLst>
-                                </p:cTn>
-                              </p:par>
-                              <p:par>
-                                <p:cTn id="9" presetID="2" presetClass="entr" presetSubtype="4" fill="hold" grpId="0" nodeType="withEffect">
-                                  <p:stCondLst>
-                                    <p:cond delay="0"/>
-                                  </p:stCondLst>
-                                  <p:childTnLst>
-                                    <p:set>
-                                      <p:cBhvr>
-                                        <p:cTn id="10" dur="1" fill="hold">
-                                          <p:stCondLst>
-                                            <p:cond delay="0"/>
-                                          </p:stCondLst>
-                                        </p:cTn>
-                                        <p:tgtEl>
-                                          <p:spTgt spid="15"/>
-                                        </p:tgtEl>
-                                        <p:attrNameLst>
-                                          <p:attrName>style.visibility</p:attrName>
-                                        </p:attrNameLst>
-                                      </p:cBhvr>
-                                      <p:to>
-                                        <p:strVal val="visible"/>
-                                      </p:to>
-                                    </p:set>
-                                    <p:anim calcmode="lin" valueType="num">
-                                      <p:cBhvr additive="base">
-                                        <p:cTn id="11" dur="500" fill="hold"/>
-                                        <p:tgtEl>
-                                          <p:spTgt spid="15"/>
-                                        </p:tgtEl>
-                                        <p:attrNameLst>
-                                          <p:attrName>ppt_x</p:attrName>
-                                        </p:attrNameLst>
-                                      </p:cBhvr>
-                                      <p:tavLst>
-                                        <p:tav tm="0">
-                                          <p:val>
-                                            <p:strVal val="#ppt_x"/>
-                                          </p:val>
-                                        </p:tav>
-                                        <p:tav tm="100000">
-                                          <p:val>
-                                            <p:strVal val="#ppt_x"/>
-                                          </p:val>
-                                        </p:tav>
-                                      </p:tavLst>
-                                    </p:anim>
-                                    <p:anim calcmode="lin" valueType="num">
-                                      <p:cBhvr additive="base">
-                                        <p:cTn id="12" dur="500" fill="hold"/>
-                                        <p:tgtEl>
-                                          <p:spTgt spid="15"/>
-                                        </p:tgtEl>
-                                        <p:attrNameLst>
-                                          <p:attrName>ppt_y</p:attrName>
-                                        </p:attrNameLst>
-                                      </p:cBhvr>
-                                      <p:tavLst>
-                                        <p:tav tm="0">
-                                          <p:val>
-                                            <p:strVal val="1+#ppt_h/2"/>
-                                          </p:val>
-                                        </p:tav>
-                                        <p:tav tm="100000">
-                                          <p:val>
-                                            <p:strVal val="#ppt_y"/>
-                                          </p:val>
-                                        </p:tav>
-                                      </p:tavLst>
-                                    </p:anim>
-                                  </p:childTnLst>
-                                </p:cTn>
-                              </p:par>
-                              <p:par>
-                                <p:cTn id="13" presetID="2" presetClass="entr" presetSubtype="4" fill="hold" grpId="0" nodeType="withEffect">
-                                  <p:stCondLst>
-                                    <p:cond delay="0"/>
-                                  </p:stCondLst>
-                                  <p:childTnLst>
-                                    <p:set>
-                                      <p:cBhvr>
-                                        <p:cTn id="14" dur="1" fill="hold">
-                                          <p:stCondLst>
-                                            <p:cond delay="0"/>
-                                          </p:stCondLst>
-                                        </p:cTn>
-                                        <p:tgtEl>
-                                          <p:spTgt spid="22"/>
-                                        </p:tgtEl>
-                                        <p:attrNameLst>
-                                          <p:attrName>style.visibility</p:attrName>
-                                        </p:attrNameLst>
-                                      </p:cBhvr>
-                                      <p:to>
-                                        <p:strVal val="visible"/>
-                                      </p:to>
-                                    </p:set>
-                                    <p:anim calcmode="lin" valueType="num">
-                                      <p:cBhvr additive="base">
-                                        <p:cTn id="15" dur="500" fill="hold"/>
-                                        <p:tgtEl>
-                                          <p:spTgt spid="22"/>
-                                        </p:tgtEl>
-                                        <p:attrNameLst>
-                                          <p:attrName>ppt_x</p:attrName>
-                                        </p:attrNameLst>
-                                      </p:cBhvr>
-                                      <p:tavLst>
-                                        <p:tav tm="0">
-                                          <p:val>
-                                            <p:strVal val="#ppt_x"/>
-                                          </p:val>
-                                        </p:tav>
-                                        <p:tav tm="100000">
-                                          <p:val>
-                                            <p:strVal val="#ppt_x"/>
-                                          </p:val>
-                                        </p:tav>
-                                      </p:tavLst>
-                                    </p:anim>
-                                    <p:anim calcmode="lin" valueType="num">
-                                      <p:cBhvr additive="base">
-                                        <p:cTn id="16" dur="500" fill="hold"/>
-                                        <p:tgtEl>
-                                          <p:spTgt spid="22"/>
-                                        </p:tgtEl>
-                                        <p:attrNameLst>
-                                          <p:attrName>ppt_y</p:attrName>
-                                        </p:attrNameLst>
-                                      </p:cBhvr>
-                                      <p:tavLst>
-                                        <p:tav tm="0">
-                                          <p:val>
-                                            <p:strVal val="1+#ppt_h/2"/>
-                                          </p:val>
-                                        </p:tav>
-                                        <p:tav tm="100000">
-                                          <p:val>
-                                            <p:strVal val="#ppt_y"/>
-                                          </p:val>
-                                        </p:tav>
-                                      </p:tavLst>
-                                    </p:anim>
-                                  </p:childTnLst>
-                                </p:cTn>
-                              </p:par>
-                            </p:childTnLst>
-                          </p:cTn>
-                        </p:par>
-                      </p:childTnLst>
-                    </p:cTn>
-                  </p:par>
-                </p:childTnLst>
-              </p:cTn>
-              <p:prevCondLst>
-                <p:cond evt="onPrev" delay="0">
-                  <p:tgtEl>
-                    <p:sldTgt/>
-                  </p:tgtEl>
-                </p:cond>
-              </p:prevCondLst>
-              <p:nextCondLst>
-                <p:cond evt="onNext" delay="0">
-                  <p:tgtEl>
-                    <p:sldTgt/>
-                  </p:tgtEl>
-                </p:cond>
-              </p:nextCondLst>
-            </p:seq>
-          </p:childTnLst>
-        </p:cTn>
-      </p:par>
-    </p:tnLst>
-    <p:bldLst>
-      <p:bldP spid="14" grpId="0"/>
-      <p:bldP spid="15" grpId="0"/>
-      <p:bldP spid="22" grpId="0" animBg="1"/>
-    </p:bldLst>
-  </p:timing>
-</p:sld>
-</file>
-
 <file path=ppt/slides/slide3.xml><?xml version="1.0" encoding="utf-8"?>
-<p:sld xmlns:a="http://schemas.openxmlformats.org/drawingml/2006/main" xmlns:r="http://schemas.openxmlformats.org/officeDocument/2006/relationships" xmlns:p="http://schemas.openxmlformats.org/presentationml/2006/main">
-  <p:cSld>
-    <p:spTree>
-      <p:nvGrpSpPr>
-        <p:cNvPr id="1" name=""/>
-        <p:cNvGrpSpPr/>
-        <p:nvPr/>
-      </p:nvGrpSpPr>
-      <p:grpSpPr>
-        <a:xfrm>
-          <a:off x="0" y="0"/>
-          <a:ext cx="0" cy="0"/>
-          <a:chOff x="0" y="0"/>
-          <a:chExt cx="0" cy="0"/>
-        </a:xfrm>
-      </p:grpSpPr>
-      <p:sp>
-        <p:nvSpPr>
-          <p:cNvPr id="15362" name="Rectangle 7"/>
-          <p:cNvSpPr>
-            <a:spLocks noChangeArrowheads="1"/>
-          </p:cNvSpPr>
-          <p:nvPr/>
-        </p:nvSpPr>
-        <p:spPr bwMode="auto">
-          <a:xfrm>
-            <a:off x="883561" y="1464612"/>
-            <a:ext cx="8588718" cy="561475"/>
-          </a:xfrm>
-          <a:prstGeom prst="rect">
-            <a:avLst/>
-          </a:prstGeom>
-          <a:noFill/>
-          <a:ln>
-            <a:noFill/>
-          </a:ln>
-          <a:extLst>
-            <a:ext uri="{909E8E84-426E-40DD-AFC4-6F175D3DCCD1}">
-              <a14:hiddenFill xmlns:a14="http://schemas.microsoft.com/office/drawing/2010/main">
-                <a:solidFill>
-                  <a:srgbClr val="FFFFFF"/>
-                </a:solidFill>
-              </a14:hiddenFill>
-            </a:ext>
-            <a:ext uri="{91240B29-F687-4F45-9708-019B960494DF}">
-              <a14:hiddenLine xmlns:a14="http://schemas.microsoft.com/office/drawing/2010/main" w="9525">
-                <a:solidFill>
-                  <a:srgbClr val="000000"/>
-                </a:solidFill>
-                <a:miter lim="800000"/>
-                <a:headEnd/>
-                <a:tailEnd/>
-              </a14:hiddenLine>
-            </a:ext>
-          </a:extLst>
-        </p:spPr>
-        <p:txBody>
-          <a:bodyPr wrap="none" lIns="99276" tIns="49637" rIns="99276" bIns="49637" anchor="ctr"/>
-          <a:lstStyle/>
-          <a:p>
-            <a:endParaRPr lang="zh-CN" altLang="en-US"/>
-          </a:p>
-        </p:txBody>
-      </p:sp>
-      <p:sp>
-        <p:nvSpPr>
-          <p:cNvPr id="15363" name="AutoShape 4"/>
-          <p:cNvSpPr>
-            <a:spLocks noChangeArrowheads="1"/>
-          </p:cNvSpPr>
-          <p:nvPr/>
-        </p:nvSpPr>
-        <p:spPr bwMode="gray">
-          <a:xfrm>
-            <a:off x="714644" y="1184649"/>
-            <a:ext cx="9516826" cy="595503"/>
-          </a:xfrm>
-          <a:prstGeom prst="bevel">
-            <a:avLst>
-              <a:gd name="adj" fmla="val 7926"/>
-            </a:avLst>
-          </a:prstGeom>
-          <a:gradFill rotWithShape="1">
-            <a:gsLst>
-              <a:gs pos="0">
-                <a:srgbClr val="CC0000"/>
-              </a:gs>
-              <a:gs pos="100000">
-                <a:srgbClr val="990000"/>
-              </a:gs>
-            </a:gsLst>
-            <a:lin ang="2700000" scaled="1"/>
-          </a:gradFill>
-          <a:ln>
-            <a:noFill/>
-          </a:ln>
-          <a:extLst>
-            <a:ext uri="{91240B29-F687-4F45-9708-019B960494DF}">
-              <a14:hiddenLine xmlns:a14="http://schemas.microsoft.com/office/drawing/2010/main" w="9525">
-                <a:solidFill>
-                  <a:srgbClr val="000000"/>
-                </a:solidFill>
-                <a:miter lim="800000"/>
-                <a:headEnd/>
-                <a:tailEnd/>
-              </a14:hiddenLine>
-            </a:ext>
-          </a:extLst>
-        </p:spPr>
-        <p:txBody>
-          <a:bodyPr wrap="none" lIns="99276" tIns="49637" rIns="99276" bIns="49637" anchor="ctr"/>
-          <a:lstStyle/>
-          <a:p>
-            <a:pPr defTabSz="708342" eaLnBrk="0" hangingPunct="0">
-              <a:lnSpc>
-                <a:spcPct val="95000"/>
-              </a:lnSpc>
-            </a:pPr>
-            <a:r>
-              <a:rPr lang="en-US" altLang="zh-CN" b="1">
-                <a:solidFill>
-                  <a:schemeClr val="bg1"/>
-                </a:solidFill>
-              </a:rPr>
-              <a:t> </a:t>
-            </a:r>
-          </a:p>
-        </p:txBody>
-      </p:sp>
-      <p:sp>
-        <p:nvSpPr>
-          <p:cNvPr id="49161" name="Text Box 9"/>
-          <p:cNvSpPr txBox="1">
-            <a:spLocks noChangeArrowheads="1"/>
-          </p:cNvSpPr>
-          <p:nvPr/>
-        </p:nvSpPr>
-        <p:spPr bwMode="auto">
-          <a:xfrm>
-            <a:off x="714646" y="1254252"/>
-            <a:ext cx="9514971" cy="408020"/>
-          </a:xfrm>
-          <a:prstGeom prst="rect">
-            <a:avLst/>
-          </a:prstGeom>
-          <a:noFill/>
-          <a:ln w="9525">
-            <a:noFill/>
-            <a:miter lim="800000"/>
-            <a:headEnd/>
-            <a:tailEnd/>
-          </a:ln>
-          <a:effectLst/>
-        </p:spPr>
-        <p:txBody>
-          <a:bodyPr lIns="99276" tIns="49637" rIns="99276" bIns="49637">
-            <a:spAutoFit/>
-          </a:bodyPr>
-          <a:lstStyle/>
-          <a:p>
-            <a:pPr>
-              <a:defRPr/>
-            </a:pPr>
-            <a:r>
-              <a:rPr lang="zh-CN" altLang="en-US" sz="2000" b="1" dirty="0" smtClean="0">
-                <a:solidFill>
-                  <a:schemeClr val="bg1"/>
-                </a:solidFill>
-                <a:effectLst>
-                  <a:outerShdw blurRad="38100" dist="38100" dir="2700000" algn="tl">
-                    <a:srgbClr val="C0C0C0"/>
-                  </a:outerShdw>
-                </a:effectLst>
-                <a:latin typeface="楷体_GB2312" pitchFamily="49" charset="-122"/>
-              </a:rPr>
-              <a:t>数据流图</a:t>
-            </a:r>
-            <a:endParaRPr lang="zh-CN" altLang="en-US" sz="2000" b="1" dirty="0">
-              <a:solidFill>
-                <a:schemeClr val="bg1"/>
-              </a:solidFill>
-              <a:effectLst>
-                <a:outerShdw blurRad="38100" dist="38100" dir="2700000" algn="tl">
-                  <a:srgbClr val="C0C0C0"/>
-                </a:outerShdw>
-              </a:effectLst>
-              <a:latin typeface="楷体_GB2312" pitchFamily="49" charset="-122"/>
-            </a:endParaRPr>
-          </a:p>
-        </p:txBody>
-      </p:sp>
-      <p:sp>
-        <p:nvSpPr>
-          <p:cNvPr id="15368" name="Text Box 18"/>
-          <p:cNvSpPr txBox="1">
-            <a:spLocks noChangeArrowheads="1"/>
-          </p:cNvSpPr>
-          <p:nvPr/>
-        </p:nvSpPr>
-        <p:spPr bwMode="auto">
-          <a:xfrm>
-            <a:off x="883561" y="5674900"/>
-            <a:ext cx="5641045" cy="377242"/>
-          </a:xfrm>
-          <a:prstGeom prst="rect">
-            <a:avLst/>
-          </a:prstGeom>
-          <a:noFill/>
-          <a:ln>
-            <a:noFill/>
-          </a:ln>
-          <a:extLst>
-            <a:ext uri="{909E8E84-426E-40DD-AFC4-6F175D3DCCD1}">
-              <a14:hiddenFill xmlns:a14="http://schemas.microsoft.com/office/drawing/2010/main">
-                <a:solidFill>
-                  <a:srgbClr val="FFFFFF"/>
-                </a:solidFill>
-              </a14:hiddenFill>
-            </a:ext>
-            <a:ext uri="{91240B29-F687-4F45-9708-019B960494DF}">
-              <a14:hiddenLine xmlns:a14="http://schemas.microsoft.com/office/drawing/2010/main" w="9525">
-                <a:solidFill>
-                  <a:srgbClr val="000000"/>
-                </a:solidFill>
-                <a:miter lim="800000"/>
-                <a:headEnd/>
-                <a:tailEnd/>
-              </a14:hiddenLine>
-            </a:ext>
-          </a:extLst>
-        </p:spPr>
-        <p:txBody>
-          <a:bodyPr lIns="99276" tIns="49637" rIns="99276" bIns="49637">
-            <a:spAutoFit/>
-          </a:bodyPr>
-          <a:lstStyle>
-            <a:lvl1pPr eaLnBrk="0" hangingPunct="0">
-              <a:defRPr b="1">
-                <a:solidFill>
-                  <a:schemeClr val="bg1"/>
-                </a:solidFill>
-                <a:latin typeface="Arial" charset="0"/>
-                <a:ea typeface="楷体_GB2312" pitchFamily="49" charset="-122"/>
-              </a:defRPr>
-            </a:lvl1pPr>
-            <a:lvl2pPr marL="742950" indent="-285750" eaLnBrk="0" hangingPunct="0">
-              <a:defRPr b="1">
-                <a:solidFill>
-                  <a:schemeClr val="bg1"/>
-                </a:solidFill>
-                <a:latin typeface="Arial" charset="0"/>
-                <a:ea typeface="楷体_GB2312" pitchFamily="49" charset="-122"/>
-              </a:defRPr>
-            </a:lvl2pPr>
-            <a:lvl3pPr marL="1143000" indent="-228600" eaLnBrk="0" hangingPunct="0">
-              <a:defRPr b="1">
-                <a:solidFill>
-                  <a:schemeClr val="bg1"/>
-                </a:solidFill>
-                <a:latin typeface="Arial" charset="0"/>
-                <a:ea typeface="楷体_GB2312" pitchFamily="49" charset="-122"/>
-              </a:defRPr>
-            </a:lvl3pPr>
-            <a:lvl4pPr marL="1600200" indent="-228600" eaLnBrk="0" hangingPunct="0">
-              <a:defRPr b="1">
-                <a:solidFill>
-                  <a:schemeClr val="bg1"/>
-                </a:solidFill>
-                <a:latin typeface="Arial" charset="0"/>
-                <a:ea typeface="楷体_GB2312" pitchFamily="49" charset="-122"/>
-              </a:defRPr>
-            </a:lvl4pPr>
-            <a:lvl5pPr marL="2057400" indent="-228600" eaLnBrk="0" hangingPunct="0">
-              <a:defRPr b="1">
-                <a:solidFill>
-                  <a:schemeClr val="bg1"/>
-                </a:solidFill>
-                <a:latin typeface="Arial" charset="0"/>
-                <a:ea typeface="楷体_GB2312" pitchFamily="49" charset="-122"/>
-              </a:defRPr>
-            </a:lvl5pPr>
-            <a:lvl6pPr marL="2514600" indent="-228600" algn="ctr" eaLnBrk="0" fontAlgn="base" hangingPunct="0">
-              <a:spcBef>
-                <a:spcPct val="50000"/>
-              </a:spcBef>
-              <a:spcAft>
-                <a:spcPct val="0"/>
-              </a:spcAft>
-              <a:defRPr b="1">
-                <a:solidFill>
-                  <a:schemeClr val="bg1"/>
-                </a:solidFill>
-                <a:latin typeface="Arial" charset="0"/>
-                <a:ea typeface="楷体_GB2312" pitchFamily="49" charset="-122"/>
-              </a:defRPr>
-            </a:lvl6pPr>
-            <a:lvl7pPr marL="2971800" indent="-228600" algn="ctr" eaLnBrk="0" fontAlgn="base" hangingPunct="0">
-              <a:spcBef>
-                <a:spcPct val="50000"/>
-              </a:spcBef>
-              <a:spcAft>
-                <a:spcPct val="0"/>
-              </a:spcAft>
-              <a:defRPr b="1">
-                <a:solidFill>
-                  <a:schemeClr val="bg1"/>
-                </a:solidFill>
-                <a:latin typeface="Arial" charset="0"/>
-                <a:ea typeface="楷体_GB2312" pitchFamily="49" charset="-122"/>
-              </a:defRPr>
-            </a:lvl7pPr>
-            <a:lvl8pPr marL="3429000" indent="-228600" algn="ctr" eaLnBrk="0" fontAlgn="base" hangingPunct="0">
-              <a:spcBef>
-                <a:spcPct val="50000"/>
-              </a:spcBef>
-              <a:spcAft>
-                <a:spcPct val="0"/>
-              </a:spcAft>
-              <a:defRPr b="1">
-                <a:solidFill>
-                  <a:schemeClr val="bg1"/>
-                </a:solidFill>
-                <a:latin typeface="Arial" charset="0"/>
-                <a:ea typeface="楷体_GB2312" pitchFamily="49" charset="-122"/>
-              </a:defRPr>
-            </a:lvl8pPr>
-            <a:lvl9pPr marL="3886200" indent="-228600" algn="ctr" eaLnBrk="0" fontAlgn="base" hangingPunct="0">
-              <a:spcBef>
-                <a:spcPct val="50000"/>
-              </a:spcBef>
-              <a:spcAft>
-                <a:spcPct val="0"/>
-              </a:spcAft>
-              <a:defRPr b="1">
-                <a:solidFill>
-                  <a:schemeClr val="bg1"/>
-                </a:solidFill>
-                <a:latin typeface="Arial" charset="0"/>
-                <a:ea typeface="楷体_GB2312" pitchFamily="49" charset="-122"/>
-              </a:defRPr>
-            </a:lvl9pPr>
-          </a:lstStyle>
-          <a:p>
-            <a:pPr algn="l" eaLnBrk="1" hangingPunct="1"/>
-            <a:endParaRPr lang="zh-CN" altLang="en-US" b="0">
-              <a:solidFill>
-                <a:schemeClr val="tx1"/>
-              </a:solidFill>
-              <a:ea typeface="宋体" charset="-122"/>
-            </a:endParaRPr>
-          </a:p>
-        </p:txBody>
-      </p:sp>
-      <p:sp>
-        <p:nvSpPr>
-          <p:cNvPr id="49284" name="Oval 132"/>
-          <p:cNvSpPr>
-            <a:spLocks noChangeArrowheads="1"/>
-          </p:cNvSpPr>
-          <p:nvPr/>
-        </p:nvSpPr>
-        <p:spPr bwMode="auto">
-          <a:xfrm>
-            <a:off x="6860580" y="4341591"/>
-            <a:ext cx="588422" cy="491870"/>
-          </a:xfrm>
-          <a:prstGeom prst="ellipse">
-            <a:avLst/>
-          </a:prstGeom>
-          <a:gradFill rotWithShape="1">
-            <a:gsLst>
-              <a:gs pos="0">
-                <a:schemeClr val="bg1">
-                  <a:alpha val="80000"/>
-                </a:schemeClr>
-              </a:gs>
-              <a:gs pos="100000">
-                <a:schemeClr val="bg1">
-                  <a:gamma/>
-                  <a:shade val="46275"/>
-                  <a:invGamma/>
-                  <a:alpha val="0"/>
-                </a:schemeClr>
-              </a:gs>
-            </a:gsLst>
-            <a:path path="shape">
-              <a:fillToRect l="50000" t="50000" r="50000" b="50000"/>
-            </a:path>
-          </a:gradFill>
-          <a:ln w="9525">
-            <a:noFill/>
-            <a:round/>
-            <a:headEnd/>
-            <a:tailEnd/>
-          </a:ln>
-          <a:effectLst/>
-        </p:spPr>
-        <p:txBody>
-          <a:bodyPr wrap="none" lIns="99276" tIns="49637" rIns="99276" bIns="49637" anchor="ctr"/>
-          <a:lstStyle/>
-          <a:p>
-            <a:pPr>
-              <a:defRPr/>
-            </a:pPr>
-            <a:endParaRPr lang="zh-CN" altLang="en-US"/>
-          </a:p>
-        </p:txBody>
-      </p:sp>
-      <p:sp>
-        <p:nvSpPr>
-          <p:cNvPr id="5" name="Rectangle 2"/>
-          <p:cNvSpPr>
-            <a:spLocks noChangeArrowheads="1"/>
-          </p:cNvSpPr>
-          <p:nvPr/>
-        </p:nvSpPr>
-        <p:spPr bwMode="auto">
-          <a:xfrm>
-            <a:off x="0" y="0"/>
-            <a:ext cx="10691813" cy="0"/>
-          </a:xfrm>
-          <a:prstGeom prst="rect">
-            <a:avLst/>
-          </a:prstGeom>
-          <a:noFill/>
-          <a:ln>
-            <a:noFill/>
-          </a:ln>
-          <a:effectLst/>
-          <a:extLst>
-            <a:ext uri="{909E8E84-426E-40DD-AFC4-6F175D3DCCD1}">
-              <a14:hiddenFill xmlns:a14="http://schemas.microsoft.com/office/drawing/2010/main">
-                <a:solidFill>
-                  <a:schemeClr val="accent1"/>
-                </a:solidFill>
-              </a14:hiddenFill>
-            </a:ext>
-            <a:ext uri="{91240B29-F687-4F45-9708-019B960494DF}">
-              <a14:hiddenLine xmlns:a14="http://schemas.microsoft.com/office/drawing/2010/main" w="9525">
-                <a:solidFill>
-                  <a:schemeClr val="tx1"/>
-                </a:solidFill>
-                <a:miter lim="800000"/>
-                <a:headEnd/>
-                <a:tailEnd/>
-              </a14:hiddenLine>
-            </a:ext>
-            <a:ext uri="{AF507438-7753-43E0-B8FC-AC1667EBCBE1}">
-              <a14:hiddenEffects xmlns:a14="http://schemas.microsoft.com/office/drawing/2010/main">
-                <a:effectLst>
-                  <a:outerShdw dist="35921" dir="2700000" algn="ctr" rotWithShape="0">
-                    <a:schemeClr val="bg2"/>
-                  </a:outerShdw>
-                </a:effectLst>
-              </a14:hiddenEffects>
-            </a:ext>
-          </a:extLst>
-        </p:spPr>
-        <p:txBody>
-          <a:bodyPr vert="horz" wrap="none" lIns="91440" tIns="45720" rIns="91440" bIns="45720" numCol="1" anchor="ctr" anchorCtr="0" compatLnSpc="1">
-            <a:prstTxWarp prst="textNoShape">
-              <a:avLst/>
-            </a:prstTxWarp>
-            <a:spAutoFit/>
-          </a:bodyPr>
-          <a:lstStyle/>
-          <a:p>
-            <a:endParaRPr lang="zh-CN" altLang="en-US"/>
-          </a:p>
-        </p:txBody>
-      </p:sp>
-      <p:pic>
-        <p:nvPicPr>
-          <p:cNvPr id="6210" name="Picture 66"/>
-          <p:cNvPicPr>
-            <a:picLocks noChangeAspect="1" noChangeArrowheads="1"/>
-          </p:cNvPicPr>
-          <p:nvPr/>
-        </p:nvPicPr>
-        <p:blipFill>
-          <a:blip r:embed="rId2">
-            <a:extLst>
-              <a:ext uri="{28A0092B-C50C-407E-A947-70E740481C1C}">
-                <a14:useLocalDpi xmlns:a14="http://schemas.microsoft.com/office/drawing/2010/main" val="0"/>
-              </a:ext>
-            </a:extLst>
-          </a:blip>
-          <a:srcRect/>
-          <a:stretch>
-            <a:fillRect/>
-          </a:stretch>
-        </p:blipFill>
-        <p:spPr bwMode="auto">
-          <a:xfrm>
-            <a:off x="1230491" y="2204863"/>
-            <a:ext cx="8147863" cy="3972377"/>
-          </a:xfrm>
-          <a:prstGeom prst="rect">
-            <a:avLst/>
-          </a:prstGeom>
-          <a:noFill/>
-          <a:ln>
-            <a:noFill/>
-          </a:ln>
-          <a:effectLst/>
-          <a:extLst>
-            <a:ext uri="{909E8E84-426E-40DD-AFC4-6F175D3DCCD1}">
-              <a14:hiddenFill xmlns:a14="http://schemas.microsoft.com/office/drawing/2010/main">
-                <a:solidFill>
-                  <a:schemeClr val="accent1"/>
-                </a:solidFill>
-              </a14:hiddenFill>
-            </a:ext>
-            <a:ext uri="{91240B29-F687-4F45-9708-019B960494DF}">
-              <a14:hiddenLine xmlns:a14="http://schemas.microsoft.com/office/drawing/2010/main" w="9525">
-                <a:solidFill>
-                  <a:schemeClr val="tx1"/>
-                </a:solidFill>
-                <a:miter lim="800000"/>
-                <a:headEnd/>
-                <a:tailEnd/>
-              </a14:hiddenLine>
-            </a:ext>
-            <a:ext uri="{AF507438-7753-43E0-B8FC-AC1667EBCBE1}">
-              <a14:hiddenEffects xmlns:a14="http://schemas.microsoft.com/office/drawing/2010/main">
-                <a:effectLst>
-                  <a:outerShdw dist="35921" dir="2700000" algn="ctr" rotWithShape="0">
-                    <a:schemeClr val="bg2"/>
-                  </a:outerShdw>
-                </a:effectLst>
-              </a14:hiddenEffects>
-            </a:ext>
-          </a:extLst>
-        </p:spPr>
-      </p:pic>
-    </p:spTree>
-    <p:extLst>
-      <p:ext uri="{BB962C8B-B14F-4D97-AF65-F5344CB8AC3E}">
-        <p14:creationId xmlns:p14="http://schemas.microsoft.com/office/powerpoint/2010/main" val="2396235667"/>
-      </p:ext>
-    </p:extLst>
-  </p:cSld>
-  <p:clrMapOvr>
-    <a:masterClrMapping/>
-  </p:clrMapOvr>
-  <mc:AlternateContent xmlns:mc="http://schemas.openxmlformats.org/markup-compatibility/2006" xmlns:p14="http://schemas.microsoft.com/office/powerpoint/2010/main">
-    <mc:Choice Requires="p14">
-      <p:transition spd="slow" p14:dur="1200">
-        <p14:prism/>
-      </p:transition>
-    </mc:Choice>
-    <mc:Fallback xmlns="">
-      <p:transition spd="slow">
-        <p:fade/>
-      </p:transition>
-    </mc:Fallback>
-  </mc:AlternateContent>
-  <p:timing>
-    <p:tnLst>
-      <p:par>
-        <p:cTn id="1" dur="indefinite" restart="never" nodeType="tmRoot">
-          <p:childTnLst>
-            <p:seq concurrent="1" nextAc="seek">
-              <p:cTn id="2" dur="indefinite" nodeType="mainSeq">
-                <p:childTnLst>
-                  <p:par>
-                    <p:cTn id="3" fill="hold">
-                      <p:stCondLst>
-                        <p:cond delay="indefinite"/>
-                      </p:stCondLst>
-                      <p:childTnLst>
-                        <p:par>
-                          <p:cTn id="4" fill="hold">
-                            <p:stCondLst>
-                              <p:cond delay="0"/>
-                            </p:stCondLst>
-                            <p:childTnLst>
-                              <p:par>
-                                <p:cTn id="5" presetID="42" presetClass="entr" presetSubtype="0" fill="hold" nodeType="clickEffect">
-                                  <p:stCondLst>
-                                    <p:cond delay="0"/>
-                                  </p:stCondLst>
-                                  <p:childTnLst>
-                                    <p:set>
-                                      <p:cBhvr>
-                                        <p:cTn id="6" dur="1" fill="hold">
-                                          <p:stCondLst>
-                                            <p:cond delay="0"/>
-                                          </p:stCondLst>
-                                        </p:cTn>
-                                        <p:tgtEl>
-                                          <p:spTgt spid="6210"/>
-                                        </p:tgtEl>
-                                        <p:attrNameLst>
-                                          <p:attrName>style.visibility</p:attrName>
-                                        </p:attrNameLst>
-                                      </p:cBhvr>
-                                      <p:to>
-                                        <p:strVal val="visible"/>
-                                      </p:to>
-                                    </p:set>
-                                    <p:animEffect transition="in" filter="fade">
-                                      <p:cBhvr>
-                                        <p:cTn id="7" dur="1000"/>
-                                        <p:tgtEl>
-                                          <p:spTgt spid="6210"/>
-                                        </p:tgtEl>
-                                      </p:cBhvr>
-                                    </p:animEffect>
-                                    <p:anim calcmode="lin" valueType="num">
-                                      <p:cBhvr>
-                                        <p:cTn id="8" dur="1000" fill="hold"/>
-                                        <p:tgtEl>
-                                          <p:spTgt spid="6210"/>
-                                        </p:tgtEl>
-                                        <p:attrNameLst>
-                                          <p:attrName>ppt_x</p:attrName>
-                                        </p:attrNameLst>
-                                      </p:cBhvr>
-                                      <p:tavLst>
-                                        <p:tav tm="0">
-                                          <p:val>
-                                            <p:strVal val="#ppt_x"/>
-                                          </p:val>
-                                        </p:tav>
-                                        <p:tav tm="100000">
-                                          <p:val>
-                                            <p:strVal val="#ppt_x"/>
-                                          </p:val>
-                                        </p:tav>
-                                      </p:tavLst>
-                                    </p:anim>
-                                    <p:anim calcmode="lin" valueType="num">
-                                      <p:cBhvr>
-                                        <p:cTn id="9" dur="1000" fill="hold"/>
-                                        <p:tgtEl>
-                                          <p:spTgt spid="6210"/>
-                                        </p:tgtEl>
-                                        <p:attrNameLst>
-                                          <p:attrName>ppt_y</p:attrName>
-                                        </p:attrNameLst>
-                                      </p:cBhvr>
-                                      <p:tavLst>
-                                        <p:tav tm="0">
-                                          <p:val>
-                                            <p:strVal val="#ppt_y+.1"/>
-                                          </p:val>
-                                        </p:tav>
-                                        <p:tav tm="100000">
-                                          <p:val>
-                                            <p:strVal val="#ppt_y"/>
-                                          </p:val>
-                                        </p:tav>
-                                      </p:tavLst>
-                                    </p:anim>
-                                  </p:childTnLst>
-                                </p:cTn>
-                              </p:par>
-                            </p:childTnLst>
-                          </p:cTn>
-                        </p:par>
-                      </p:childTnLst>
-                    </p:cTn>
-                  </p:par>
-                </p:childTnLst>
-              </p:cTn>
-              <p:prevCondLst>
-                <p:cond evt="onPrev" delay="0">
-                  <p:tgtEl>
-                    <p:sldTgt/>
-                  </p:tgtEl>
-                </p:cond>
-              </p:prevCondLst>
-              <p:nextCondLst>
-                <p:cond evt="onNext" delay="0">
-                  <p:tgtEl>
-                    <p:sldTgt/>
-                  </p:tgtEl>
-                </p:cond>
-              </p:nextCondLst>
-            </p:seq>
-          </p:childTnLst>
-        </p:cTn>
-      </p:par>
-    </p:tnLst>
-  </p:timing>
-</p:sld>
-</file>
-
-<file path=ppt/slides/slide4.xml><?xml version="1.0" encoding="utf-8"?>
 <p:sld xmlns:a="http://schemas.openxmlformats.org/drawingml/2006/main" xmlns:r="http://schemas.openxmlformats.org/officeDocument/2006/relationships" xmlns:p="http://schemas.openxmlformats.org/presentationml/2006/main">
   <p:cSld>
     <p:spTree>
@@ -15139,7 +16071,7 @@
           </a:ln>
           <a:extLst>
             <a:ext uri="{91240B29-F687-4F45-9708-019B960494DF}">
-              <a14:hiddenLine xmlns:a14="http://schemas.microsoft.com/office/drawing/2010/main" w="9525">
+              <a14:hiddenLine xmlns="" xmlns:a14="http://schemas.microsoft.com/office/drawing/2010/main" w="9525">
                 <a:solidFill>
                   <a:srgbClr val="000000"/>
                 </a:solidFill>
@@ -15190,7 +16122,7 @@
           <p:nvPr>
             <p:extLst>
               <p:ext uri="{D42A27DB-BD31-4B8C-83A1-F6EECF244321}">
-                <p14:modId xmlns:p14="http://schemas.microsoft.com/office/powerpoint/2010/main" val="3642680196"/>
+                <p14:modId xmlns="" xmlns:p14="http://schemas.microsoft.com/office/powerpoint/2010/main" val="3642680196"/>
               </p:ext>
             </p:extLst>
           </p:nvPr>
@@ -15885,20 +16817,20 @@
     </p:spTree>
     <p:extLst>
       <p:ext uri="{BB962C8B-B14F-4D97-AF65-F5344CB8AC3E}">
-        <p14:creationId xmlns:p14="http://schemas.microsoft.com/office/powerpoint/2010/main" val="885446931"/>
+        <p14:creationId xmlns="" xmlns:p14="http://schemas.microsoft.com/office/powerpoint/2010/main" val="885446931"/>
       </p:ext>
     </p:extLst>
   </p:cSld>
   <p:clrMapOvr>
     <a:masterClrMapping/>
   </p:clrMapOvr>
-  <mc:AlternateContent xmlns:mc="http://schemas.openxmlformats.org/markup-compatibility/2006" xmlns:p14="http://schemas.microsoft.com/office/powerpoint/2010/main">
-    <mc:Choice Requires="p14">
+  <mc:AlternateContent xmlns:mc="http://schemas.openxmlformats.org/markup-compatibility/2006">
+    <mc:Choice xmlns="" xmlns:p14="http://schemas.microsoft.com/office/powerpoint/2010/main" Requires="p14">
       <p:transition spd="slow" p14:dur="1400">
         <p14:doors dir="vert"/>
       </p:transition>
     </mc:Choice>
-    <mc:Fallback xmlns="">
+    <mc:Fallback>
       <p:transition spd="slow">
         <p:fade/>
       </p:transition>
@@ -15990,6 +16922,696 @@
 </p:sld>
 </file>
 
+<file path=ppt/slides/slide4.xml><?xml version="1.0" encoding="utf-8"?>
+<p:sld xmlns:a="http://schemas.openxmlformats.org/drawingml/2006/main" xmlns:r="http://schemas.openxmlformats.org/officeDocument/2006/relationships" xmlns:p="http://schemas.openxmlformats.org/presentationml/2006/main">
+  <p:cSld>
+    <p:spTree>
+      <p:nvGrpSpPr>
+        <p:cNvPr id="1" name=""/>
+        <p:cNvGrpSpPr/>
+        <p:nvPr/>
+      </p:nvGrpSpPr>
+      <p:grpSpPr>
+        <a:xfrm>
+          <a:off x="0" y="0"/>
+          <a:ext cx="0" cy="0"/>
+          <a:chOff x="0" y="0"/>
+          <a:chExt cx="0" cy="0"/>
+        </a:xfrm>
+      </p:grpSpPr>
+      <p:sp>
+        <p:nvSpPr>
+          <p:cNvPr id="15362" name="Rectangle 7"/>
+          <p:cNvSpPr>
+            <a:spLocks noChangeArrowheads="1"/>
+          </p:cNvSpPr>
+          <p:nvPr/>
+        </p:nvSpPr>
+        <p:spPr bwMode="auto">
+          <a:xfrm>
+            <a:off x="883561" y="1464612"/>
+            <a:ext cx="8588718" cy="561475"/>
+          </a:xfrm>
+          <a:prstGeom prst="rect">
+            <a:avLst/>
+          </a:prstGeom>
+          <a:noFill/>
+          <a:ln>
+            <a:noFill/>
+          </a:ln>
+          <a:extLst>
+            <a:ext uri="{909E8E84-426E-40DD-AFC4-6F175D3DCCD1}">
+              <a14:hiddenFill xmlns="" xmlns:a14="http://schemas.microsoft.com/office/drawing/2010/main">
+                <a:solidFill>
+                  <a:srgbClr val="FFFFFF"/>
+                </a:solidFill>
+              </a14:hiddenFill>
+            </a:ext>
+            <a:ext uri="{91240B29-F687-4F45-9708-019B960494DF}">
+              <a14:hiddenLine xmlns="" xmlns:a14="http://schemas.microsoft.com/office/drawing/2010/main" w="9525">
+                <a:solidFill>
+                  <a:srgbClr val="000000"/>
+                </a:solidFill>
+                <a:miter lim="800000"/>
+                <a:headEnd/>
+                <a:tailEnd/>
+              </a14:hiddenLine>
+            </a:ext>
+          </a:extLst>
+        </p:spPr>
+        <p:txBody>
+          <a:bodyPr wrap="none" lIns="99276" tIns="49637" rIns="99276" bIns="49637" anchor="ctr"/>
+          <a:lstStyle/>
+          <a:p>
+            <a:endParaRPr lang="zh-CN" altLang="en-US"/>
+          </a:p>
+        </p:txBody>
+      </p:sp>
+      <p:sp>
+        <p:nvSpPr>
+          <p:cNvPr id="15363" name="AutoShape 4"/>
+          <p:cNvSpPr>
+            <a:spLocks noChangeArrowheads="1"/>
+          </p:cNvSpPr>
+          <p:nvPr/>
+        </p:nvSpPr>
+        <p:spPr bwMode="gray">
+          <a:xfrm>
+            <a:off x="714644" y="1184649"/>
+            <a:ext cx="9516826" cy="595503"/>
+          </a:xfrm>
+          <a:prstGeom prst="bevel">
+            <a:avLst>
+              <a:gd name="adj" fmla="val 7926"/>
+            </a:avLst>
+          </a:prstGeom>
+          <a:gradFill rotWithShape="1">
+            <a:gsLst>
+              <a:gs pos="0">
+                <a:srgbClr val="CC0000"/>
+              </a:gs>
+              <a:gs pos="100000">
+                <a:srgbClr val="990000"/>
+              </a:gs>
+            </a:gsLst>
+            <a:lin ang="2700000" scaled="1"/>
+          </a:gradFill>
+          <a:ln>
+            <a:noFill/>
+          </a:ln>
+          <a:extLst>
+            <a:ext uri="{91240B29-F687-4F45-9708-019B960494DF}">
+              <a14:hiddenLine xmlns="" xmlns:a14="http://schemas.microsoft.com/office/drawing/2010/main" w="9525">
+                <a:solidFill>
+                  <a:srgbClr val="000000"/>
+                </a:solidFill>
+                <a:miter lim="800000"/>
+                <a:headEnd/>
+                <a:tailEnd/>
+              </a14:hiddenLine>
+            </a:ext>
+          </a:extLst>
+        </p:spPr>
+        <p:txBody>
+          <a:bodyPr wrap="none" lIns="99276" tIns="49637" rIns="99276" bIns="49637" anchor="ctr"/>
+          <a:lstStyle/>
+          <a:p>
+            <a:pPr defTabSz="708342" eaLnBrk="0" hangingPunct="0">
+              <a:lnSpc>
+                <a:spcPct val="95000"/>
+              </a:lnSpc>
+            </a:pPr>
+            <a:r>
+              <a:rPr lang="en-US" altLang="zh-CN" b="1">
+                <a:solidFill>
+                  <a:schemeClr val="bg1"/>
+                </a:solidFill>
+              </a:rPr>
+              <a:t> </a:t>
+            </a:r>
+          </a:p>
+        </p:txBody>
+      </p:sp>
+      <p:sp>
+        <p:nvSpPr>
+          <p:cNvPr id="49161" name="Text Box 9"/>
+          <p:cNvSpPr txBox="1">
+            <a:spLocks noChangeArrowheads="1"/>
+          </p:cNvSpPr>
+          <p:nvPr/>
+        </p:nvSpPr>
+        <p:spPr bwMode="auto">
+          <a:xfrm>
+            <a:off x="714646" y="1254252"/>
+            <a:ext cx="9514971" cy="408020"/>
+          </a:xfrm>
+          <a:prstGeom prst="rect">
+            <a:avLst/>
+          </a:prstGeom>
+          <a:noFill/>
+          <a:ln w="9525">
+            <a:noFill/>
+            <a:miter lim="800000"/>
+            <a:headEnd/>
+            <a:tailEnd/>
+          </a:ln>
+          <a:effectLst/>
+        </p:spPr>
+        <p:txBody>
+          <a:bodyPr lIns="99276" tIns="49637" rIns="99276" bIns="49637">
+            <a:spAutoFit/>
+          </a:bodyPr>
+          <a:lstStyle/>
+          <a:p>
+            <a:pPr>
+              <a:defRPr/>
+            </a:pPr>
+            <a:r>
+              <a:rPr lang="zh-CN" altLang="en-US" sz="2000" b="1" dirty="0" smtClean="0">
+                <a:solidFill>
+                  <a:schemeClr val="bg1"/>
+                </a:solidFill>
+                <a:effectLst>
+                  <a:outerShdw blurRad="38100" dist="38100" dir="2700000" algn="tl">
+                    <a:srgbClr val="C0C0C0"/>
+                  </a:outerShdw>
+                </a:effectLst>
+                <a:latin typeface="楷体_GB2312" pitchFamily="49" charset="-122"/>
+              </a:rPr>
+              <a:t>数据流图</a:t>
+            </a:r>
+            <a:endParaRPr lang="zh-CN" altLang="en-US" sz="2000" b="1" dirty="0">
+              <a:solidFill>
+                <a:schemeClr val="bg1"/>
+              </a:solidFill>
+              <a:effectLst>
+                <a:outerShdw blurRad="38100" dist="38100" dir="2700000" algn="tl">
+                  <a:srgbClr val="C0C0C0"/>
+                </a:outerShdw>
+              </a:effectLst>
+              <a:latin typeface="楷体_GB2312" pitchFamily="49" charset="-122"/>
+            </a:endParaRPr>
+          </a:p>
+        </p:txBody>
+      </p:sp>
+      <p:sp>
+        <p:nvSpPr>
+          <p:cNvPr id="15368" name="Text Box 18"/>
+          <p:cNvSpPr txBox="1">
+            <a:spLocks noChangeArrowheads="1"/>
+          </p:cNvSpPr>
+          <p:nvPr/>
+        </p:nvSpPr>
+        <p:spPr bwMode="auto">
+          <a:xfrm>
+            <a:off x="883561" y="5674900"/>
+            <a:ext cx="5641045" cy="377242"/>
+          </a:xfrm>
+          <a:prstGeom prst="rect">
+            <a:avLst/>
+          </a:prstGeom>
+          <a:noFill/>
+          <a:ln>
+            <a:noFill/>
+          </a:ln>
+          <a:extLst>
+            <a:ext uri="{909E8E84-426E-40DD-AFC4-6F175D3DCCD1}">
+              <a14:hiddenFill xmlns="" xmlns:a14="http://schemas.microsoft.com/office/drawing/2010/main">
+                <a:solidFill>
+                  <a:srgbClr val="FFFFFF"/>
+                </a:solidFill>
+              </a14:hiddenFill>
+            </a:ext>
+            <a:ext uri="{91240B29-F687-4F45-9708-019B960494DF}">
+              <a14:hiddenLine xmlns="" xmlns:a14="http://schemas.microsoft.com/office/drawing/2010/main" w="9525">
+                <a:solidFill>
+                  <a:srgbClr val="000000"/>
+                </a:solidFill>
+                <a:miter lim="800000"/>
+                <a:headEnd/>
+                <a:tailEnd/>
+              </a14:hiddenLine>
+            </a:ext>
+          </a:extLst>
+        </p:spPr>
+        <p:txBody>
+          <a:bodyPr lIns="99276" tIns="49637" rIns="99276" bIns="49637">
+            <a:spAutoFit/>
+          </a:bodyPr>
+          <a:lstStyle>
+            <a:lvl1pPr eaLnBrk="0" hangingPunct="0">
+              <a:defRPr b="1">
+                <a:solidFill>
+                  <a:schemeClr val="bg1"/>
+                </a:solidFill>
+                <a:latin typeface="Arial" charset="0"/>
+                <a:ea typeface="楷体_GB2312" pitchFamily="49" charset="-122"/>
+              </a:defRPr>
+            </a:lvl1pPr>
+            <a:lvl2pPr marL="742950" indent="-285750" eaLnBrk="0" hangingPunct="0">
+              <a:defRPr b="1">
+                <a:solidFill>
+                  <a:schemeClr val="bg1"/>
+                </a:solidFill>
+                <a:latin typeface="Arial" charset="0"/>
+                <a:ea typeface="楷体_GB2312" pitchFamily="49" charset="-122"/>
+              </a:defRPr>
+            </a:lvl2pPr>
+            <a:lvl3pPr marL="1143000" indent="-228600" eaLnBrk="0" hangingPunct="0">
+              <a:defRPr b="1">
+                <a:solidFill>
+                  <a:schemeClr val="bg1"/>
+                </a:solidFill>
+                <a:latin typeface="Arial" charset="0"/>
+                <a:ea typeface="楷体_GB2312" pitchFamily="49" charset="-122"/>
+              </a:defRPr>
+            </a:lvl3pPr>
+            <a:lvl4pPr marL="1600200" indent="-228600" eaLnBrk="0" hangingPunct="0">
+              <a:defRPr b="1">
+                <a:solidFill>
+                  <a:schemeClr val="bg1"/>
+                </a:solidFill>
+                <a:latin typeface="Arial" charset="0"/>
+                <a:ea typeface="楷体_GB2312" pitchFamily="49" charset="-122"/>
+              </a:defRPr>
+            </a:lvl4pPr>
+            <a:lvl5pPr marL="2057400" indent="-228600" eaLnBrk="0" hangingPunct="0">
+              <a:defRPr b="1">
+                <a:solidFill>
+                  <a:schemeClr val="bg1"/>
+                </a:solidFill>
+                <a:latin typeface="Arial" charset="0"/>
+                <a:ea typeface="楷体_GB2312" pitchFamily="49" charset="-122"/>
+              </a:defRPr>
+            </a:lvl5pPr>
+            <a:lvl6pPr marL="2514600" indent="-228600" algn="ctr" eaLnBrk="0" fontAlgn="base" hangingPunct="0">
+              <a:spcBef>
+                <a:spcPct val="50000"/>
+              </a:spcBef>
+              <a:spcAft>
+                <a:spcPct val="0"/>
+              </a:spcAft>
+              <a:defRPr b="1">
+                <a:solidFill>
+                  <a:schemeClr val="bg1"/>
+                </a:solidFill>
+                <a:latin typeface="Arial" charset="0"/>
+                <a:ea typeface="楷体_GB2312" pitchFamily="49" charset="-122"/>
+              </a:defRPr>
+            </a:lvl6pPr>
+            <a:lvl7pPr marL="2971800" indent="-228600" algn="ctr" eaLnBrk="0" fontAlgn="base" hangingPunct="0">
+              <a:spcBef>
+                <a:spcPct val="50000"/>
+              </a:spcBef>
+              <a:spcAft>
+                <a:spcPct val="0"/>
+              </a:spcAft>
+              <a:defRPr b="1">
+                <a:solidFill>
+                  <a:schemeClr val="bg1"/>
+                </a:solidFill>
+                <a:latin typeface="Arial" charset="0"/>
+                <a:ea typeface="楷体_GB2312" pitchFamily="49" charset="-122"/>
+              </a:defRPr>
+            </a:lvl7pPr>
+            <a:lvl8pPr marL="3429000" indent="-228600" algn="ctr" eaLnBrk="0" fontAlgn="base" hangingPunct="0">
+              <a:spcBef>
+                <a:spcPct val="50000"/>
+              </a:spcBef>
+              <a:spcAft>
+                <a:spcPct val="0"/>
+              </a:spcAft>
+              <a:defRPr b="1">
+                <a:solidFill>
+                  <a:schemeClr val="bg1"/>
+                </a:solidFill>
+                <a:latin typeface="Arial" charset="0"/>
+                <a:ea typeface="楷体_GB2312" pitchFamily="49" charset="-122"/>
+              </a:defRPr>
+            </a:lvl8pPr>
+            <a:lvl9pPr marL="3886200" indent="-228600" algn="ctr" eaLnBrk="0" fontAlgn="base" hangingPunct="0">
+              <a:spcBef>
+                <a:spcPct val="50000"/>
+              </a:spcBef>
+              <a:spcAft>
+                <a:spcPct val="0"/>
+              </a:spcAft>
+              <a:defRPr b="1">
+                <a:solidFill>
+                  <a:schemeClr val="bg1"/>
+                </a:solidFill>
+                <a:latin typeface="Arial" charset="0"/>
+                <a:ea typeface="楷体_GB2312" pitchFamily="49" charset="-122"/>
+              </a:defRPr>
+            </a:lvl9pPr>
+          </a:lstStyle>
+          <a:p>
+            <a:pPr algn="l" eaLnBrk="1" hangingPunct="1"/>
+            <a:endParaRPr lang="zh-CN" altLang="en-US" b="0">
+              <a:solidFill>
+                <a:schemeClr val="tx1"/>
+              </a:solidFill>
+              <a:ea typeface="宋体" charset="-122"/>
+            </a:endParaRPr>
+          </a:p>
+        </p:txBody>
+      </p:sp>
+      <p:sp>
+        <p:nvSpPr>
+          <p:cNvPr id="49284" name="Oval 132"/>
+          <p:cNvSpPr>
+            <a:spLocks noChangeArrowheads="1"/>
+          </p:cNvSpPr>
+          <p:nvPr/>
+        </p:nvSpPr>
+        <p:spPr bwMode="auto">
+          <a:xfrm>
+            <a:off x="6860580" y="4341591"/>
+            <a:ext cx="588422" cy="491870"/>
+          </a:xfrm>
+          <a:prstGeom prst="ellipse">
+            <a:avLst/>
+          </a:prstGeom>
+          <a:gradFill rotWithShape="1">
+            <a:gsLst>
+              <a:gs pos="0">
+                <a:schemeClr val="bg1">
+                  <a:alpha val="80000"/>
+                </a:schemeClr>
+              </a:gs>
+              <a:gs pos="100000">
+                <a:schemeClr val="bg1">
+                  <a:gamma/>
+                  <a:shade val="46275"/>
+                  <a:invGamma/>
+                  <a:alpha val="0"/>
+                </a:schemeClr>
+              </a:gs>
+            </a:gsLst>
+            <a:path path="shape">
+              <a:fillToRect l="50000" t="50000" r="50000" b="50000"/>
+            </a:path>
+          </a:gradFill>
+          <a:ln w="9525">
+            <a:noFill/>
+            <a:round/>
+            <a:headEnd/>
+            <a:tailEnd/>
+          </a:ln>
+          <a:effectLst/>
+        </p:spPr>
+        <p:txBody>
+          <a:bodyPr wrap="none" lIns="99276" tIns="49637" rIns="99276" bIns="49637" anchor="ctr"/>
+          <a:lstStyle/>
+          <a:p>
+            <a:pPr>
+              <a:defRPr/>
+            </a:pPr>
+            <a:endParaRPr lang="zh-CN" altLang="en-US"/>
+          </a:p>
+        </p:txBody>
+      </p:sp>
+      <p:sp>
+        <p:nvSpPr>
+          <p:cNvPr id="5" name="Rectangle 2"/>
+          <p:cNvSpPr>
+            <a:spLocks noChangeArrowheads="1"/>
+          </p:cNvSpPr>
+          <p:nvPr/>
+        </p:nvSpPr>
+        <p:spPr bwMode="auto">
+          <a:xfrm>
+            <a:off x="0" y="0"/>
+            <a:ext cx="10691813" cy="0"/>
+          </a:xfrm>
+          <a:prstGeom prst="rect">
+            <a:avLst/>
+          </a:prstGeom>
+          <a:noFill/>
+          <a:ln>
+            <a:noFill/>
+          </a:ln>
+          <a:effectLst/>
+          <a:extLst>
+            <a:ext uri="{909E8E84-426E-40DD-AFC4-6F175D3DCCD1}">
+              <a14:hiddenFill xmlns="" xmlns:a14="http://schemas.microsoft.com/office/drawing/2010/main">
+                <a:solidFill>
+                  <a:schemeClr val="accent1"/>
+                </a:solidFill>
+              </a14:hiddenFill>
+            </a:ext>
+            <a:ext uri="{91240B29-F687-4F45-9708-019B960494DF}">
+              <a14:hiddenLine xmlns="" xmlns:a14="http://schemas.microsoft.com/office/drawing/2010/main" w="9525">
+                <a:solidFill>
+                  <a:schemeClr val="tx1"/>
+                </a:solidFill>
+                <a:miter lim="800000"/>
+                <a:headEnd/>
+                <a:tailEnd/>
+              </a14:hiddenLine>
+            </a:ext>
+            <a:ext uri="{AF507438-7753-43E0-B8FC-AC1667EBCBE1}">
+              <a14:hiddenEffects xmlns="" xmlns:a14="http://schemas.microsoft.com/office/drawing/2010/main">
+                <a:effectLst>
+                  <a:outerShdw dist="35921" dir="2700000" algn="ctr" rotWithShape="0">
+                    <a:schemeClr val="bg2"/>
+                  </a:outerShdw>
+                </a:effectLst>
+              </a14:hiddenEffects>
+            </a:ext>
+          </a:extLst>
+        </p:spPr>
+        <p:txBody>
+          <a:bodyPr vert="horz" wrap="none" lIns="91440" tIns="45720" rIns="91440" bIns="45720" numCol="1" anchor="ctr" anchorCtr="0" compatLnSpc="1">
+            <a:prstTxWarp prst="textNoShape">
+              <a:avLst/>
+            </a:prstTxWarp>
+            <a:spAutoFit/>
+          </a:bodyPr>
+          <a:lstStyle/>
+          <a:p>
+            <a:endParaRPr lang="zh-CN" altLang="en-US"/>
+          </a:p>
+        </p:txBody>
+      </p:sp>
+      <p:pic>
+        <p:nvPicPr>
+          <p:cNvPr id="6210" name="Picture 66"/>
+          <p:cNvPicPr>
+            <a:picLocks noChangeAspect="1" noChangeArrowheads="1"/>
+          </p:cNvPicPr>
+          <p:nvPr/>
+        </p:nvPicPr>
+        <p:blipFill>
+          <a:blip r:embed="rId2" cstate="print">
+            <a:extLst>
+              <a:ext uri="{28A0092B-C50C-407E-A947-70E740481C1C}">
+                <a14:useLocalDpi xmlns="" xmlns:a14="http://schemas.microsoft.com/office/drawing/2010/main" val="0"/>
+              </a:ext>
+            </a:extLst>
+          </a:blip>
+          <a:srcRect/>
+          <a:stretch>
+            <a:fillRect/>
+          </a:stretch>
+        </p:blipFill>
+        <p:spPr bwMode="auto">
+          <a:xfrm>
+            <a:off x="1230491" y="2204863"/>
+            <a:ext cx="8147863" cy="3972377"/>
+          </a:xfrm>
+          <a:prstGeom prst="rect">
+            <a:avLst/>
+          </a:prstGeom>
+          <a:noFill/>
+          <a:ln>
+            <a:noFill/>
+          </a:ln>
+          <a:effectLst/>
+          <a:extLst>
+            <a:ext uri="{909E8E84-426E-40DD-AFC4-6F175D3DCCD1}">
+              <a14:hiddenFill xmlns="" xmlns:a14="http://schemas.microsoft.com/office/drawing/2010/main">
+                <a:solidFill>
+                  <a:schemeClr val="accent1"/>
+                </a:solidFill>
+              </a14:hiddenFill>
+            </a:ext>
+            <a:ext uri="{91240B29-F687-4F45-9708-019B960494DF}">
+              <a14:hiddenLine xmlns="" xmlns:a14="http://schemas.microsoft.com/office/drawing/2010/main" w="9525">
+                <a:solidFill>
+                  <a:schemeClr val="tx1"/>
+                </a:solidFill>
+                <a:miter lim="800000"/>
+                <a:headEnd/>
+                <a:tailEnd/>
+              </a14:hiddenLine>
+            </a:ext>
+            <a:ext uri="{AF507438-7753-43E0-B8FC-AC1667EBCBE1}">
+              <a14:hiddenEffects xmlns="" xmlns:a14="http://schemas.microsoft.com/office/drawing/2010/main">
+                <a:effectLst>
+                  <a:outerShdw dist="35921" dir="2700000" algn="ctr" rotWithShape="0">
+                    <a:schemeClr val="bg2"/>
+                  </a:outerShdw>
+                </a:effectLst>
+              </a14:hiddenEffects>
+            </a:ext>
+          </a:extLst>
+        </p:spPr>
+      </p:pic>
+    </p:spTree>
+    <p:extLst>
+      <p:ext uri="{BB962C8B-B14F-4D97-AF65-F5344CB8AC3E}">
+        <p14:creationId xmlns="" xmlns:p14="http://schemas.microsoft.com/office/powerpoint/2010/main" val="2396235667"/>
+      </p:ext>
+    </p:extLst>
+  </p:cSld>
+  <p:clrMapOvr>
+    <a:masterClrMapping/>
+  </p:clrMapOvr>
+  <mc:AlternateContent xmlns:mc="http://schemas.openxmlformats.org/markup-compatibility/2006">
+    <mc:Choice xmlns="" xmlns:p14="http://schemas.microsoft.com/office/powerpoint/2010/main" Requires="p14">
+      <p:transition spd="slow" p14:dur="1200">
+        <p14:prism/>
+      </p:transition>
+    </mc:Choice>
+    <mc:Fallback>
+      <p:transition spd="slow">
+        <p:fade/>
+      </p:transition>
+    </mc:Fallback>
+  </mc:AlternateContent>
+  <p:timing>
+    <p:tnLst>
+      <p:par>
+        <p:cTn id="1" dur="indefinite" restart="never" nodeType="tmRoot">
+          <p:childTnLst>
+            <p:seq concurrent="1" nextAc="seek">
+              <p:cTn id="2" dur="indefinite" nodeType="mainSeq">
+                <p:childTnLst>
+                  <p:par>
+                    <p:cTn id="3" fill="hold">
+                      <p:stCondLst>
+                        <p:cond delay="indefinite"/>
+                      </p:stCondLst>
+                      <p:childTnLst>
+                        <p:par>
+                          <p:cTn id="4" fill="hold">
+                            <p:stCondLst>
+                              <p:cond delay="0"/>
+                            </p:stCondLst>
+                            <p:childTnLst>
+                              <p:par>
+                                <p:cTn id="5" presetID="42" presetClass="entr" presetSubtype="0" fill="hold" nodeType="clickEffect">
+                                  <p:stCondLst>
+                                    <p:cond delay="0"/>
+                                  </p:stCondLst>
+                                  <p:childTnLst>
+                                    <p:set>
+                                      <p:cBhvr>
+                                        <p:cTn id="6" dur="1" fill="hold">
+                                          <p:stCondLst>
+                                            <p:cond delay="0"/>
+                                          </p:stCondLst>
+                                        </p:cTn>
+                                        <p:tgtEl>
+                                          <p:spTgt spid="6210"/>
+                                        </p:tgtEl>
+                                        <p:attrNameLst>
+                                          <p:attrName>style.visibility</p:attrName>
+                                        </p:attrNameLst>
+                                      </p:cBhvr>
+                                      <p:to>
+                                        <p:strVal val="visible"/>
+                                      </p:to>
+                                    </p:set>
+                                    <p:animEffect transition="in" filter="fade">
+                                      <p:cBhvr>
+                                        <p:cTn id="7" dur="1000"/>
+                                        <p:tgtEl>
+                                          <p:spTgt spid="6210"/>
+                                        </p:tgtEl>
+                                      </p:cBhvr>
+                                    </p:animEffect>
+                                    <p:anim calcmode="lin" valueType="num">
+                                      <p:cBhvr>
+                                        <p:cTn id="8" dur="1000" fill="hold"/>
+                                        <p:tgtEl>
+                                          <p:spTgt spid="6210"/>
+                                        </p:tgtEl>
+                                        <p:attrNameLst>
+                                          <p:attrName>ppt_x</p:attrName>
+                                        </p:attrNameLst>
+                                      </p:cBhvr>
+                                      <p:tavLst>
+                                        <p:tav tm="0">
+                                          <p:val>
+                                            <p:strVal val="#ppt_x"/>
+                                          </p:val>
+                                        </p:tav>
+                                        <p:tav tm="100000">
+                                          <p:val>
+                                            <p:strVal val="#ppt_x"/>
+                                          </p:val>
+                                        </p:tav>
+                                      </p:tavLst>
+                                    </p:anim>
+                                    <p:anim calcmode="lin" valueType="num">
+                                      <p:cBhvr>
+                                        <p:cTn id="9" dur="1000" fill="hold"/>
+                                        <p:tgtEl>
+                                          <p:spTgt spid="6210"/>
+                                        </p:tgtEl>
+                                        <p:attrNameLst>
+                                          <p:attrName>ppt_y</p:attrName>
+                                        </p:attrNameLst>
+                                      </p:cBhvr>
+                                      <p:tavLst>
+                                        <p:tav tm="0">
+                                          <p:val>
+                                            <p:strVal val="#ppt_y+.1"/>
+                                          </p:val>
+                                        </p:tav>
+                                        <p:tav tm="100000">
+                                          <p:val>
+                                            <p:strVal val="#ppt_y"/>
+                                          </p:val>
+                                        </p:tav>
+                                      </p:tavLst>
+                                    </p:anim>
+                                  </p:childTnLst>
+                                </p:cTn>
+                              </p:par>
+                            </p:childTnLst>
+                          </p:cTn>
+                        </p:par>
+                      </p:childTnLst>
+                    </p:cTn>
+                  </p:par>
+                </p:childTnLst>
+              </p:cTn>
+              <p:prevCondLst>
+                <p:cond evt="onPrev" delay="0">
+                  <p:tgtEl>
+                    <p:sldTgt/>
+                  </p:tgtEl>
+                </p:cond>
+              </p:prevCondLst>
+              <p:nextCondLst>
+                <p:cond evt="onNext" delay="0">
+                  <p:tgtEl>
+                    <p:sldTgt/>
+                  </p:tgtEl>
+                </p:cond>
+              </p:nextCondLst>
+            </p:seq>
+          </p:childTnLst>
+        </p:cTn>
+      </p:par>
+    </p:tnLst>
+  </p:timing>
+</p:sld>
+</file>
+
 <file path=ppt/slides/slide5.xml><?xml version="1.0" encoding="utf-8"?>
 <p:sld xmlns:a="http://schemas.openxmlformats.org/drawingml/2006/main" xmlns:r="http://schemas.openxmlformats.org/officeDocument/2006/relationships" xmlns:p="http://schemas.openxmlformats.org/presentationml/2006/main">
   <p:cSld>
@@ -16041,7 +17663,7 @@
           </a:ln>
           <a:extLst>
             <a:ext uri="{91240B29-F687-4F45-9708-019B960494DF}">
-              <a14:hiddenLine xmlns:a14="http://schemas.microsoft.com/office/drawing/2010/main" w="9525">
+              <a14:hiddenLine xmlns="" xmlns:a14="http://schemas.microsoft.com/office/drawing/2010/main" w="9525">
                 <a:solidFill>
                   <a:srgbClr val="000000"/>
                 </a:solidFill>
@@ -16092,14 +17714,14 @@
           <p:nvPr>
             <p:extLst>
               <p:ext uri="{D42A27DB-BD31-4B8C-83A1-F6EECF244321}">
-                <p14:modId xmlns:p14="http://schemas.microsoft.com/office/powerpoint/2010/main" val="1573573705"/>
+                <p14:modId xmlns="" xmlns:p14="http://schemas.microsoft.com/office/powerpoint/2010/main" val="1573573705"/>
               </p:ext>
             </p:extLst>
           </p:nvPr>
         </p:nvGraphicFramePr>
         <p:xfrm>
-          <a:off x="953419" y="1628801"/>
-          <a:ext cx="8568952" cy="4909037"/>
+          <a:off x="953418" y="1484784"/>
+          <a:ext cx="8568952" cy="5150134"/>
         </p:xfrm>
         <a:graphic>
           <a:graphicData uri="http://schemas.openxmlformats.org/drawingml/2006/table">
@@ -16300,7 +17922,7 @@
                           <a:ea typeface="微软雅黑" pitchFamily="34" charset="-122"/>
                           <a:cs typeface="+mn-cs"/>
                         </a:rPr>
-                        <a:t>完成</a:t>
+                        <a:t>完成。目前已清洗近三年的历史数据，并可根据需求提供文本格式的数据。</a:t>
                       </a:r>
                       <a:endParaRPr lang="zh-CN" altLang="en-US" sz="1600" kern="100" dirty="0">
                         <a:solidFill>
@@ -16907,20 +18529,20 @@
     </p:spTree>
     <p:extLst>
       <p:ext uri="{BB962C8B-B14F-4D97-AF65-F5344CB8AC3E}">
-        <p14:creationId xmlns:p14="http://schemas.microsoft.com/office/powerpoint/2010/main" val="2024042825"/>
+        <p14:creationId xmlns="" xmlns:p14="http://schemas.microsoft.com/office/powerpoint/2010/main" val="2024042825"/>
       </p:ext>
     </p:extLst>
   </p:cSld>
   <p:clrMapOvr>
     <a:masterClrMapping/>
   </p:clrMapOvr>
-  <mc:AlternateContent xmlns:mc="http://schemas.openxmlformats.org/markup-compatibility/2006" xmlns:p14="http://schemas.microsoft.com/office/powerpoint/2010/main">
-    <mc:Choice Requires="p14">
+  <mc:AlternateContent xmlns:mc="http://schemas.openxmlformats.org/markup-compatibility/2006">
+    <mc:Choice xmlns="" xmlns:p14="http://schemas.microsoft.com/office/powerpoint/2010/main" Requires="p14">
       <p:transition spd="slow" p14:dur="1200">
         <p14:flip dir="r"/>
       </p:transition>
     </mc:Choice>
-    <mc:Fallback xmlns="">
+    <mc:Fallback>
       <p:transition spd="slow">
         <p:fade/>
       </p:transition>
@@ -17153,7 +18775,7 @@
     </p:spTree>
     <p:extLst>
       <p:ext uri="{BB962C8B-B14F-4D97-AF65-F5344CB8AC3E}">
-        <p14:creationId xmlns:p14="http://schemas.microsoft.com/office/powerpoint/2010/main" val="3533886099"/>
+        <p14:creationId xmlns="" xmlns:p14="http://schemas.microsoft.com/office/powerpoint/2010/main" val="3533886099"/>
       </p:ext>
     </p:extLst>
   </p:cSld>
@@ -17415,7 +19037,7 @@
           </a:ln>
           <a:extLst>
             <a:ext uri="{91240B29-F687-4F45-9708-019B960494DF}">
-              <a14:hiddenLine xmlns:a14="http://schemas.microsoft.com/office/drawing/2010/main" w="9525">
+              <a14:hiddenLine xmlns="" xmlns:a14="http://schemas.microsoft.com/office/drawing/2010/main" w="9525">
                 <a:solidFill>
                   <a:srgbClr val="000000"/>
                 </a:solidFill>
@@ -17460,7 +19082,7 @@
           <p:nvPr>
             <p:extLst>
               <p:ext uri="{D42A27DB-BD31-4B8C-83A1-F6EECF244321}">
-                <p14:modId xmlns:p14="http://schemas.microsoft.com/office/powerpoint/2010/main" val="203433370"/>
+                <p14:modId xmlns="" xmlns:p14="http://schemas.microsoft.com/office/powerpoint/2010/main" val="686483791"/>
               </p:ext>
             </p:extLst>
           </p:nvPr>
@@ -17475,23 +19097,47 @@
           </a:graphicData>
         </a:graphic>
       </p:graphicFrame>
+      <p:graphicFrame>
+        <p:nvGraphicFramePr>
+          <p:cNvPr id="4" name="图表 3"/>
+          <p:cNvGraphicFramePr>
+            <a:graphicFrameLocks/>
+          </p:cNvGraphicFramePr>
+          <p:nvPr>
+            <p:extLst>
+              <p:ext uri="{D42A27DB-BD31-4B8C-83A1-F6EECF244321}">
+                <p14:modId xmlns="" xmlns:p14="http://schemas.microsoft.com/office/powerpoint/2010/main" val="3905092173"/>
+              </p:ext>
+            </p:extLst>
+          </p:nvPr>
+        </p:nvGraphicFramePr>
+        <p:xfrm>
+          <a:off x="512396" y="1628800"/>
+          <a:ext cx="9516826" cy="4824536"/>
+        </p:xfrm>
+        <a:graphic>
+          <a:graphicData uri="http://schemas.openxmlformats.org/drawingml/2006/chart">
+            <c:chart xmlns:c="http://schemas.openxmlformats.org/drawingml/2006/chart" xmlns:r="http://schemas.openxmlformats.org/officeDocument/2006/relationships" r:id="rId3"/>
+          </a:graphicData>
+        </a:graphic>
+      </p:graphicFrame>
     </p:spTree>
     <p:extLst>
       <p:ext uri="{BB962C8B-B14F-4D97-AF65-F5344CB8AC3E}">
-        <p14:creationId xmlns:p14="http://schemas.microsoft.com/office/powerpoint/2010/main" val="632792827"/>
+        <p14:creationId xmlns="" xmlns:p14="http://schemas.microsoft.com/office/powerpoint/2010/main" val="632792827"/>
       </p:ext>
     </p:extLst>
   </p:cSld>
   <p:clrMapOvr>
     <a:masterClrMapping/>
   </p:clrMapOvr>
-  <mc:AlternateContent xmlns:mc="http://schemas.openxmlformats.org/markup-compatibility/2006" xmlns:p14="http://schemas.microsoft.com/office/powerpoint/2010/main">
-    <mc:Choice Requires="p14">
+  <mc:AlternateContent xmlns:mc="http://schemas.openxmlformats.org/markup-compatibility/2006">
+    <mc:Choice xmlns="" xmlns:p14="http://schemas.microsoft.com/office/powerpoint/2010/main" Requires="p14">
       <p:transition spd="slow" p14:dur="1600">
         <p14:conveyor dir="l"/>
       </p:transition>
     </mc:Choice>
-    <mc:Fallback xmlns="">
+    <mc:Fallback>
       <p:transition spd="slow">
         <p:fade/>
       </p:transition>
@@ -17831,18 +19477,11 @@
               <a:t>本次开发共产生</a:t>
             </a:r>
             <a:r>
-              <a:rPr lang="en-US" altLang="zh-CN" sz="2800" dirty="0">
-                <a:latin typeface="微软雅黑" pitchFamily="34" charset="-122"/>
-                <a:ea typeface="微软雅黑" pitchFamily="34" charset="-122"/>
-              </a:rPr>
-              <a:t>31856</a:t>
-            </a:r>
-            <a:r>
               <a:rPr lang="en-US" altLang="zh-CN" sz="2800" dirty="0" smtClean="0">
                 <a:latin typeface="微软雅黑" pitchFamily="34" charset="-122"/>
                 <a:ea typeface="微软雅黑" pitchFamily="34" charset="-122"/>
               </a:rPr>
-              <a:t>LOC</a:t>
+              <a:t>48434LOC</a:t>
             </a:r>
             <a:r>
               <a:rPr lang="zh-CN" altLang="zh-CN" sz="2800" dirty="0" smtClean="0">
@@ -17852,74 +19491,46 @@
               <a:t>代码，其中有效代码为</a:t>
             </a:r>
             <a:r>
-              <a:rPr lang="en-US" altLang="zh-CN" sz="2800" dirty="0">
+              <a:rPr lang="en-US" altLang="zh-CN" sz="2800" dirty="0" smtClean="0">
                 <a:latin typeface="微软雅黑" pitchFamily="34" charset="-122"/>
                 <a:ea typeface="微软雅黑" pitchFamily="34" charset="-122"/>
               </a:rPr>
-              <a:t>24332</a:t>
+              <a:t>36934</a:t>
             </a:r>
             <a:r>
               <a:rPr lang="zh-CN" altLang="zh-CN" sz="2800" dirty="0" smtClean="0">
                 <a:latin typeface="微软雅黑" pitchFamily="34" charset="-122"/>
                 <a:ea typeface="微软雅黑" pitchFamily="34" charset="-122"/>
               </a:rPr>
-              <a:t>行。编码阶段共</a:t>
+              <a:t>行。编码阶段共用</a:t>
+            </a:r>
+            <a:r>
+              <a:rPr lang="en-US" altLang="zh-CN" sz="2800" dirty="0" smtClean="0">
+                <a:latin typeface="微软雅黑" pitchFamily="34" charset="-122"/>
+                <a:ea typeface="微软雅黑" pitchFamily="34" charset="-122"/>
+              </a:rPr>
+              <a:t>185</a:t>
             </a:r>
             <a:r>
               <a:rPr lang="zh-CN" altLang="zh-CN" sz="2800" dirty="0" smtClean="0">
                 <a:latin typeface="微软雅黑" pitchFamily="34" charset="-122"/>
                 <a:ea typeface="微软雅黑" pitchFamily="34" charset="-122"/>
               </a:rPr>
-              <a:t>用</a:t>
+              <a:t>人天，全生命周期共用</a:t>
             </a:r>
             <a:r>
               <a:rPr lang="en-US" altLang="zh-CN" sz="2800" dirty="0" smtClean="0">
                 <a:latin typeface="微软雅黑" pitchFamily="34" charset="-122"/>
                 <a:ea typeface="微软雅黑" pitchFamily="34" charset="-122"/>
               </a:rPr>
-              <a:t>165</a:t>
+              <a:t>487</a:t>
             </a:r>
             <a:r>
               <a:rPr lang="zh-CN" altLang="zh-CN" sz="2800" dirty="0" smtClean="0">
                 <a:latin typeface="微软雅黑" pitchFamily="34" charset="-122"/>
                 <a:ea typeface="微软雅黑" pitchFamily="34" charset="-122"/>
               </a:rPr>
-              <a:t>人天</a:t>
-            </a:r>
-            <a:r>
-              <a:rPr lang="zh-CN" altLang="zh-CN" sz="2800" dirty="0" smtClean="0">
-                <a:latin typeface="微软雅黑" pitchFamily="34" charset="-122"/>
-                <a:ea typeface="微软雅黑" pitchFamily="34" charset="-122"/>
-              </a:rPr>
-              <a:t>，全生命周期共</a:t>
-            </a:r>
-            <a:r>
-              <a:rPr lang="zh-CN" altLang="zh-CN" sz="2800" dirty="0" smtClean="0">
-                <a:latin typeface="微软雅黑" pitchFamily="34" charset="-122"/>
-                <a:ea typeface="微软雅黑" pitchFamily="34" charset="-122"/>
-              </a:rPr>
-              <a:t>用</a:t>
-            </a:r>
-            <a:r>
-              <a:rPr lang="en-US" altLang="zh-CN" sz="2800" dirty="0" smtClean="0">
-                <a:latin typeface="微软雅黑" pitchFamily="34" charset="-122"/>
-                <a:ea typeface="微软雅黑" pitchFamily="34" charset="-122"/>
-              </a:rPr>
-              <a:t>440</a:t>
-            </a:r>
-            <a:r>
-              <a:rPr lang="zh-CN" altLang="zh-CN" sz="2800" dirty="0" smtClean="0">
-                <a:latin typeface="微软雅黑" pitchFamily="34" charset="-122"/>
-                <a:ea typeface="微软雅黑" pitchFamily="34" charset="-122"/>
-              </a:rPr>
-              <a:t>人天</a:t>
-            </a:r>
-            <a:r>
-              <a:rPr lang="zh-CN" altLang="zh-CN" sz="2800" dirty="0" smtClean="0">
-                <a:latin typeface="微软雅黑" pitchFamily="34" charset="-122"/>
-                <a:ea typeface="微软雅黑" pitchFamily="34" charset="-122"/>
-              </a:rPr>
-              <a:t>。</a:t>
+              <a:t>人天。</a:t>
             </a:r>
           </a:p>
           <a:p>
@@ -17935,42 +19546,21 @@
                 <a:latin typeface="微软雅黑" pitchFamily="34" charset="-122"/>
                 <a:ea typeface="微软雅黑" pitchFamily="34" charset="-122"/>
               </a:rPr>
-              <a:t>147.47 </a:t>
+              <a:t>199.64 LOC/</a:t>
+            </a:r>
+            <a:r>
+              <a:rPr lang="zh-CN" altLang="zh-CN" sz="2800" dirty="0" smtClean="0">
+                <a:latin typeface="微软雅黑" pitchFamily="34" charset="-122"/>
+                <a:ea typeface="微软雅黑" pitchFamily="34" charset="-122"/>
+              </a:rPr>
+              <a:t>人天；全生命周期生产率为：</a:t>
             </a:r>
             <a:r>
               <a:rPr lang="en-US" altLang="zh-CN" sz="2800" dirty="0" smtClean="0">
                 <a:latin typeface="微软雅黑" pitchFamily="34" charset="-122"/>
                 <a:ea typeface="微软雅黑" pitchFamily="34" charset="-122"/>
               </a:rPr>
-              <a:t>LOC/</a:t>
-            </a:r>
-            <a:r>
-              <a:rPr lang="zh-CN" altLang="zh-CN" sz="2800" dirty="0" smtClean="0">
-                <a:latin typeface="微软雅黑" pitchFamily="34" charset="-122"/>
-                <a:ea typeface="微软雅黑" pitchFamily="34" charset="-122"/>
-              </a:rPr>
-              <a:t>人天；全生命周期生产率为</a:t>
-            </a:r>
-            <a:r>
-              <a:rPr lang="zh-CN" altLang="zh-CN" sz="2800" dirty="0" smtClean="0">
-                <a:latin typeface="微软雅黑" pitchFamily="34" charset="-122"/>
-                <a:ea typeface="微软雅黑" pitchFamily="34" charset="-122"/>
-              </a:rPr>
-              <a:t>：</a:t>
-            </a:r>
-            <a:r>
-              <a:rPr lang="en-US" altLang="zh-CN" sz="2800" dirty="0" smtClean="0">
-                <a:latin typeface="微软雅黑" pitchFamily="34" charset="-122"/>
-                <a:ea typeface="微软雅黑" pitchFamily="34" charset="-122"/>
-              </a:rPr>
-              <a:t>55.3 </a:t>
-            </a:r>
-            <a:r>
-              <a:rPr lang="en-US" altLang="zh-CN" sz="2800" dirty="0" smtClean="0">
-                <a:latin typeface="微软雅黑" pitchFamily="34" charset="-122"/>
-                <a:ea typeface="微软雅黑" pitchFamily="34" charset="-122"/>
-              </a:rPr>
-              <a:t>LOC/</a:t>
+              <a:t>75.84 LOC/</a:t>
             </a:r>
             <a:r>
               <a:rPr lang="zh-CN" altLang="zh-CN" sz="2800" dirty="0" smtClean="0">
@@ -18023,7 +19613,7 @@
           </a:ln>
           <a:extLst>
             <a:ext uri="{91240B29-F687-4F45-9708-019B960494DF}">
-              <a14:hiddenLine xmlns:a14="http://schemas.microsoft.com/office/drawing/2010/main" w="9525">
+              <a14:hiddenLine xmlns="" xmlns:a14="http://schemas.microsoft.com/office/drawing/2010/main" w="9525">
                 <a:solidFill>
                   <a:srgbClr val="000000"/>
                 </a:solidFill>
@@ -18062,20 +19652,20 @@
     </p:spTree>
     <p:extLst>
       <p:ext uri="{BB962C8B-B14F-4D97-AF65-F5344CB8AC3E}">
-        <p14:creationId xmlns:p14="http://schemas.microsoft.com/office/powerpoint/2010/main" val="430663697"/>
+        <p14:creationId xmlns="" xmlns:p14="http://schemas.microsoft.com/office/powerpoint/2010/main" val="430663697"/>
       </p:ext>
     </p:extLst>
   </p:cSld>
   <p:clrMapOvr>
     <a:masterClrMapping/>
   </p:clrMapOvr>
-  <mc:AlternateContent xmlns:mc="http://schemas.openxmlformats.org/markup-compatibility/2006" xmlns:p14="http://schemas.microsoft.com/office/powerpoint/2010/main">
-    <mc:Choice Requires="p14">
+  <mc:AlternateContent xmlns:mc="http://schemas.openxmlformats.org/markup-compatibility/2006">
+    <mc:Choice xmlns="" xmlns:p14="http://schemas.microsoft.com/office/powerpoint/2010/main" Requires="p14">
       <p:transition spd="slow" p14:dur="1600">
         <p14:prism isInverted="1"/>
       </p:transition>
     </mc:Choice>
-    <mc:Fallback xmlns="">
+    <mc:Fallback>
       <p:transition spd="slow">
         <p:fade/>
       </p:transition>
@@ -18535,55 +20125,41 @@
           <a:p>
             <a:pPr lvl="1"/>
             <a:r>
-              <a:rPr lang="zh-CN" altLang="en-US" dirty="0" smtClean="0">
+              <a:rPr lang="zh-CN" altLang="en-US" sz="1800" dirty="0" smtClean="0">
                 <a:latin typeface="微软雅黑" pitchFamily="34" charset="-122"/>
                 <a:ea typeface="微软雅黑" pitchFamily="34" charset="-122"/>
               </a:rPr>
               <a:t>本次开发共发现</a:t>
             </a:r>
             <a:r>
-              <a:rPr lang="en-US" altLang="zh-CN" dirty="0" smtClean="0">
+              <a:rPr lang="en-US" altLang="zh-CN" sz="1800" dirty="0" smtClean="0">
                 <a:latin typeface="微软雅黑" pitchFamily="34" charset="-122"/>
                 <a:ea typeface="微软雅黑" pitchFamily="34" charset="-122"/>
               </a:rPr>
               <a:t>2</a:t>
             </a:r>
             <a:r>
-              <a:rPr lang="zh-CN" altLang="en-US" dirty="0" smtClean="0">
+              <a:rPr lang="zh-CN" altLang="en-US" sz="1800" dirty="0" smtClean="0">
                 <a:latin typeface="微软雅黑" pitchFamily="34" charset="-122"/>
                 <a:ea typeface="微软雅黑" pitchFamily="34" charset="-122"/>
               </a:rPr>
-              <a:t>个问题</a:t>
+              <a:t>个问题，</a:t>
             </a:r>
             <a:r>
-              <a:rPr lang="zh-CN" altLang="en-US" dirty="0" smtClean="0">
-                <a:latin typeface="微软雅黑" pitchFamily="34" charset="-122"/>
-                <a:ea typeface="微软雅黑" pitchFamily="34" charset="-122"/>
-              </a:rPr>
-              <a:t>，</a:t>
-            </a:r>
-            <a:r>
-              <a:rPr lang="en-US" altLang="zh-CN" dirty="0" smtClean="0">
+              <a:rPr lang="en-US" altLang="zh-CN" sz="1800" dirty="0" smtClean="0">
                 <a:latin typeface="微软雅黑" pitchFamily="34" charset="-122"/>
                 <a:ea typeface="微软雅黑" pitchFamily="34" charset="-122"/>
               </a:rPr>
               <a:t>4</a:t>
             </a:r>
             <a:r>
-              <a:rPr lang="zh-CN" altLang="en-US" dirty="0" smtClean="0">
+              <a:rPr lang="zh-CN" altLang="en-US" sz="1800" dirty="0" smtClean="0">
                 <a:latin typeface="微软雅黑" pitchFamily="34" charset="-122"/>
                 <a:ea typeface="微软雅黑" pitchFamily="34" charset="-122"/>
               </a:rPr>
-              <a:t>个</a:t>
+              <a:t>个风险。</a:t>
             </a:r>
-            <a:r>
-              <a:rPr lang="zh-CN" altLang="en-US" dirty="0" smtClean="0">
-                <a:latin typeface="微软雅黑" pitchFamily="34" charset="-122"/>
-                <a:ea typeface="微软雅黑" pitchFamily="34" charset="-122"/>
-              </a:rPr>
-              <a:t>风险。</a:t>
-            </a:r>
-            <a:endParaRPr lang="en-US" altLang="zh-CN" dirty="0" smtClean="0">
+            <a:endParaRPr lang="en-US" altLang="zh-CN" sz="1800" dirty="0" smtClean="0">
               <a:latin typeface="微软雅黑" pitchFamily="34" charset="-122"/>
               <a:ea typeface="微软雅黑" pitchFamily="34" charset="-122"/>
             </a:endParaRPr>
@@ -18591,62 +20167,48 @@
           <a:p>
             <a:pPr lvl="1"/>
             <a:r>
-              <a:rPr lang="en-US" altLang="zh-CN" dirty="0" smtClean="0">
+              <a:rPr lang="en-US" altLang="zh-CN" sz="1800" dirty="0" smtClean="0">
                 <a:latin typeface="微软雅黑" pitchFamily="34" charset="-122"/>
                 <a:ea typeface="微软雅黑" pitchFamily="34" charset="-122"/>
               </a:rPr>
               <a:t>2</a:t>
             </a:r>
             <a:r>
-              <a:rPr lang="zh-CN" altLang="en-US" dirty="0" smtClean="0">
+              <a:rPr lang="zh-CN" altLang="en-US" sz="1800" dirty="0" smtClean="0">
                 <a:latin typeface="微软雅黑" pitchFamily="34" charset="-122"/>
                 <a:ea typeface="微软雅黑" pitchFamily="34" charset="-122"/>
               </a:rPr>
               <a:t>个风险得到有效控制。</a:t>
             </a:r>
             <a:r>
-              <a:rPr lang="en-US" altLang="zh-CN" dirty="0" smtClean="0">
+              <a:rPr lang="en-US" altLang="zh-CN" sz="1800" dirty="0" smtClean="0">
                 <a:latin typeface="微软雅黑" pitchFamily="34" charset="-122"/>
                 <a:ea typeface="微软雅黑" pitchFamily="34" charset="-122"/>
               </a:rPr>
               <a:t> 2</a:t>
             </a:r>
             <a:r>
-              <a:rPr lang="zh-CN" altLang="en-US" dirty="0" smtClean="0">
+              <a:rPr lang="zh-CN" altLang="en-US" sz="1800" dirty="0" smtClean="0">
                 <a:latin typeface="微软雅黑" pitchFamily="34" charset="-122"/>
                 <a:ea typeface="微软雅黑" pitchFamily="34" charset="-122"/>
               </a:rPr>
-              <a:t>个问题经过协调解决</a:t>
+              <a:t>个问题经过协调解决，</a:t>
             </a:r>
             <a:r>
-              <a:rPr lang="zh-CN" altLang="en-US" dirty="0" smtClean="0">
-                <a:latin typeface="微软雅黑" pitchFamily="34" charset="-122"/>
-                <a:ea typeface="微软雅黑" pitchFamily="34" charset="-122"/>
-              </a:rPr>
-              <a:t>，</a:t>
-            </a:r>
-            <a:r>
-              <a:rPr lang="en-US" altLang="zh-CN" dirty="0">
+              <a:rPr lang="en-US" altLang="zh-CN" sz="1800" dirty="0">
                 <a:latin typeface="微软雅黑" pitchFamily="34" charset="-122"/>
                 <a:ea typeface="微软雅黑" pitchFamily="34" charset="-122"/>
               </a:rPr>
               <a:t>2</a:t>
             </a:r>
             <a:r>
-              <a:rPr lang="zh-CN" altLang="en-US" dirty="0" smtClean="0">
+              <a:rPr lang="zh-CN" altLang="en-US" sz="1800" dirty="0" smtClean="0">
                 <a:latin typeface="微软雅黑" pitchFamily="34" charset="-122"/>
                 <a:ea typeface="微软雅黑" pitchFamily="34" charset="-122"/>
               </a:rPr>
-              <a:t>个</a:t>
+              <a:t>个风险转为问题最终解决。</a:t>
             </a:r>
-            <a:r>
-              <a:rPr lang="zh-CN" altLang="en-US" dirty="0" smtClean="0">
-                <a:latin typeface="微软雅黑" pitchFamily="34" charset="-122"/>
-                <a:ea typeface="微软雅黑" pitchFamily="34" charset="-122"/>
-              </a:rPr>
-              <a:t>风险转为问题最终解决。</a:t>
-            </a:r>
-            <a:endParaRPr lang="en-US" altLang="zh-CN" dirty="0" smtClean="0">
+            <a:endParaRPr lang="en-US" altLang="zh-CN" sz="1800" dirty="0" smtClean="0">
               <a:latin typeface="微软雅黑" pitchFamily="34" charset="-122"/>
               <a:ea typeface="微软雅黑" pitchFamily="34" charset="-122"/>
             </a:endParaRPr>
@@ -18687,7 +20249,7 @@
           </a:ln>
           <a:extLst>
             <a:ext uri="{91240B29-F687-4F45-9708-019B960494DF}">
-              <a14:hiddenLine xmlns:a14="http://schemas.microsoft.com/office/drawing/2010/main" w="9525">
+              <a14:hiddenLine xmlns="" xmlns:a14="http://schemas.microsoft.com/office/drawing/2010/main" w="9525">
                 <a:solidFill>
                   <a:srgbClr val="000000"/>
                 </a:solidFill>
@@ -18723,23 +20285,756 @@
           </a:p>
         </p:txBody>
       </p:sp>
+      <p:graphicFrame>
+        <p:nvGraphicFramePr>
+          <p:cNvPr id="2" name="表格 1"/>
+          <p:cNvGraphicFramePr>
+            <a:graphicFrameLocks noGrp="1"/>
+          </p:cNvGraphicFramePr>
+          <p:nvPr>
+            <p:extLst>
+              <p:ext uri="{D42A27DB-BD31-4B8C-83A1-F6EECF244321}">
+                <p14:modId xmlns="" xmlns:p14="http://schemas.microsoft.com/office/powerpoint/2010/main" val="1524260304"/>
+              </p:ext>
+            </p:extLst>
+          </p:nvPr>
+        </p:nvGraphicFramePr>
+        <p:xfrm>
+          <a:off x="512393" y="2852935"/>
+          <a:ext cx="9730056" cy="3337934"/>
+        </p:xfrm>
+        <a:graphic>
+          <a:graphicData uri="http://schemas.openxmlformats.org/drawingml/2006/table">
+            <a:tbl>
+              <a:tblPr firstRow="1" bandRow="1">
+                <a:tableStyleId>{5C22544A-7EE6-4342-B048-85BDC9FD1C3A}</a:tableStyleId>
+              </a:tblPr>
+              <a:tblGrid>
+                <a:gridCol w="1161105"/>
+                <a:gridCol w="1618911"/>
+                <a:gridCol w="1390008"/>
+                <a:gridCol w="1390008"/>
+                <a:gridCol w="1390008"/>
+                <a:gridCol w="1390008"/>
+                <a:gridCol w="1390008"/>
+              </a:tblGrid>
+              <a:tr h="792089">
+                <a:tc>
+                  <a:txBody>
+                    <a:bodyPr/>
+                    <a:lstStyle/>
+                    <a:p>
+                      <a:endParaRPr lang="zh-CN" altLang="en-US" dirty="0">
+                        <a:solidFill>
+                          <a:schemeClr val="tx1"/>
+                        </a:solidFill>
+                        <a:latin typeface="微软雅黑" pitchFamily="34" charset="-122"/>
+                        <a:ea typeface="微软雅黑" pitchFamily="34" charset="-122"/>
+                      </a:endParaRPr>
+                    </a:p>
+                  </a:txBody>
+                  <a:tcPr anchor="ctr">
+                    <a:solidFill>
+                      <a:schemeClr val="accent1">
+                        <a:lumMod val="20000"/>
+                        <a:lumOff val="80000"/>
+                      </a:schemeClr>
+                    </a:solidFill>
+                  </a:tcPr>
+                </a:tc>
+                <a:tc gridSpan="2">
+                  <a:txBody>
+                    <a:bodyPr/>
+                    <a:lstStyle/>
+                    <a:p>
+                      <a:pPr algn="ctr"/>
+                      <a:r>
+                        <a:rPr lang="zh-CN" altLang="en-US" dirty="0" smtClean="0">
+                          <a:solidFill>
+                            <a:schemeClr val="tx1"/>
+                          </a:solidFill>
+                          <a:latin typeface="微软雅黑" pitchFamily="34" charset="-122"/>
+                          <a:ea typeface="微软雅黑" pitchFamily="34" charset="-122"/>
+                        </a:rPr>
+                        <a:t>问题</a:t>
+                      </a:r>
+                      <a:endParaRPr lang="zh-CN" altLang="en-US" dirty="0">
+                        <a:solidFill>
+                          <a:schemeClr val="tx1"/>
+                        </a:solidFill>
+                        <a:latin typeface="微软雅黑" pitchFamily="34" charset="-122"/>
+                        <a:ea typeface="微软雅黑" pitchFamily="34" charset="-122"/>
+                      </a:endParaRPr>
+                    </a:p>
+                  </a:txBody>
+                  <a:tcPr anchor="ctr">
+                    <a:solidFill>
+                      <a:schemeClr val="accent1">
+                        <a:lumMod val="20000"/>
+                        <a:lumOff val="80000"/>
+                      </a:schemeClr>
+                    </a:solidFill>
+                  </a:tcPr>
+                </a:tc>
+                <a:tc hMerge="1">
+                  <a:txBody>
+                    <a:bodyPr/>
+                    <a:lstStyle/>
+                    <a:p>
+                      <a:endParaRPr lang="zh-CN" altLang="en-US" dirty="0">
+                        <a:solidFill>
+                          <a:schemeClr val="tx1"/>
+                        </a:solidFill>
+                        <a:latin typeface="微软雅黑" pitchFamily="34" charset="-122"/>
+                        <a:ea typeface="微软雅黑" pitchFamily="34" charset="-122"/>
+                      </a:endParaRPr>
+                    </a:p>
+                  </a:txBody>
+                  <a:tcPr>
+                    <a:noFill/>
+                  </a:tcPr>
+                </a:tc>
+                <a:tc gridSpan="4">
+                  <a:txBody>
+                    <a:bodyPr/>
+                    <a:lstStyle/>
+                    <a:p>
+                      <a:pPr algn="ctr"/>
+                      <a:r>
+                        <a:rPr lang="zh-CN" altLang="en-US" dirty="0" smtClean="0">
+                          <a:solidFill>
+                            <a:schemeClr val="tx1"/>
+                          </a:solidFill>
+                          <a:latin typeface="微软雅黑" pitchFamily="34" charset="-122"/>
+                          <a:ea typeface="微软雅黑" pitchFamily="34" charset="-122"/>
+                        </a:rPr>
+                        <a:t>风险</a:t>
+                      </a:r>
+                      <a:endParaRPr lang="zh-CN" altLang="en-US" dirty="0">
+                        <a:solidFill>
+                          <a:schemeClr val="tx1"/>
+                        </a:solidFill>
+                        <a:latin typeface="微软雅黑" pitchFamily="34" charset="-122"/>
+                        <a:ea typeface="微软雅黑" pitchFamily="34" charset="-122"/>
+                      </a:endParaRPr>
+                    </a:p>
+                  </a:txBody>
+                  <a:tcPr anchor="ctr">
+                    <a:solidFill>
+                      <a:schemeClr val="accent1">
+                        <a:lumMod val="20000"/>
+                        <a:lumOff val="80000"/>
+                      </a:schemeClr>
+                    </a:solidFill>
+                  </a:tcPr>
+                </a:tc>
+                <a:tc hMerge="1">
+                  <a:txBody>
+                    <a:bodyPr/>
+                    <a:lstStyle/>
+                    <a:p>
+                      <a:endParaRPr lang="zh-CN" altLang="en-US" dirty="0">
+                        <a:solidFill>
+                          <a:schemeClr val="tx1"/>
+                        </a:solidFill>
+                        <a:latin typeface="微软雅黑" pitchFamily="34" charset="-122"/>
+                        <a:ea typeface="微软雅黑" pitchFamily="34" charset="-122"/>
+                      </a:endParaRPr>
+                    </a:p>
+                  </a:txBody>
+                  <a:tcPr anchor="ctr">
+                    <a:solidFill>
+                      <a:schemeClr val="accent1">
+                        <a:lumMod val="20000"/>
+                        <a:lumOff val="80000"/>
+                      </a:schemeClr>
+                    </a:solidFill>
+                  </a:tcPr>
+                </a:tc>
+                <a:tc hMerge="1">
+                  <a:txBody>
+                    <a:bodyPr/>
+                    <a:lstStyle/>
+                    <a:p>
+                      <a:endParaRPr lang="zh-CN" altLang="en-US" dirty="0">
+                        <a:solidFill>
+                          <a:schemeClr val="tx1"/>
+                        </a:solidFill>
+                        <a:latin typeface="微软雅黑" pitchFamily="34" charset="-122"/>
+                        <a:ea typeface="微软雅黑" pitchFamily="34" charset="-122"/>
+                      </a:endParaRPr>
+                    </a:p>
+                  </a:txBody>
+                  <a:tcPr anchor="ctr">
+                    <a:solidFill>
+                      <a:schemeClr val="accent1">
+                        <a:lumMod val="20000"/>
+                        <a:lumOff val="80000"/>
+                      </a:schemeClr>
+                    </a:solidFill>
+                  </a:tcPr>
+                </a:tc>
+                <a:tc hMerge="1">
+                  <a:txBody>
+                    <a:bodyPr/>
+                    <a:lstStyle/>
+                    <a:p>
+                      <a:endParaRPr lang="zh-CN" altLang="en-US" dirty="0">
+                        <a:solidFill>
+                          <a:schemeClr val="tx1"/>
+                        </a:solidFill>
+                        <a:latin typeface="微软雅黑" pitchFamily="34" charset="-122"/>
+                        <a:ea typeface="微软雅黑" pitchFamily="34" charset="-122"/>
+                      </a:endParaRPr>
+                    </a:p>
+                  </a:txBody>
+                  <a:tcPr anchor="ctr">
+                    <a:solidFill>
+                      <a:schemeClr val="accent1">
+                        <a:lumMod val="20000"/>
+                        <a:lumOff val="80000"/>
+                      </a:schemeClr>
+                    </a:solidFill>
+                  </a:tcPr>
+                </a:tc>
+              </a:tr>
+              <a:tr h="1434792">
+                <a:tc>
+                  <a:txBody>
+                    <a:bodyPr/>
+                    <a:lstStyle/>
+                    <a:p>
+                      <a:pPr algn="ctr"/>
+                      <a:r>
+                        <a:rPr lang="zh-CN" altLang="en-US" dirty="0" smtClean="0">
+                          <a:solidFill>
+                            <a:schemeClr val="tx1"/>
+                          </a:solidFill>
+                          <a:latin typeface="微软雅黑" pitchFamily="34" charset="-122"/>
+                          <a:ea typeface="微软雅黑" pitchFamily="34" charset="-122"/>
+                        </a:rPr>
+                        <a:t>描述</a:t>
+                      </a:r>
+                      <a:endParaRPr lang="zh-CN" altLang="en-US" dirty="0">
+                        <a:solidFill>
+                          <a:schemeClr val="tx1"/>
+                        </a:solidFill>
+                        <a:latin typeface="微软雅黑" pitchFamily="34" charset="-122"/>
+                        <a:ea typeface="微软雅黑" pitchFamily="34" charset="-122"/>
+                      </a:endParaRPr>
+                    </a:p>
+                  </a:txBody>
+                  <a:tcPr anchor="ctr">
+                    <a:solidFill>
+                      <a:schemeClr val="accent1">
+                        <a:lumMod val="20000"/>
+                        <a:lumOff val="80000"/>
+                      </a:schemeClr>
+                    </a:solidFill>
+                  </a:tcPr>
+                </a:tc>
+                <a:tc>
+                  <a:txBody>
+                    <a:bodyPr/>
+                    <a:lstStyle/>
+                    <a:p>
+                      <a:r>
+                        <a:rPr lang="en-US" altLang="zh-CN" dirty="0" smtClean="0">
+                          <a:solidFill>
+                            <a:schemeClr val="tx1"/>
+                          </a:solidFill>
+                          <a:latin typeface="微软雅黑" pitchFamily="34" charset="-122"/>
+                          <a:ea typeface="微软雅黑" pitchFamily="34" charset="-122"/>
+                        </a:rPr>
+                        <a:t>0</a:t>
+                      </a:r>
+                      <a:r>
+                        <a:rPr lang="zh-CN" altLang="en-US" dirty="0" smtClean="0">
+                          <a:solidFill>
+                            <a:schemeClr val="tx1"/>
+                          </a:solidFill>
+                          <a:latin typeface="微软雅黑" pitchFamily="34" charset="-122"/>
+                          <a:ea typeface="微软雅黑" pitchFamily="34" charset="-122"/>
+                        </a:rPr>
+                        <a:t>数据问题</a:t>
+                      </a:r>
+                      <a:endParaRPr lang="zh-CN" altLang="en-US" dirty="0">
+                        <a:solidFill>
+                          <a:schemeClr val="tx1"/>
+                        </a:solidFill>
+                        <a:latin typeface="微软雅黑" pitchFamily="34" charset="-122"/>
+                        <a:ea typeface="微软雅黑" pitchFamily="34" charset="-122"/>
+                      </a:endParaRPr>
+                    </a:p>
+                  </a:txBody>
+                  <a:tcPr anchor="ctr">
+                    <a:solidFill>
+                      <a:schemeClr val="accent1">
+                        <a:lumMod val="20000"/>
+                        <a:lumOff val="80000"/>
+                      </a:schemeClr>
+                    </a:solidFill>
+                  </a:tcPr>
+                </a:tc>
+                <a:tc>
+                  <a:txBody>
+                    <a:bodyPr/>
+                    <a:lstStyle/>
+                    <a:p>
+                      <a:r>
+                        <a:rPr lang="zh-CN" altLang="en-US" dirty="0" smtClean="0">
+                          <a:solidFill>
+                            <a:schemeClr val="tx1"/>
+                          </a:solidFill>
+                          <a:latin typeface="微软雅黑" pitchFamily="34" charset="-122"/>
+                          <a:ea typeface="微软雅黑" pitchFamily="34" charset="-122"/>
+                        </a:rPr>
+                        <a:t>数据对齐</a:t>
+                      </a:r>
+                      <a:endParaRPr lang="zh-CN" altLang="en-US" dirty="0">
+                        <a:solidFill>
+                          <a:schemeClr val="tx1"/>
+                        </a:solidFill>
+                        <a:latin typeface="微软雅黑" pitchFamily="34" charset="-122"/>
+                        <a:ea typeface="微软雅黑" pitchFamily="34" charset="-122"/>
+                      </a:endParaRPr>
+                    </a:p>
+                  </a:txBody>
+                  <a:tcPr anchor="ctr">
+                    <a:solidFill>
+                      <a:schemeClr val="accent1">
+                        <a:lumMod val="20000"/>
+                        <a:lumOff val="80000"/>
+                      </a:schemeClr>
+                    </a:solidFill>
+                  </a:tcPr>
+                </a:tc>
+                <a:tc>
+                  <a:txBody>
+                    <a:bodyPr/>
+                    <a:lstStyle/>
+                    <a:p>
+                      <a:r>
+                        <a:rPr lang="zh-CN" altLang="en-US" dirty="0" smtClean="0">
+                          <a:latin typeface="微软雅黑" pitchFamily="34" charset="-122"/>
+                          <a:ea typeface="微软雅黑" pitchFamily="34" charset="-122"/>
+                        </a:rPr>
+                        <a:t>数据清洗转换效率低于预期</a:t>
+                      </a:r>
+                      <a:endParaRPr lang="zh-CN" altLang="en-US" dirty="0">
+                        <a:solidFill>
+                          <a:schemeClr val="tx1"/>
+                        </a:solidFill>
+                        <a:latin typeface="微软雅黑" pitchFamily="34" charset="-122"/>
+                        <a:ea typeface="微软雅黑" pitchFamily="34" charset="-122"/>
+                      </a:endParaRPr>
+                    </a:p>
+                  </a:txBody>
+                  <a:tcPr anchor="ctr">
+                    <a:solidFill>
+                      <a:schemeClr val="accent1">
+                        <a:lumMod val="20000"/>
+                        <a:lumOff val="80000"/>
+                      </a:schemeClr>
+                    </a:solidFill>
+                  </a:tcPr>
+                </a:tc>
+                <a:tc>
+                  <a:txBody>
+                    <a:bodyPr/>
+                    <a:lstStyle/>
+                    <a:p>
+                      <a:r>
+                        <a:rPr lang="zh-CN" altLang="en-US" dirty="0" smtClean="0">
+                          <a:latin typeface="微软雅黑" pitchFamily="34" charset="-122"/>
+                          <a:ea typeface="微软雅黑" pitchFamily="34" charset="-122"/>
+                        </a:rPr>
+                        <a:t>前端开发受制于数据形式的确认进度低于预期</a:t>
+                      </a:r>
+                      <a:endParaRPr lang="zh-CN" altLang="en-US" dirty="0">
+                        <a:solidFill>
+                          <a:schemeClr val="tx1"/>
+                        </a:solidFill>
+                        <a:latin typeface="微软雅黑" pitchFamily="34" charset="-122"/>
+                        <a:ea typeface="微软雅黑" pitchFamily="34" charset="-122"/>
+                      </a:endParaRPr>
+                    </a:p>
+                  </a:txBody>
+                  <a:tcPr anchor="ctr">
+                    <a:solidFill>
+                      <a:schemeClr val="accent1">
+                        <a:lumMod val="20000"/>
+                        <a:lumOff val="80000"/>
+                      </a:schemeClr>
+                    </a:solidFill>
+                  </a:tcPr>
+                </a:tc>
+                <a:tc>
+                  <a:txBody>
+                    <a:bodyPr/>
+                    <a:lstStyle/>
+                    <a:p>
+                      <a:pPr marL="0" marR="0" indent="0" algn="l" defTabSz="914400" rtl="0" eaLnBrk="1" fontAlgn="auto" latinLnBrk="0" hangingPunct="1">
+                        <a:lnSpc>
+                          <a:spcPct val="100000"/>
+                        </a:lnSpc>
+                        <a:spcBef>
+                          <a:spcPts val="0"/>
+                        </a:spcBef>
+                        <a:spcAft>
+                          <a:spcPts val="0"/>
+                        </a:spcAft>
+                        <a:buClrTx/>
+                        <a:buSzTx/>
+                        <a:buFontTx/>
+                        <a:buNone/>
+                        <a:tabLst/>
+                        <a:defRPr/>
+                      </a:pPr>
+                      <a:r>
+                        <a:rPr lang="en-US" altLang="zh-CN" dirty="0" err="1" smtClean="0">
+                          <a:latin typeface="微软雅黑" pitchFamily="34" charset="-122"/>
+                          <a:ea typeface="微软雅黑" pitchFamily="34" charset="-122"/>
+                        </a:rPr>
+                        <a:t>eztable</a:t>
+                      </a:r>
+                      <a:r>
+                        <a:rPr lang="zh-CN" altLang="en-US" dirty="0" smtClean="0">
+                          <a:latin typeface="微软雅黑" pitchFamily="34" charset="-122"/>
+                          <a:ea typeface="微软雅黑" pitchFamily="34" charset="-122"/>
+                        </a:rPr>
+                        <a:t>数据库部署文档不全</a:t>
+                      </a:r>
+                      <a:endParaRPr lang="en-US" altLang="zh-CN" dirty="0" smtClean="0">
+                        <a:latin typeface="微软雅黑" pitchFamily="34" charset="-122"/>
+                        <a:ea typeface="微软雅黑" pitchFamily="34" charset="-122"/>
+                      </a:endParaRPr>
+                    </a:p>
+                  </a:txBody>
+                  <a:tcPr anchor="ctr">
+                    <a:solidFill>
+                      <a:schemeClr val="accent1">
+                        <a:lumMod val="20000"/>
+                        <a:lumOff val="80000"/>
+                      </a:schemeClr>
+                    </a:solidFill>
+                  </a:tcPr>
+                </a:tc>
+                <a:tc>
+                  <a:txBody>
+                    <a:bodyPr/>
+                    <a:lstStyle/>
+                    <a:p>
+                      <a:pPr marL="0" marR="0" indent="0" algn="l" defTabSz="914400" rtl="0" eaLnBrk="1" fontAlgn="auto" latinLnBrk="0" hangingPunct="1">
+                        <a:lnSpc>
+                          <a:spcPct val="100000"/>
+                        </a:lnSpc>
+                        <a:spcBef>
+                          <a:spcPts val="0"/>
+                        </a:spcBef>
+                        <a:spcAft>
+                          <a:spcPts val="0"/>
+                        </a:spcAft>
+                        <a:buClrTx/>
+                        <a:buSzTx/>
+                        <a:buFontTx/>
+                        <a:buNone/>
+                        <a:tabLst/>
+                        <a:defRPr/>
+                      </a:pPr>
+                      <a:r>
+                        <a:rPr lang="zh-CN" altLang="en-US" dirty="0" smtClean="0">
+                          <a:latin typeface="微软雅黑" pitchFamily="34" charset="-122"/>
+                          <a:ea typeface="微软雅黑" pitchFamily="34" charset="-122"/>
+                        </a:rPr>
+                        <a:t>测试阶段数据正确性校验缺乏参照数据</a:t>
+                      </a:r>
+                    </a:p>
+                    <a:p>
+                      <a:endParaRPr lang="zh-CN" altLang="en-US" dirty="0">
+                        <a:solidFill>
+                          <a:schemeClr val="tx1"/>
+                        </a:solidFill>
+                        <a:latin typeface="微软雅黑" pitchFamily="34" charset="-122"/>
+                        <a:ea typeface="微软雅黑" pitchFamily="34" charset="-122"/>
+                      </a:endParaRPr>
+                    </a:p>
+                  </a:txBody>
+                  <a:tcPr anchor="ctr">
+                    <a:solidFill>
+                      <a:schemeClr val="accent1">
+                        <a:lumMod val="20000"/>
+                        <a:lumOff val="80000"/>
+                      </a:schemeClr>
+                    </a:solidFill>
+                  </a:tcPr>
+                </a:tc>
+              </a:tr>
+              <a:tr h="1082805">
+                <a:tc>
+                  <a:txBody>
+                    <a:bodyPr/>
+                    <a:lstStyle/>
+                    <a:p>
+                      <a:pPr algn="ctr"/>
+                      <a:r>
+                        <a:rPr lang="zh-CN" altLang="en-US" dirty="0" smtClean="0">
+                          <a:solidFill>
+                            <a:schemeClr val="tx1"/>
+                          </a:solidFill>
+                          <a:latin typeface="微软雅黑" pitchFamily="34" charset="-122"/>
+                          <a:ea typeface="微软雅黑" pitchFamily="34" charset="-122"/>
+                        </a:rPr>
+                        <a:t>控制方式</a:t>
+                      </a:r>
+                      <a:endParaRPr lang="zh-CN" altLang="en-US" dirty="0">
+                        <a:solidFill>
+                          <a:schemeClr val="tx1"/>
+                        </a:solidFill>
+                        <a:latin typeface="微软雅黑" pitchFamily="34" charset="-122"/>
+                        <a:ea typeface="微软雅黑" pitchFamily="34" charset="-122"/>
+                      </a:endParaRPr>
+                    </a:p>
+                  </a:txBody>
+                  <a:tcPr anchor="ctr">
+                    <a:solidFill>
+                      <a:schemeClr val="accent1">
+                        <a:lumMod val="20000"/>
+                        <a:lumOff val="80000"/>
+                      </a:schemeClr>
+                    </a:solidFill>
+                  </a:tcPr>
+                </a:tc>
+                <a:tc>
+                  <a:txBody>
+                    <a:bodyPr/>
+                    <a:lstStyle/>
+                    <a:p>
+                      <a:r>
+                        <a:rPr lang="zh-CN" altLang="en-US" dirty="0" smtClean="0">
+                          <a:solidFill>
+                            <a:schemeClr val="tx1"/>
+                          </a:solidFill>
+                          <a:latin typeface="微软雅黑" pitchFamily="34" charset="-122"/>
+                          <a:ea typeface="微软雅黑" pitchFamily="34" charset="-122"/>
+                        </a:rPr>
+                        <a:t>协商解决</a:t>
+                      </a:r>
+                      <a:endParaRPr lang="zh-CN" altLang="en-US" dirty="0">
+                        <a:solidFill>
+                          <a:schemeClr val="tx1"/>
+                        </a:solidFill>
+                        <a:latin typeface="微软雅黑" pitchFamily="34" charset="-122"/>
+                        <a:ea typeface="微软雅黑" pitchFamily="34" charset="-122"/>
+                      </a:endParaRPr>
+                    </a:p>
+                  </a:txBody>
+                  <a:tcPr anchor="ctr">
+                    <a:solidFill>
+                      <a:schemeClr val="accent1">
+                        <a:lumMod val="20000"/>
+                        <a:lumOff val="80000"/>
+                      </a:schemeClr>
+                    </a:solidFill>
+                  </a:tcPr>
+                </a:tc>
+                <a:tc>
+                  <a:txBody>
+                    <a:bodyPr/>
+                    <a:lstStyle/>
+                    <a:p>
+                      <a:pPr marL="0" marR="0" indent="0" algn="l" defTabSz="914400" rtl="0" eaLnBrk="1" fontAlgn="auto" latinLnBrk="0" hangingPunct="1">
+                        <a:lnSpc>
+                          <a:spcPct val="100000"/>
+                        </a:lnSpc>
+                        <a:spcBef>
+                          <a:spcPts val="0"/>
+                        </a:spcBef>
+                        <a:spcAft>
+                          <a:spcPts val="0"/>
+                        </a:spcAft>
+                        <a:buClrTx/>
+                        <a:buSzTx/>
+                        <a:buFontTx/>
+                        <a:buNone/>
+                        <a:tabLst/>
+                        <a:defRPr/>
+                      </a:pPr>
+                      <a:r>
+                        <a:rPr lang="zh-CN" altLang="en-US" dirty="0" smtClean="0">
+                          <a:solidFill>
+                            <a:schemeClr val="tx1"/>
+                          </a:solidFill>
+                          <a:latin typeface="微软雅黑" pitchFamily="34" charset="-122"/>
+                          <a:ea typeface="微软雅黑" pitchFamily="34" charset="-122"/>
+                        </a:rPr>
+                        <a:t>协商解决</a:t>
+                      </a:r>
+                    </a:p>
+                  </a:txBody>
+                  <a:tcPr anchor="ctr">
+                    <a:solidFill>
+                      <a:schemeClr val="accent1">
+                        <a:lumMod val="20000"/>
+                        <a:lumOff val="80000"/>
+                      </a:schemeClr>
+                    </a:solidFill>
+                  </a:tcPr>
+                </a:tc>
+                <a:tc>
+                  <a:txBody>
+                    <a:bodyPr/>
+                    <a:lstStyle/>
+                    <a:p>
+                      <a:r>
+                        <a:rPr lang="zh-CN" altLang="en-US" dirty="0" smtClean="0">
+                          <a:solidFill>
+                            <a:schemeClr val="tx1"/>
+                          </a:solidFill>
+                          <a:latin typeface="微软雅黑" pitchFamily="34" charset="-122"/>
+                          <a:ea typeface="微软雅黑" pitchFamily="34" charset="-122"/>
+                        </a:rPr>
+                        <a:t>转为问题解决</a:t>
+                      </a:r>
+                      <a:endParaRPr lang="zh-CN" altLang="en-US" dirty="0">
+                        <a:solidFill>
+                          <a:schemeClr val="tx1"/>
+                        </a:solidFill>
+                        <a:latin typeface="微软雅黑" pitchFamily="34" charset="-122"/>
+                        <a:ea typeface="微软雅黑" pitchFamily="34" charset="-122"/>
+                      </a:endParaRPr>
+                    </a:p>
+                  </a:txBody>
+                  <a:tcPr anchor="ctr">
+                    <a:solidFill>
+                      <a:schemeClr val="accent1">
+                        <a:lumMod val="20000"/>
+                        <a:lumOff val="80000"/>
+                      </a:schemeClr>
+                    </a:solidFill>
+                  </a:tcPr>
+                </a:tc>
+                <a:tc>
+                  <a:txBody>
+                    <a:bodyPr/>
+                    <a:lstStyle/>
+                    <a:p>
+                      <a:r>
+                        <a:rPr lang="zh-CN" altLang="en-US" dirty="0" smtClean="0">
+                          <a:solidFill>
+                            <a:schemeClr val="tx1"/>
+                          </a:solidFill>
+                          <a:latin typeface="微软雅黑" pitchFamily="34" charset="-122"/>
+                          <a:ea typeface="微软雅黑" pitchFamily="34" charset="-122"/>
+                        </a:rPr>
+                        <a:t>协调解决</a:t>
+                      </a:r>
+                      <a:endParaRPr lang="zh-CN" altLang="en-US" dirty="0">
+                        <a:solidFill>
+                          <a:schemeClr val="tx1"/>
+                        </a:solidFill>
+                        <a:latin typeface="微软雅黑" pitchFamily="34" charset="-122"/>
+                        <a:ea typeface="微软雅黑" pitchFamily="34" charset="-122"/>
+                      </a:endParaRPr>
+                    </a:p>
+                  </a:txBody>
+                  <a:tcPr anchor="ctr">
+                    <a:solidFill>
+                      <a:schemeClr val="accent1">
+                        <a:lumMod val="20000"/>
+                        <a:lumOff val="80000"/>
+                      </a:schemeClr>
+                    </a:solidFill>
+                  </a:tcPr>
+                </a:tc>
+                <a:tc>
+                  <a:txBody>
+                    <a:bodyPr/>
+                    <a:lstStyle/>
+                    <a:p>
+                      <a:r>
+                        <a:rPr lang="zh-CN" altLang="en-US" dirty="0" smtClean="0">
+                          <a:solidFill>
+                            <a:schemeClr val="tx1"/>
+                          </a:solidFill>
+                          <a:latin typeface="微软雅黑" pitchFamily="34" charset="-122"/>
+                          <a:ea typeface="微软雅黑" pitchFamily="34" charset="-122"/>
+                        </a:rPr>
+                        <a:t>协调解决</a:t>
+                      </a:r>
+                      <a:endParaRPr lang="zh-CN" altLang="en-US" dirty="0">
+                        <a:solidFill>
+                          <a:schemeClr val="tx1"/>
+                        </a:solidFill>
+                        <a:latin typeface="微软雅黑" pitchFamily="34" charset="-122"/>
+                        <a:ea typeface="微软雅黑" pitchFamily="34" charset="-122"/>
+                      </a:endParaRPr>
+                    </a:p>
+                  </a:txBody>
+                  <a:tcPr anchor="ctr">
+                    <a:solidFill>
+                      <a:schemeClr val="accent1">
+                        <a:lumMod val="20000"/>
+                        <a:lumOff val="80000"/>
+                      </a:schemeClr>
+                    </a:solidFill>
+                  </a:tcPr>
+                </a:tc>
+                <a:tc>
+                  <a:txBody>
+                    <a:bodyPr/>
+                    <a:lstStyle/>
+                    <a:p>
+                      <a:r>
+                        <a:rPr lang="zh-CN" altLang="en-US" dirty="0" smtClean="0">
+                          <a:solidFill>
+                            <a:schemeClr val="tx1"/>
+                          </a:solidFill>
+                          <a:latin typeface="微软雅黑" pitchFamily="34" charset="-122"/>
+                          <a:ea typeface="微软雅黑" pitchFamily="34" charset="-122"/>
+                        </a:rPr>
+                        <a:t>转为问题解决</a:t>
+                      </a:r>
+                      <a:endParaRPr lang="zh-CN" altLang="en-US" dirty="0">
+                        <a:solidFill>
+                          <a:schemeClr val="tx1"/>
+                        </a:solidFill>
+                        <a:latin typeface="微软雅黑" pitchFamily="34" charset="-122"/>
+                        <a:ea typeface="微软雅黑" pitchFamily="34" charset="-122"/>
+                      </a:endParaRPr>
+                    </a:p>
+                  </a:txBody>
+                  <a:tcPr anchor="ctr">
+                    <a:solidFill>
+                      <a:schemeClr val="accent1">
+                        <a:lumMod val="20000"/>
+                        <a:lumOff val="80000"/>
+                      </a:schemeClr>
+                    </a:solidFill>
+                  </a:tcPr>
+                </a:tc>
+              </a:tr>
+            </a:tbl>
+          </a:graphicData>
+        </a:graphic>
+      </p:graphicFrame>
     </p:spTree>
     <p:extLst>
       <p:ext uri="{BB962C8B-B14F-4D97-AF65-F5344CB8AC3E}">
-        <p14:creationId xmlns:p14="http://schemas.microsoft.com/office/powerpoint/2010/main" val="3191995508"/>
+        <p14:creationId xmlns="" xmlns:p14="http://schemas.microsoft.com/office/powerpoint/2010/main" val="3191995508"/>
       </p:ext>
     </p:extLst>
   </p:cSld>
   <p:clrMapOvr>
     <a:masterClrMapping/>
   </p:clrMapOvr>
-  <mc:AlternateContent xmlns:mc="http://schemas.openxmlformats.org/markup-compatibility/2006" xmlns:p14="http://schemas.microsoft.com/office/powerpoint/2010/main">
-    <mc:Choice Requires="p14">
+  <mc:AlternateContent xmlns:mc="http://schemas.openxmlformats.org/markup-compatibility/2006">
+    <mc:Choice xmlns="" xmlns:p14="http://schemas.microsoft.com/office/powerpoint/2010/main" Requires="p14">
       <p:transition spd="slow" p14:dur="1300">
         <p14:pan dir="u"/>
       </p:transition>
     </mc:Choice>
-    <mc:Fallback xmlns="">
+    <mc:Fallback>
       <p:transition spd="slow">
         <p:fade/>
       </p:transition>
@@ -18863,6 +21158,59 @@
                                               <p:pRg st="1" end="1"/>
                                             </p:txEl>
                                           </p:spTgt>
+                                        </p:tgtEl>
+                                      </p:cBhvr>
+                                    </p:animEffect>
+                                  </p:childTnLst>
+                                </p:cTn>
+                              </p:par>
+                            </p:childTnLst>
+                          </p:cTn>
+                        </p:par>
+                      </p:childTnLst>
+                    </p:cTn>
+                  </p:par>
+                  <p:par>
+                    <p:cTn id="13" fill="hold">
+                      <p:stCondLst>
+                        <p:cond delay="indefinite"/>
+                      </p:stCondLst>
+                      <p:childTnLst>
+                        <p:par>
+                          <p:cTn id="14" fill="hold">
+                            <p:stCondLst>
+                              <p:cond delay="0"/>
+                            </p:stCondLst>
+                            <p:childTnLst>
+                              <p:par>
+                                <p:cTn id="15" presetID="16" presetClass="entr" presetSubtype="21" fill="hold" nodeType="clickEffect">
+                                  <p:stCondLst>
+                                    <p:cond delay="0"/>
+                                  </p:stCondLst>
+                                  <p:childTnLst>
+                                    <p:set>
+                                      <p:cBhvr>
+                                        <p:cTn id="16" dur="1" fill="hold">
+                                          <p:stCondLst>
+                                            <p:cond delay="0"/>
+                                          </p:stCondLst>
+                                        </p:cTn>
+                                        <p:tgtEl>
+                                          <p:spTgt spid="2"/>
+                                        </p:tgtEl>
+                                        <p:attrNameLst>
+                                          <p:attrName>style.visibility</p:attrName>
+                                        </p:attrNameLst>
+                                      </p:cBhvr>
+                                      <p:to>
+                                        <p:strVal val="visible"/>
+                                      </p:to>
+                                    </p:set>
+                                    <p:animEffect transition="in" filter="barn(inVertical)">
+                                      <p:cBhvr>
+                                        <p:cTn id="17" dur="500"/>
+                                        <p:tgtEl>
+                                          <p:spTgt spid="2"/>
                                         </p:tgtEl>
                                       </p:cBhvr>
                                     </p:animEffect>
